--- a/results_04_05.pptx
+++ b/results_04_05.pptx
@@ -11,6 +11,8 @@
     <p:sldId id="264" r:id="rId5"/>
     <p:sldId id="265" r:id="rId6"/>
     <p:sldId id="267" r:id="rId7"/>
+    <p:sldId id="268" r:id="rId8"/>
+    <p:sldId id="269" r:id="rId9"/>
   </p:sldIdLst>
   <p:sldSz cx="12192000" cy="6858000"/>
   <p:notesSz cx="6858000" cy="9144000"/>
@@ -266,7 +268,7 @@
           <a:p>
             <a:fld id="{15A59631-E798-A74D-A0F8-ED244256C4A9}" type="datetimeFigureOut">
               <a:rPr lang="en-ES" smtClean="0"/>
-              <a:t>3/5/23</a:t>
+              <a:t>6/5/23</a:t>
             </a:fld>
             <a:endParaRPr lang="en-ES"/>
           </a:p>
@@ -466,7 +468,7 @@
           <a:p>
             <a:fld id="{15A59631-E798-A74D-A0F8-ED244256C4A9}" type="datetimeFigureOut">
               <a:rPr lang="en-ES" smtClean="0"/>
-              <a:t>3/5/23</a:t>
+              <a:t>6/5/23</a:t>
             </a:fld>
             <a:endParaRPr lang="en-ES"/>
           </a:p>
@@ -676,7 +678,7 @@
           <a:p>
             <a:fld id="{15A59631-E798-A74D-A0F8-ED244256C4A9}" type="datetimeFigureOut">
               <a:rPr lang="en-ES" smtClean="0"/>
-              <a:t>3/5/23</a:t>
+              <a:t>6/5/23</a:t>
             </a:fld>
             <a:endParaRPr lang="en-ES"/>
           </a:p>
@@ -876,7 +878,7 @@
           <a:p>
             <a:fld id="{15A59631-E798-A74D-A0F8-ED244256C4A9}" type="datetimeFigureOut">
               <a:rPr lang="en-ES" smtClean="0"/>
-              <a:t>3/5/23</a:t>
+              <a:t>6/5/23</a:t>
             </a:fld>
             <a:endParaRPr lang="en-ES"/>
           </a:p>
@@ -1152,7 +1154,7 @@
           <a:p>
             <a:fld id="{15A59631-E798-A74D-A0F8-ED244256C4A9}" type="datetimeFigureOut">
               <a:rPr lang="en-ES" smtClean="0"/>
-              <a:t>3/5/23</a:t>
+              <a:t>6/5/23</a:t>
             </a:fld>
             <a:endParaRPr lang="en-ES"/>
           </a:p>
@@ -1420,7 +1422,7 @@
           <a:p>
             <a:fld id="{15A59631-E798-A74D-A0F8-ED244256C4A9}" type="datetimeFigureOut">
               <a:rPr lang="en-ES" smtClean="0"/>
-              <a:t>3/5/23</a:t>
+              <a:t>6/5/23</a:t>
             </a:fld>
             <a:endParaRPr lang="en-ES"/>
           </a:p>
@@ -1835,7 +1837,7 @@
           <a:p>
             <a:fld id="{15A59631-E798-A74D-A0F8-ED244256C4A9}" type="datetimeFigureOut">
               <a:rPr lang="en-ES" smtClean="0"/>
-              <a:t>3/5/23</a:t>
+              <a:t>6/5/23</a:t>
             </a:fld>
             <a:endParaRPr lang="en-ES"/>
           </a:p>
@@ -1977,7 +1979,7 @@
           <a:p>
             <a:fld id="{15A59631-E798-A74D-A0F8-ED244256C4A9}" type="datetimeFigureOut">
               <a:rPr lang="en-ES" smtClean="0"/>
-              <a:t>3/5/23</a:t>
+              <a:t>6/5/23</a:t>
             </a:fld>
             <a:endParaRPr lang="en-ES"/>
           </a:p>
@@ -2090,7 +2092,7 @@
           <a:p>
             <a:fld id="{15A59631-E798-A74D-A0F8-ED244256C4A9}" type="datetimeFigureOut">
               <a:rPr lang="en-ES" smtClean="0"/>
-              <a:t>3/5/23</a:t>
+              <a:t>6/5/23</a:t>
             </a:fld>
             <a:endParaRPr lang="en-ES"/>
           </a:p>
@@ -2403,7 +2405,7 @@
           <a:p>
             <a:fld id="{15A59631-E798-A74D-A0F8-ED244256C4A9}" type="datetimeFigureOut">
               <a:rPr lang="en-ES" smtClean="0"/>
-              <a:t>3/5/23</a:t>
+              <a:t>6/5/23</a:t>
             </a:fld>
             <a:endParaRPr lang="en-ES"/>
           </a:p>
@@ -2692,7 +2694,7 @@
           <a:p>
             <a:fld id="{15A59631-E798-A74D-A0F8-ED244256C4A9}" type="datetimeFigureOut">
               <a:rPr lang="en-ES" smtClean="0"/>
-              <a:t>3/5/23</a:t>
+              <a:t>6/5/23</a:t>
             </a:fld>
             <a:endParaRPr lang="en-ES"/>
           </a:p>
@@ -2935,7 +2937,7 @@
           <a:p>
             <a:fld id="{15A59631-E798-A74D-A0F8-ED244256C4A9}" type="datetimeFigureOut">
               <a:rPr lang="en-ES" smtClean="0"/>
-              <a:t>3/5/23</a:t>
+              <a:t>6/5/23</a:t>
             </a:fld>
             <a:endParaRPr lang="en-ES"/>
           </a:p>
@@ -4356,111 +4358,118 @@
                 <a:pPr marL="0" indent="0">
                   <a:buNone/>
                 </a:pPr>
+                <a:r>
+                  <a:rPr lang="es-ES" b="1" dirty="0"/>
+                  <a:t>                         </a:t>
+                </a:r>
                 <a14:m>
-                  <m:oMathPara xmlns:m="http://schemas.openxmlformats.org/officeDocument/2006/math">
-                    <m:oMathParaPr>
-                      <m:jc m:val="centerGroup"/>
-                    </m:oMathParaPr>
-                    <m:oMath xmlns:m="http://schemas.openxmlformats.org/officeDocument/2006/math">
-                      <m:f>
-                        <m:fPr>
-                          <m:ctrlPr>
-                            <a:rPr lang="es-ES" b="1" i="1" smtClean="0">
-                              <a:latin typeface="Cambria Math" panose="02040503050406030204" pitchFamily="18" charset="0"/>
-                            </a:rPr>
-                          </m:ctrlPr>
-                        </m:fPr>
-                        <m:num>
-                          <m:r>
-                            <a:rPr lang="es-ES" b="0" i="1" smtClean="0">
-                              <a:latin typeface="Cambria Math" panose="02040503050406030204" pitchFamily="18" charset="0"/>
-                            </a:rPr>
-                            <m:t>𝑑</m:t>
-                          </m:r>
-                          <m:r>
-                            <a:rPr lang="es-ES" b="1" i="1">
-                              <a:latin typeface="Cambria Math" panose="02040503050406030204" pitchFamily="18" charset="0"/>
-                            </a:rPr>
-                            <m:t>𝑷</m:t>
-                          </m:r>
-                          <m:d>
-                            <m:dPr>
-                              <m:ctrlPr>
-                                <a:rPr lang="es-ES" i="1">
-                                  <a:latin typeface="Cambria Math" panose="02040503050406030204" pitchFamily="18" charset="0"/>
-                                </a:rPr>
-                              </m:ctrlPr>
-                            </m:dPr>
-                            <m:e>
-                              <m:r>
-                                <a:rPr lang="es-ES" i="1">
-                                  <a:latin typeface="Cambria Math" panose="02040503050406030204" pitchFamily="18" charset="0"/>
-                                </a:rPr>
-                                <m:t>𝑡</m:t>
-                              </m:r>
-                            </m:e>
-                          </m:d>
-                        </m:num>
-                        <m:den>
-                          <m:r>
-                            <a:rPr lang="es-ES" b="0" i="1" smtClean="0">
-                              <a:latin typeface="Cambria Math" panose="02040503050406030204" pitchFamily="18" charset="0"/>
-                            </a:rPr>
-                            <m:t>𝑑𝑡</m:t>
-                          </m:r>
-                        </m:den>
-                      </m:f>
-                      <m:r>
-                        <a:rPr lang="es-ES" b="0" i="1" smtClean="0">
-                          <a:latin typeface="Cambria Math" panose="02040503050406030204" pitchFamily="18" charset="0"/>
-                        </a:rPr>
-                        <m:t>=</m:t>
-                      </m:r>
-                      <m:r>
-                        <a:rPr lang="es-ES" b="0" i="1" smtClean="0">
-                          <a:latin typeface="Cambria Math" panose="02040503050406030204" pitchFamily="18" charset="0"/>
-                        </a:rPr>
-                        <m:t>𝑅</m:t>
-                      </m:r>
-                      <m:r>
-                        <a:rPr lang="es-ES" b="0" i="1" smtClean="0">
-                          <a:latin typeface="Cambria Math" panose="02040503050406030204" pitchFamily="18" charset="0"/>
-                          <a:ea typeface="Cambria Math" panose="02040503050406030204" pitchFamily="18" charset="0"/>
-                        </a:rPr>
-                        <m:t>∙</m:t>
-                      </m:r>
-                      <m:r>
-                        <a:rPr lang="es-ES" b="1" i="1" smtClean="0">
-                          <a:latin typeface="Cambria Math" panose="02040503050406030204" pitchFamily="18" charset="0"/>
-                          <a:ea typeface="Cambria Math" panose="02040503050406030204" pitchFamily="18" charset="0"/>
-                        </a:rPr>
-                        <m:t>𝑷</m:t>
-                      </m:r>
-                      <m:r>
-                        <a:rPr lang="es-ES" b="0" i="1" smtClean="0">
-                          <a:latin typeface="Cambria Math" panose="02040503050406030204" pitchFamily="18" charset="0"/>
-                          <a:ea typeface="Cambria Math" panose="02040503050406030204" pitchFamily="18" charset="0"/>
-                        </a:rPr>
-                        <m:t>(</m:t>
-                      </m:r>
-                      <m:r>
-                        <a:rPr lang="es-ES" b="0" i="1" smtClean="0">
-                          <a:latin typeface="Cambria Math" panose="02040503050406030204" pitchFamily="18" charset="0"/>
-                          <a:ea typeface="Cambria Math" panose="02040503050406030204" pitchFamily="18" charset="0"/>
-                        </a:rPr>
-                        <m:t>𝑡</m:t>
-                      </m:r>
-                      <m:r>
-                        <a:rPr lang="es-ES" b="0" i="1" smtClean="0">
-                          <a:latin typeface="Cambria Math" panose="02040503050406030204" pitchFamily="18" charset="0"/>
-                          <a:ea typeface="Cambria Math" panose="02040503050406030204" pitchFamily="18" charset="0"/>
-                        </a:rPr>
-                        <m:t>)</m:t>
-                      </m:r>
-                    </m:oMath>
-                  </m:oMathPara>
+                  <m:oMath xmlns:m="http://schemas.openxmlformats.org/officeDocument/2006/math">
+                    <m:f>
+                      <m:fPr>
+                        <m:ctrlPr>
+                          <a:rPr lang="es-ES" b="1" i="1" smtClean="0">
+                            <a:latin typeface="Cambria Math" panose="02040503050406030204" pitchFamily="18" charset="0"/>
+                          </a:rPr>
+                        </m:ctrlPr>
+                      </m:fPr>
+                      <m:num>
+                        <m:r>
+                          <a:rPr lang="es-ES" b="0" i="1" smtClean="0">
+                            <a:latin typeface="Cambria Math" panose="02040503050406030204" pitchFamily="18" charset="0"/>
+                          </a:rPr>
+                          <m:t>𝑑</m:t>
+                        </m:r>
+                        <m:r>
+                          <a:rPr lang="es-ES" b="1" i="1">
+                            <a:latin typeface="Cambria Math" panose="02040503050406030204" pitchFamily="18" charset="0"/>
+                          </a:rPr>
+                          <m:t>𝑷</m:t>
+                        </m:r>
+                        <m:d>
+                          <m:dPr>
+                            <m:ctrlPr>
+                              <a:rPr lang="es-ES" i="1">
+                                <a:latin typeface="Cambria Math" panose="02040503050406030204" pitchFamily="18" charset="0"/>
+                              </a:rPr>
+                            </m:ctrlPr>
+                          </m:dPr>
+                          <m:e>
+                            <m:r>
+                              <a:rPr lang="es-ES" i="1">
+                                <a:latin typeface="Cambria Math" panose="02040503050406030204" pitchFamily="18" charset="0"/>
+                              </a:rPr>
+                              <m:t>𝑡</m:t>
+                            </m:r>
+                          </m:e>
+                        </m:d>
+                      </m:num>
+                      <m:den>
+                        <m:r>
+                          <a:rPr lang="es-ES" b="0" i="1" smtClean="0">
+                            <a:latin typeface="Cambria Math" panose="02040503050406030204" pitchFamily="18" charset="0"/>
+                          </a:rPr>
+                          <m:t>𝑑𝑡</m:t>
+                        </m:r>
+                      </m:den>
+                    </m:f>
+                    <m:r>
+                      <a:rPr lang="es-ES" b="0" i="1" smtClean="0">
+                        <a:latin typeface="Cambria Math" panose="02040503050406030204" pitchFamily="18" charset="0"/>
+                      </a:rPr>
+                      <m:t>=</m:t>
+                    </m:r>
+                    <m:r>
+                      <a:rPr lang="es-ES" b="0" i="1" smtClean="0">
+                        <a:latin typeface="Cambria Math" panose="02040503050406030204" pitchFamily="18" charset="0"/>
+                      </a:rPr>
+                      <m:t>𝑅</m:t>
+                    </m:r>
+                    <m:r>
+                      <a:rPr lang="es-ES" b="0" i="1" smtClean="0">
+                        <a:latin typeface="Cambria Math" panose="02040503050406030204" pitchFamily="18" charset="0"/>
+                        <a:ea typeface="Cambria Math" panose="02040503050406030204" pitchFamily="18" charset="0"/>
+                      </a:rPr>
+                      <m:t>∙</m:t>
+                    </m:r>
+                    <m:r>
+                      <a:rPr lang="es-ES" b="1" i="1" smtClean="0">
+                        <a:latin typeface="Cambria Math" panose="02040503050406030204" pitchFamily="18" charset="0"/>
+                        <a:ea typeface="Cambria Math" panose="02040503050406030204" pitchFamily="18" charset="0"/>
+                      </a:rPr>
+                      <m:t>𝑷</m:t>
+                    </m:r>
+                    <m:d>
+                      <m:dPr>
+                        <m:ctrlPr>
+                          <a:rPr lang="es-ES" b="0" i="1" smtClean="0">
+                            <a:latin typeface="Cambria Math" panose="02040503050406030204" pitchFamily="18" charset="0"/>
+                            <a:ea typeface="Cambria Math" panose="02040503050406030204" pitchFamily="18" charset="0"/>
+                          </a:rPr>
+                        </m:ctrlPr>
+                      </m:dPr>
+                      <m:e>
+                        <m:r>
+                          <a:rPr lang="es-ES" b="0" i="1" smtClean="0">
+                            <a:latin typeface="Cambria Math" panose="02040503050406030204" pitchFamily="18" charset="0"/>
+                            <a:ea typeface="Cambria Math" panose="02040503050406030204" pitchFamily="18" charset="0"/>
+                          </a:rPr>
+                          <m:t>𝑡</m:t>
+                        </m:r>
+                      </m:e>
+                    </m:d>
+                    <m:r>
+                      <a:rPr lang="es-ES" b="0" i="1" smtClean="0">
+                        <a:latin typeface="Cambria Math" panose="02040503050406030204" pitchFamily="18" charset="0"/>
+                        <a:ea typeface="Cambria Math" panose="02040503050406030204" pitchFamily="18" charset="0"/>
+                      </a:rPr>
+                      <m:t>    </m:t>
+                    </m:r>
+                  </m:oMath>
                 </a14:m>
-                <a:endParaRPr lang="en-ES" dirty="0"/>
+                <a:r>
+                  <a:rPr lang="en-ES" dirty="0"/>
+                  <a:t>≡</a:t>
+                </a:r>
               </a:p>
               <a:p>
                 <a:r>
@@ -4658,6 +4667,36 @@
           </p:sp>
         </mc:Fallback>
       </mc:AlternateContent>
+      <p:pic>
+        <p:nvPicPr>
+          <p:cNvPr id="4" name="Picture 3" descr="Text, letter&#10;&#10;Description automatically generated">
+            <a:extLst>
+              <a:ext uri="{FF2B5EF4-FFF2-40B4-BE49-F238E27FC236}">
+                <a16:creationId xmlns:a16="http://schemas.microsoft.com/office/drawing/2014/main" id="{FD675797-CE60-F5D7-8C57-20928FF7229E}"/>
+              </a:ext>
+            </a:extLst>
+          </p:cNvPr>
+          <p:cNvPicPr>
+            <a:picLocks noChangeAspect="1"/>
+          </p:cNvPicPr>
+          <p:nvPr/>
+        </p:nvPicPr>
+        <p:blipFill>
+          <a:blip r:embed="rId3"/>
+          <a:stretch>
+            <a:fillRect/>
+          </a:stretch>
+        </p:blipFill>
+        <p:spPr>
+          <a:xfrm>
+            <a:off x="6081487" y="2879838"/>
+            <a:ext cx="3640582" cy="891184"/>
+          </a:xfrm>
+          <a:prstGeom prst="rect">
+            <a:avLst/>
+          </a:prstGeom>
+        </p:spPr>
+      </p:pic>
     </p:spTree>
     <p:extLst>
       <p:ext uri="{BB962C8B-B14F-4D97-AF65-F5344CB8AC3E}">
@@ -4745,8 +4784,8 @@
           </a:xfrm>
         </p:spPr>
       </p:pic>
-      <mc:AlternateContent xmlns:mc="http://schemas.openxmlformats.org/markup-compatibility/2006">
-        <mc:Choice xmlns:a14="http://schemas.microsoft.com/office/drawing/2010/main" Requires="a14">
+      <mc:AlternateContent xmlns:mc="http://schemas.openxmlformats.org/markup-compatibility/2006" xmlns:a14="http://schemas.microsoft.com/office/drawing/2010/main">
+        <mc:Choice Requires="a14">
           <p:sp>
             <p:nvSpPr>
               <p:cNvPr id="6" name="TextBox 5">
@@ -4932,7 +4971,7 @@
             </p:txBody>
           </p:sp>
         </mc:Choice>
-        <mc:Fallback>
+        <mc:Fallback xmlns="">
           <p:sp>
             <p:nvSpPr>
               <p:cNvPr id="6" name="TextBox 5">
@@ -5012,8 +5051,8 @@
           </a:p>
         </p:txBody>
       </p:sp>
-      <mc:AlternateContent xmlns:mc="http://schemas.openxmlformats.org/markup-compatibility/2006">
-        <mc:Choice xmlns:a14="http://schemas.microsoft.com/office/drawing/2010/main" Requires="a14">
+      <mc:AlternateContent xmlns:mc="http://schemas.openxmlformats.org/markup-compatibility/2006" xmlns:a14="http://schemas.microsoft.com/office/drawing/2010/main">
+        <mc:Choice Requires="a14">
           <p:sp>
             <p:nvSpPr>
               <p:cNvPr id="8" name="TextBox 7">
@@ -5073,14 +5112,7 @@
                         <a:latin typeface="Cambria Math" panose="02040503050406030204" pitchFamily="18" charset="0"/>
                         <a:ea typeface="Cambria Math" panose="02040503050406030204" pitchFamily="18" charset="0"/>
                       </a:rPr>
-                      <m:t> </m:t>
-                    </m:r>
-                    <m:r>
-                      <a:rPr lang="es-ES" b="0" i="1" smtClean="0">
-                        <a:latin typeface="Cambria Math" panose="02040503050406030204" pitchFamily="18" charset="0"/>
-                        <a:ea typeface="Cambria Math" panose="02040503050406030204" pitchFamily="18" charset="0"/>
-                      </a:rPr>
-                      <m:t>= </m:t>
+                      <m:t> = </m:t>
                     </m:r>
                     <m:f>
                       <m:fPr>
@@ -5201,7 +5233,7 @@
             </p:txBody>
           </p:sp>
         </mc:Choice>
-        <mc:Fallback>
+        <mc:Fallback xmlns="">
           <p:sp>
             <p:nvSpPr>
               <p:cNvPr id="8" name="TextBox 7">
@@ -5431,6 +5463,396 @@
     <p:extLst>
       <p:ext uri="{BB962C8B-B14F-4D97-AF65-F5344CB8AC3E}">
         <p14:creationId xmlns:p14="http://schemas.microsoft.com/office/powerpoint/2010/main" val="1132141615"/>
+      </p:ext>
+    </p:extLst>
+  </p:cSld>
+  <p:clrMapOvr>
+    <a:masterClrMapping/>
+  </p:clrMapOvr>
+</p:sld>
+</file>
+
+<file path=ppt/slides/slide7.xml><?xml version="1.0" encoding="utf-8"?>
+<p:sld xmlns:a="http://schemas.openxmlformats.org/drawingml/2006/main" xmlns:r="http://schemas.openxmlformats.org/officeDocument/2006/relationships" xmlns:p="http://schemas.openxmlformats.org/presentationml/2006/main">
+  <p:cSld>
+    <p:spTree>
+      <p:nvGrpSpPr>
+        <p:cNvPr id="1" name=""/>
+        <p:cNvGrpSpPr/>
+        <p:nvPr/>
+      </p:nvGrpSpPr>
+      <p:grpSpPr>
+        <a:xfrm>
+          <a:off x="0" y="0"/>
+          <a:ext cx="0" cy="0"/>
+          <a:chOff x="0" y="0"/>
+          <a:chExt cx="0" cy="0"/>
+        </a:xfrm>
+      </p:grpSpPr>
+      <p:sp>
+        <p:nvSpPr>
+          <p:cNvPr id="2" name="Title 1">
+            <a:extLst>
+              <a:ext uri="{FF2B5EF4-FFF2-40B4-BE49-F238E27FC236}">
+                <a16:creationId xmlns:a16="http://schemas.microsoft.com/office/drawing/2014/main" id="{C76012CD-DD49-F5BF-A543-6DF2D25F22C5}"/>
+              </a:ext>
+            </a:extLst>
+          </p:cNvPr>
+          <p:cNvSpPr>
+            <a:spLocks noGrp="1"/>
+          </p:cNvSpPr>
+          <p:nvPr>
+            <p:ph type="title"/>
+          </p:nvPr>
+        </p:nvSpPr>
+        <p:spPr/>
+        <p:txBody>
+          <a:bodyPr/>
+          <a:lstStyle/>
+          <a:p>
+            <a:r>
+              <a:rPr lang="en-ES" dirty="0"/>
+              <a:t>Next step: adjoint graph approach</a:t>
+            </a:r>
+          </a:p>
+        </p:txBody>
+      </p:sp>
+      <p:pic>
+        <p:nvPicPr>
+          <p:cNvPr id="5" name="Content Placeholder 4" descr="Chart, line chart&#10;&#10;Description automatically generated">
+            <a:extLst>
+              <a:ext uri="{FF2B5EF4-FFF2-40B4-BE49-F238E27FC236}">
+                <a16:creationId xmlns:a16="http://schemas.microsoft.com/office/drawing/2014/main" id="{C9764D16-7783-F07B-B32F-BA37CE1CB850}"/>
+              </a:ext>
+            </a:extLst>
+          </p:cNvPr>
+          <p:cNvPicPr>
+            <a:picLocks noGrp="1" noChangeAspect="1"/>
+          </p:cNvPicPr>
+          <p:nvPr>
+            <p:ph idx="1"/>
+          </p:nvPr>
+        </p:nvPicPr>
+        <p:blipFill>
+          <a:blip r:embed="rId2"/>
+          <a:stretch>
+            <a:fillRect/>
+          </a:stretch>
+        </p:blipFill>
+        <p:spPr>
+          <a:xfrm>
+            <a:off x="290512" y="2865041"/>
+            <a:ext cx="5053012" cy="2526506"/>
+          </a:xfrm>
+        </p:spPr>
+      </p:pic>
+      <p:sp>
+        <p:nvSpPr>
+          <p:cNvPr id="6" name="TextBox 5">
+            <a:extLst>
+              <a:ext uri="{FF2B5EF4-FFF2-40B4-BE49-F238E27FC236}">
+                <a16:creationId xmlns:a16="http://schemas.microsoft.com/office/drawing/2014/main" id="{03C73CED-BC58-20F7-0322-5090BD7DADE5}"/>
+              </a:ext>
+            </a:extLst>
+          </p:cNvPr>
+          <p:cNvSpPr txBox="1"/>
+          <p:nvPr/>
+        </p:nvSpPr>
+        <p:spPr>
+          <a:xfrm>
+            <a:off x="195218" y="1714659"/>
+            <a:ext cx="11946925" cy="646331"/>
+          </a:xfrm>
+          <a:prstGeom prst="rect">
+            <a:avLst/>
+          </a:prstGeom>
+          <a:noFill/>
+        </p:spPr>
+        <p:txBody>
+          <a:bodyPr wrap="none" rtlCol="0">
+            <a:spAutoFit/>
+          </a:bodyPr>
+          <a:lstStyle/>
+          <a:p>
+            <a:r>
+              <a:rPr lang="en-GB" dirty="0"/>
+              <a:t>I</a:t>
+            </a:r>
+            <a:r>
+              <a:rPr lang="en-ES" dirty="0"/>
+              <a:t>n order to have an edge-dependent transition rate we can build the adjoint graph (exchange vertex for edges and vice-versa) </a:t>
+            </a:r>
+          </a:p>
+          <a:p>
+            <a:r>
+              <a:rPr lang="en-GB" dirty="0"/>
+              <a:t>s</a:t>
+            </a:r>
+            <a:r>
+              <a:rPr lang="en-ES" dirty="0"/>
+              <a:t>uch that the walk is performed on the edges and not on the nodes.</a:t>
+            </a:r>
+          </a:p>
+        </p:txBody>
+      </p:sp>
+      <p:pic>
+        <p:nvPicPr>
+          <p:cNvPr id="8" name="Picture 7" descr="Chart&#10;&#10;Description automatically generated">
+            <a:extLst>
+              <a:ext uri="{FF2B5EF4-FFF2-40B4-BE49-F238E27FC236}">
+                <a16:creationId xmlns:a16="http://schemas.microsoft.com/office/drawing/2014/main" id="{F75D963F-7670-4183-2E92-4C004D073EC1}"/>
+              </a:ext>
+            </a:extLst>
+          </p:cNvPr>
+          <p:cNvPicPr>
+            <a:picLocks noChangeAspect="1"/>
+          </p:cNvPicPr>
+          <p:nvPr/>
+        </p:nvPicPr>
+        <p:blipFill>
+          <a:blip r:embed="rId3"/>
+          <a:stretch>
+            <a:fillRect/>
+          </a:stretch>
+        </p:blipFill>
+        <p:spPr>
+          <a:xfrm>
+            <a:off x="5343524" y="3251200"/>
+            <a:ext cx="6643077" cy="2032000"/>
+          </a:xfrm>
+          <a:prstGeom prst="rect">
+            <a:avLst/>
+          </a:prstGeom>
+        </p:spPr>
+      </p:pic>
+    </p:spTree>
+    <p:extLst>
+      <p:ext uri="{BB962C8B-B14F-4D97-AF65-F5344CB8AC3E}">
+        <p14:creationId xmlns:p14="http://schemas.microsoft.com/office/powerpoint/2010/main" val="2418787500"/>
+      </p:ext>
+    </p:extLst>
+  </p:cSld>
+  <p:clrMapOvr>
+    <a:masterClrMapping/>
+  </p:clrMapOvr>
+</p:sld>
+</file>
+
+<file path=ppt/slides/slide8.xml><?xml version="1.0" encoding="utf-8"?>
+<p:sld xmlns:a="http://schemas.openxmlformats.org/drawingml/2006/main" xmlns:r="http://schemas.openxmlformats.org/officeDocument/2006/relationships" xmlns:p="http://schemas.openxmlformats.org/presentationml/2006/main">
+  <p:cSld>
+    <p:spTree>
+      <p:nvGrpSpPr>
+        <p:cNvPr id="1" name=""/>
+        <p:cNvGrpSpPr/>
+        <p:nvPr/>
+      </p:nvGrpSpPr>
+      <p:grpSpPr>
+        <a:xfrm>
+          <a:off x="0" y="0"/>
+          <a:ext cx="0" cy="0"/>
+          <a:chOff x="0" y="0"/>
+          <a:chExt cx="0" cy="0"/>
+        </a:xfrm>
+      </p:grpSpPr>
+      <p:sp>
+        <p:nvSpPr>
+          <p:cNvPr id="2" name="Title 1">
+            <a:extLst>
+              <a:ext uri="{FF2B5EF4-FFF2-40B4-BE49-F238E27FC236}">
+                <a16:creationId xmlns:a16="http://schemas.microsoft.com/office/drawing/2014/main" id="{9A133E73-6330-6B48-D578-6FF5F1B56FC8}"/>
+              </a:ext>
+            </a:extLst>
+          </p:cNvPr>
+          <p:cNvSpPr>
+            <a:spLocks noGrp="1"/>
+          </p:cNvSpPr>
+          <p:nvPr>
+            <p:ph type="title"/>
+          </p:nvPr>
+        </p:nvSpPr>
+        <p:spPr/>
+        <p:txBody>
+          <a:bodyPr/>
+          <a:lstStyle/>
+          <a:p>
+            <a:r>
+              <a:rPr lang="en-ES" dirty="0"/>
+              <a:t>Results of adjoint graph approach</a:t>
+            </a:r>
+          </a:p>
+        </p:txBody>
+      </p:sp>
+      <p:sp>
+        <p:nvSpPr>
+          <p:cNvPr id="3" name="Content Placeholder 2">
+            <a:extLst>
+              <a:ext uri="{FF2B5EF4-FFF2-40B4-BE49-F238E27FC236}">
+                <a16:creationId xmlns:a16="http://schemas.microsoft.com/office/drawing/2014/main" id="{E2BC2047-E283-7108-3F76-D6ACA1BEE386}"/>
+              </a:ext>
+            </a:extLst>
+          </p:cNvPr>
+          <p:cNvSpPr>
+            <a:spLocks noGrp="1"/>
+          </p:cNvSpPr>
+          <p:nvPr>
+            <p:ph idx="1"/>
+          </p:nvPr>
+        </p:nvSpPr>
+        <p:spPr>
+          <a:xfrm>
+            <a:off x="838200" y="1454046"/>
+            <a:ext cx="10515600" cy="4722917"/>
+          </a:xfrm>
+        </p:spPr>
+        <p:txBody>
+          <a:bodyPr/>
+          <a:lstStyle/>
+          <a:p>
+            <a:r>
+              <a:rPr lang="en-ES" dirty="0"/>
+              <a:t>Edge occupation probabilities in ER graphs:</a:t>
+            </a:r>
+          </a:p>
+          <a:p>
+            <a:endParaRPr lang="en-ES" dirty="0"/>
+          </a:p>
+        </p:txBody>
+      </p:sp>
+      <p:pic>
+        <p:nvPicPr>
+          <p:cNvPr id="5" name="Picture 4" descr="Chart&#10;&#10;Description automatically generated">
+            <a:extLst>
+              <a:ext uri="{FF2B5EF4-FFF2-40B4-BE49-F238E27FC236}">
+                <a16:creationId xmlns:a16="http://schemas.microsoft.com/office/drawing/2014/main" id="{630963C1-542C-1A22-2278-236BA3353E90}"/>
+              </a:ext>
+            </a:extLst>
+          </p:cNvPr>
+          <p:cNvPicPr>
+            <a:picLocks noChangeAspect="1"/>
+          </p:cNvPicPr>
+          <p:nvPr/>
+        </p:nvPicPr>
+        <p:blipFill>
+          <a:blip r:embed="rId2"/>
+          <a:stretch>
+            <a:fillRect/>
+          </a:stretch>
+        </p:blipFill>
+        <p:spPr>
+          <a:xfrm>
+            <a:off x="6404961" y="2485628"/>
+            <a:ext cx="5342995" cy="4007246"/>
+          </a:xfrm>
+          <a:prstGeom prst="rect">
+            <a:avLst/>
+          </a:prstGeom>
+        </p:spPr>
+      </p:pic>
+      <p:pic>
+        <p:nvPicPr>
+          <p:cNvPr id="7" name="Picture 6" descr="Chart, histogram&#10;&#10;Description automatically generated">
+            <a:extLst>
+              <a:ext uri="{FF2B5EF4-FFF2-40B4-BE49-F238E27FC236}">
+                <a16:creationId xmlns:a16="http://schemas.microsoft.com/office/drawing/2014/main" id="{9D1DB78D-A2C9-41BE-F31E-82A898F90FD2}"/>
+              </a:ext>
+            </a:extLst>
+          </p:cNvPr>
+          <p:cNvPicPr>
+            <a:picLocks noChangeAspect="1"/>
+          </p:cNvPicPr>
+          <p:nvPr/>
+        </p:nvPicPr>
+        <p:blipFill>
+          <a:blip r:embed="rId3"/>
+          <a:stretch>
+            <a:fillRect/>
+          </a:stretch>
+        </p:blipFill>
+        <p:spPr>
+          <a:xfrm>
+            <a:off x="444045" y="2485628"/>
+            <a:ext cx="5342996" cy="4007247"/>
+          </a:xfrm>
+          <a:prstGeom prst="rect">
+            <a:avLst/>
+          </a:prstGeom>
+        </p:spPr>
+      </p:pic>
+      <p:sp>
+        <p:nvSpPr>
+          <p:cNvPr id="8" name="TextBox 7">
+            <a:extLst>
+              <a:ext uri="{FF2B5EF4-FFF2-40B4-BE49-F238E27FC236}">
+                <a16:creationId xmlns:a16="http://schemas.microsoft.com/office/drawing/2014/main" id="{B101EA7A-C598-9845-8AA2-D75CDEFBAC38}"/>
+              </a:ext>
+            </a:extLst>
+          </p:cNvPr>
+          <p:cNvSpPr txBox="1"/>
+          <p:nvPr/>
+        </p:nvSpPr>
+        <p:spPr>
+          <a:xfrm>
+            <a:off x="2699657" y="2300962"/>
+            <a:ext cx="1215397" cy="369332"/>
+          </a:xfrm>
+          <a:prstGeom prst="rect">
+            <a:avLst/>
+          </a:prstGeom>
+          <a:noFill/>
+        </p:spPr>
+        <p:txBody>
+          <a:bodyPr wrap="none" rtlCol="0">
+            <a:spAutoFit/>
+          </a:bodyPr>
+          <a:lstStyle/>
+          <a:p>
+            <a:r>
+              <a:rPr lang="en-ES" dirty="0"/>
+              <a:t>ER 5 nodes</a:t>
+            </a:r>
+          </a:p>
+        </p:txBody>
+      </p:sp>
+      <p:sp>
+        <p:nvSpPr>
+          <p:cNvPr id="9" name="TextBox 8">
+            <a:extLst>
+              <a:ext uri="{FF2B5EF4-FFF2-40B4-BE49-F238E27FC236}">
+                <a16:creationId xmlns:a16="http://schemas.microsoft.com/office/drawing/2014/main" id="{34944B40-B4D4-3FC0-14DE-36F5F9C12C23}"/>
+              </a:ext>
+            </a:extLst>
+          </p:cNvPr>
+          <p:cNvSpPr txBox="1"/>
+          <p:nvPr/>
+        </p:nvSpPr>
+        <p:spPr>
+          <a:xfrm>
+            <a:off x="9076458" y="2300962"/>
+            <a:ext cx="1332416" cy="369332"/>
+          </a:xfrm>
+          <a:prstGeom prst="rect">
+            <a:avLst/>
+          </a:prstGeom>
+          <a:noFill/>
+        </p:spPr>
+        <p:txBody>
+          <a:bodyPr wrap="none" rtlCol="0">
+            <a:spAutoFit/>
+          </a:bodyPr>
+          <a:lstStyle/>
+          <a:p>
+            <a:r>
+              <a:rPr lang="en-ES" dirty="0"/>
+              <a:t>ER 10 nodes</a:t>
+            </a:r>
+          </a:p>
+        </p:txBody>
+      </p:sp>
+    </p:spTree>
+    <p:extLst>
+      <p:ext uri="{BB962C8B-B14F-4D97-AF65-F5344CB8AC3E}">
+        <p14:creationId xmlns:p14="http://schemas.microsoft.com/office/powerpoint/2010/main" val="1652681785"/>
       </p:ext>
     </p:extLst>
   </p:cSld>

--- a/results_04_05.pptx
+++ b/results_04_05.pptx
@@ -13,6 +13,15 @@
     <p:sldId id="267" r:id="rId7"/>
     <p:sldId id="268" r:id="rId8"/>
     <p:sldId id="269" r:id="rId9"/>
+    <p:sldId id="270" r:id="rId10"/>
+    <p:sldId id="271" r:id="rId11"/>
+    <p:sldId id="272" r:id="rId12"/>
+    <p:sldId id="273" r:id="rId13"/>
+    <p:sldId id="274" r:id="rId14"/>
+    <p:sldId id="275" r:id="rId15"/>
+    <p:sldId id="276" r:id="rId16"/>
+    <p:sldId id="277" r:id="rId17"/>
+    <p:sldId id="278" r:id="rId18"/>
   </p:sldIdLst>
   <p:sldSz cx="12192000" cy="6858000"/>
   <p:notesSz cx="6858000" cy="9144000"/>
@@ -268,7 +277,7 @@
           <a:p>
             <a:fld id="{15A59631-E798-A74D-A0F8-ED244256C4A9}" type="datetimeFigureOut">
               <a:rPr lang="en-ES" smtClean="0"/>
-              <a:t>6/5/23</a:t>
+              <a:t>18/5/23</a:t>
             </a:fld>
             <a:endParaRPr lang="en-ES"/>
           </a:p>
@@ -468,7 +477,7 @@
           <a:p>
             <a:fld id="{15A59631-E798-A74D-A0F8-ED244256C4A9}" type="datetimeFigureOut">
               <a:rPr lang="en-ES" smtClean="0"/>
-              <a:t>6/5/23</a:t>
+              <a:t>18/5/23</a:t>
             </a:fld>
             <a:endParaRPr lang="en-ES"/>
           </a:p>
@@ -678,7 +687,7 @@
           <a:p>
             <a:fld id="{15A59631-E798-A74D-A0F8-ED244256C4A9}" type="datetimeFigureOut">
               <a:rPr lang="en-ES" smtClean="0"/>
-              <a:t>6/5/23</a:t>
+              <a:t>18/5/23</a:t>
             </a:fld>
             <a:endParaRPr lang="en-ES"/>
           </a:p>
@@ -878,7 +887,7 @@
           <a:p>
             <a:fld id="{15A59631-E798-A74D-A0F8-ED244256C4A9}" type="datetimeFigureOut">
               <a:rPr lang="en-ES" smtClean="0"/>
-              <a:t>6/5/23</a:t>
+              <a:t>18/5/23</a:t>
             </a:fld>
             <a:endParaRPr lang="en-ES"/>
           </a:p>
@@ -1154,7 +1163,7 @@
           <a:p>
             <a:fld id="{15A59631-E798-A74D-A0F8-ED244256C4A9}" type="datetimeFigureOut">
               <a:rPr lang="en-ES" smtClean="0"/>
-              <a:t>6/5/23</a:t>
+              <a:t>18/5/23</a:t>
             </a:fld>
             <a:endParaRPr lang="en-ES"/>
           </a:p>
@@ -1422,7 +1431,7 @@
           <a:p>
             <a:fld id="{15A59631-E798-A74D-A0F8-ED244256C4A9}" type="datetimeFigureOut">
               <a:rPr lang="en-ES" smtClean="0"/>
-              <a:t>6/5/23</a:t>
+              <a:t>18/5/23</a:t>
             </a:fld>
             <a:endParaRPr lang="en-ES"/>
           </a:p>
@@ -1837,7 +1846,7 @@
           <a:p>
             <a:fld id="{15A59631-E798-A74D-A0F8-ED244256C4A9}" type="datetimeFigureOut">
               <a:rPr lang="en-ES" smtClean="0"/>
-              <a:t>6/5/23</a:t>
+              <a:t>18/5/23</a:t>
             </a:fld>
             <a:endParaRPr lang="en-ES"/>
           </a:p>
@@ -1979,7 +1988,7 @@
           <a:p>
             <a:fld id="{15A59631-E798-A74D-A0F8-ED244256C4A9}" type="datetimeFigureOut">
               <a:rPr lang="en-ES" smtClean="0"/>
-              <a:t>6/5/23</a:t>
+              <a:t>18/5/23</a:t>
             </a:fld>
             <a:endParaRPr lang="en-ES"/>
           </a:p>
@@ -2092,7 +2101,7 @@
           <a:p>
             <a:fld id="{15A59631-E798-A74D-A0F8-ED244256C4A9}" type="datetimeFigureOut">
               <a:rPr lang="en-ES" smtClean="0"/>
-              <a:t>6/5/23</a:t>
+              <a:t>18/5/23</a:t>
             </a:fld>
             <a:endParaRPr lang="en-ES"/>
           </a:p>
@@ -2405,7 +2414,7 @@
           <a:p>
             <a:fld id="{15A59631-E798-A74D-A0F8-ED244256C4A9}" type="datetimeFigureOut">
               <a:rPr lang="en-ES" smtClean="0"/>
-              <a:t>6/5/23</a:t>
+              <a:t>18/5/23</a:t>
             </a:fld>
             <a:endParaRPr lang="en-ES"/>
           </a:p>
@@ -2694,7 +2703,7 @@
           <a:p>
             <a:fld id="{15A59631-E798-A74D-A0F8-ED244256C4A9}" type="datetimeFigureOut">
               <a:rPr lang="en-ES" smtClean="0"/>
-              <a:t>6/5/23</a:t>
+              <a:t>18/5/23</a:t>
             </a:fld>
             <a:endParaRPr lang="en-ES"/>
           </a:p>
@@ -2937,7 +2946,7 @@
           <a:p>
             <a:fld id="{15A59631-E798-A74D-A0F8-ED244256C4A9}" type="datetimeFigureOut">
               <a:rPr lang="en-ES" smtClean="0"/>
-              <a:t>6/5/23</a:t>
+              <a:t>18/5/23</a:t>
             </a:fld>
             <a:endParaRPr lang="en-ES"/>
           </a:p>
@@ -3377,17 +3386,297 @@
           <a:p>
             <a:r>
               <a:rPr lang="en-ES" dirty="0"/>
-              <a:t>Results update 04-05</a:t>
+              <a:t>Results update 18-05</a:t>
             </a:r>
           </a:p>
         </p:txBody>
       </p:sp>
-      <p:sp>
-        <p:nvSpPr>
-          <p:cNvPr id="3" name="Subtitle 2">
-            <a:extLst>
-              <a:ext uri="{FF2B5EF4-FFF2-40B4-BE49-F238E27FC236}">
-                <a16:creationId xmlns:a16="http://schemas.microsoft.com/office/drawing/2014/main" id="{5CEFD32E-8F82-EDA5-905B-693B17FC825D}"/>
+    </p:spTree>
+    <p:extLst>
+      <p:ext uri="{BB962C8B-B14F-4D97-AF65-F5344CB8AC3E}">
+        <p14:creationId xmlns:p14="http://schemas.microsoft.com/office/powerpoint/2010/main" val="1713723726"/>
+      </p:ext>
+    </p:extLst>
+  </p:cSld>
+  <p:clrMapOvr>
+    <a:masterClrMapping/>
+  </p:clrMapOvr>
+</p:sld>
+</file>
+
+<file path=ppt/slides/slide10.xml><?xml version="1.0" encoding="utf-8"?>
+<p:sld xmlns:a="http://schemas.openxmlformats.org/drawingml/2006/main" xmlns:r="http://schemas.openxmlformats.org/officeDocument/2006/relationships" xmlns:p="http://schemas.openxmlformats.org/presentationml/2006/main">
+  <p:cSld>
+    <p:spTree>
+      <p:nvGrpSpPr>
+        <p:cNvPr id="1" name=""/>
+        <p:cNvGrpSpPr/>
+        <p:nvPr/>
+      </p:nvGrpSpPr>
+      <p:grpSpPr>
+        <a:xfrm>
+          <a:off x="0" y="0"/>
+          <a:ext cx="0" cy="0"/>
+          <a:chOff x="0" y="0"/>
+          <a:chExt cx="0" cy="0"/>
+        </a:xfrm>
+      </p:grpSpPr>
+      <mc:AlternateContent xmlns:mc="http://schemas.openxmlformats.org/markup-compatibility/2006">
+        <mc:Choice xmlns:a14="http://schemas.microsoft.com/office/drawing/2010/main" Requires="a14">
+          <p:sp>
+            <p:nvSpPr>
+              <p:cNvPr id="13" name="TextBox 12">
+                <a:extLst>
+                  <a:ext uri="{FF2B5EF4-FFF2-40B4-BE49-F238E27FC236}">
+                    <a16:creationId xmlns:a16="http://schemas.microsoft.com/office/drawing/2014/main" id="{4DC0D4E7-8E60-DF12-D00E-D0DFAF9D1C46}"/>
+                  </a:ext>
+                </a:extLst>
+              </p:cNvPr>
+              <p:cNvSpPr txBox="1"/>
+              <p:nvPr/>
+            </p:nvSpPr>
+            <p:spPr>
+              <a:xfrm>
+                <a:off x="7248293" y="1712043"/>
+                <a:ext cx="4672361" cy="4524315"/>
+              </a:xfrm>
+              <a:prstGeom prst="rect">
+                <a:avLst/>
+              </a:prstGeom>
+              <a:noFill/>
+            </p:spPr>
+            <p:txBody>
+              <a:bodyPr wrap="square" rtlCol="0">
+                <a:spAutoFit/>
+              </a:bodyPr>
+              <a:lstStyle/>
+              <a:p>
+                <a:r>
+                  <a:rPr lang="en-ES" dirty="0"/>
+                  <a:t>Solutions:</a:t>
+                </a:r>
+              </a:p>
+              <a:p>
+                <a:pPr marL="285750" indent="-285750">
+                  <a:buFont typeface="Arial" panose="020B0604020202020204" pitchFamily="34" charset="0"/>
+                  <a:buChar char="•"/>
+                </a:pPr>
+                <a:r>
+                  <a:rPr lang="en-ES" dirty="0"/>
+                  <a:t>In the simulation:</a:t>
+                </a:r>
+              </a:p>
+              <a:p>
+                <a:pPr marL="742950" lvl="1" indent="-285750">
+                  <a:buFont typeface="Arial" panose="020B0604020202020204" pitchFamily="34" charset="0"/>
+                  <a:buChar char="•"/>
+                </a:pPr>
+                <a:r>
+                  <a:rPr lang="en-ES" dirty="0"/>
+                  <a:t>Do nothing</a:t>
+                </a:r>
+              </a:p>
+              <a:p>
+                <a:pPr marL="742950" lvl="1" indent="-285750">
+                  <a:buFont typeface="Arial" panose="020B0604020202020204" pitchFamily="34" charset="0"/>
+                  <a:buChar char="•"/>
+                </a:pPr>
+                <a:r>
+                  <a:rPr lang="en-GB" dirty="0"/>
+                  <a:t>Accept with probability 0.5</a:t>
+                </a:r>
+              </a:p>
+              <a:p>
+                <a:pPr marL="742950" lvl="1" indent="-285750">
+                  <a:buFont typeface="Arial" panose="020B0604020202020204" pitchFamily="34" charset="0"/>
+                  <a:buChar char="•"/>
+                </a:pPr>
+                <a:r>
+                  <a:rPr lang="en-GB" dirty="0"/>
+                  <a:t>Accept with Exponential cumulative probability according to the time left in the walker: P(x </a:t>
+                </a:r>
+                <a14:m>
+                  <m:oMath xmlns:m="http://schemas.openxmlformats.org/officeDocument/2006/math">
+                    <m:r>
+                      <a:rPr lang="el-GR" i="1" smtClean="0">
+                        <a:latin typeface="Cambria Math" panose="02040503050406030204" pitchFamily="18" charset="0"/>
+                        <a:ea typeface="Cambria Math" panose="02040503050406030204" pitchFamily="18" charset="0"/>
+                      </a:rPr>
+                      <m:t>≤</m:t>
+                    </m:r>
+                    <m:r>
+                      <m:rPr>
+                        <m:sty m:val="p"/>
+                      </m:rPr>
+                      <a:rPr lang="el-GR" i="1" smtClean="0">
+                        <a:latin typeface="Cambria Math" panose="02040503050406030204" pitchFamily="18" charset="0"/>
+                        <a:ea typeface="Cambria Math" panose="02040503050406030204" pitchFamily="18" charset="0"/>
+                      </a:rPr>
+                      <m:t>Δ</m:t>
+                    </m:r>
+                    <m:r>
+                      <a:rPr lang="es-ES" b="0" i="1" smtClean="0">
+                        <a:latin typeface="Cambria Math" panose="02040503050406030204" pitchFamily="18" charset="0"/>
+                        <a:ea typeface="Cambria Math" panose="02040503050406030204" pitchFamily="18" charset="0"/>
+                      </a:rPr>
+                      <m:t>𝑡</m:t>
+                    </m:r>
+                    <m:r>
+                      <a:rPr lang="es-ES" b="0" i="1" smtClean="0">
+                        <a:latin typeface="Cambria Math" panose="02040503050406030204" pitchFamily="18" charset="0"/>
+                        <a:ea typeface="Cambria Math" panose="02040503050406030204" pitchFamily="18" charset="0"/>
+                      </a:rPr>
+                      <m:t> −</m:t>
+                    </m:r>
+                    <m:r>
+                      <a:rPr lang="es-ES" b="0" i="1" smtClean="0">
+                        <a:latin typeface="Cambria Math" panose="02040503050406030204" pitchFamily="18" charset="0"/>
+                        <a:ea typeface="Cambria Math" panose="02040503050406030204" pitchFamily="18" charset="0"/>
+                      </a:rPr>
+                      <m:t>𝑡𝑖</m:t>
+                    </m:r>
+                  </m:oMath>
+                </a14:m>
+                <a:r>
+                  <a:rPr lang="en-ES" dirty="0"/>
+                  <a:t>)</a:t>
+                </a:r>
+              </a:p>
+              <a:p>
+                <a:pPr marL="285750" indent="-285750">
+                  <a:buFont typeface="Arial" panose="020B0604020202020204" pitchFamily="34" charset="0"/>
+                  <a:buChar char="•"/>
+                </a:pPr>
+                <a:r>
+                  <a:rPr lang="en-ES" dirty="0"/>
+                  <a:t>Initial simulation step (count it?):</a:t>
+                </a:r>
+              </a:p>
+              <a:p>
+                <a:pPr marL="742950" lvl="1" indent="-285750">
+                  <a:buFont typeface="Arial" panose="020B0604020202020204" pitchFamily="34" charset="0"/>
+                  <a:buChar char="•"/>
+                </a:pPr>
+                <a:r>
+                  <a:rPr lang="en-ES" dirty="0"/>
+                  <a:t>Don’t Count it</a:t>
+                </a:r>
+              </a:p>
+              <a:p>
+                <a:pPr marL="742950" lvl="1" indent="-285750">
+                  <a:buFont typeface="Arial" panose="020B0604020202020204" pitchFamily="34" charset="0"/>
+                  <a:buChar char="•"/>
+                </a:pPr>
+                <a:r>
+                  <a:rPr lang="en-ES" dirty="0"/>
+                  <a:t>Count it all</a:t>
+                </a:r>
+              </a:p>
+              <a:p>
+                <a:pPr marL="742950" lvl="1" indent="-285750">
+                  <a:buFont typeface="Arial" panose="020B0604020202020204" pitchFamily="34" charset="0"/>
+                  <a:buChar char="•"/>
+                </a:pPr>
+                <a:r>
+                  <a:rPr lang="en-ES" dirty="0"/>
+                  <a:t>Prob 0.5</a:t>
+                </a:r>
+              </a:p>
+              <a:p>
+                <a:pPr marL="285750" indent="-285750">
+                  <a:buFont typeface="Arial" panose="020B0604020202020204" pitchFamily="34" charset="0"/>
+                  <a:buChar char="•"/>
+                </a:pPr>
+                <a:r>
+                  <a:rPr lang="en-GB" dirty="0"/>
+                  <a:t>I</a:t>
+                </a:r>
+                <a:r>
+                  <a:rPr lang="en-ES" dirty="0"/>
+                  <a:t>n the Analytical:</a:t>
+                </a:r>
+              </a:p>
+              <a:p>
+                <a:pPr marL="742950" lvl="1" indent="-285750">
+                  <a:buFont typeface="Arial" panose="020B0604020202020204" pitchFamily="34" charset="0"/>
+                  <a:buChar char="•"/>
+                </a:pPr>
+                <a:r>
+                  <a:rPr lang="en-ES" dirty="0"/>
+                  <a:t>Accept only the non-divergent flow (flow that enters and goes)</a:t>
+                </a:r>
+              </a:p>
+              <a:p>
+                <a:pPr marL="742950" lvl="1" indent="-285750">
+                  <a:buFont typeface="Arial" panose="020B0604020202020204" pitchFamily="34" charset="0"/>
+                  <a:buChar char="•"/>
+                </a:pPr>
+                <a:r>
+                  <a:rPr lang="en-ES" dirty="0"/>
+                  <a:t>Accept with 0.5</a:t>
+                </a:r>
+              </a:p>
+              <a:p>
+                <a:pPr marL="285750" indent="-285750">
+                  <a:buFont typeface="Arial" panose="020B0604020202020204" pitchFamily="34" charset="0"/>
+                  <a:buChar char="•"/>
+                </a:pPr>
+                <a:endParaRPr lang="en-ES" dirty="0"/>
+              </a:p>
+            </p:txBody>
+          </p:sp>
+        </mc:Choice>
+        <mc:Fallback>
+          <p:sp>
+            <p:nvSpPr>
+              <p:cNvPr id="13" name="TextBox 12">
+                <a:extLst>
+                  <a:ext uri="{FF2B5EF4-FFF2-40B4-BE49-F238E27FC236}">
+                    <a16:creationId xmlns:a16="http://schemas.microsoft.com/office/drawing/2014/main" id="{4DC0D4E7-8E60-DF12-D00E-D0DFAF9D1C46}"/>
+                  </a:ext>
+                </a:extLst>
+              </p:cNvPr>
+              <p:cNvSpPr txBox="1">
+                <a:spLocks noRot="1" noChangeAspect="1" noMove="1" noResize="1" noEditPoints="1" noAdjustHandles="1" noChangeArrowheads="1" noChangeShapeType="1" noTextEdit="1"/>
+              </p:cNvSpPr>
+              <p:nvPr/>
+            </p:nvSpPr>
+            <p:spPr>
+              <a:xfrm>
+                <a:off x="7248293" y="1712043"/>
+                <a:ext cx="4672361" cy="4524315"/>
+              </a:xfrm>
+              <a:prstGeom prst="rect">
+                <a:avLst/>
+              </a:prstGeom>
+              <a:blipFill>
+                <a:blip r:embed="rId2"/>
+                <a:stretch>
+                  <a:fillRect l="-1084" t="-559"/>
+                </a:stretch>
+              </a:blipFill>
+            </p:spPr>
+            <p:txBody>
+              <a:bodyPr/>
+              <a:lstStyle/>
+              <a:p>
+                <a:r>
+                  <a:rPr lang="en-ES">
+                    <a:noFill/>
+                  </a:rPr>
+                  <a:t> </a:t>
+                </a:r>
+              </a:p>
+            </p:txBody>
+          </p:sp>
+        </mc:Fallback>
+      </mc:AlternateContent>
+      <p:sp>
+        <p:nvSpPr>
+          <p:cNvPr id="2" name="Title 1">
+            <a:extLst>
+              <a:ext uri="{FF2B5EF4-FFF2-40B4-BE49-F238E27FC236}">
+                <a16:creationId xmlns:a16="http://schemas.microsoft.com/office/drawing/2014/main" id="{3EA283B4-D4BC-C6F3-B493-F07D88F4ED1B}"/>
               </a:ext>
             </a:extLst>
           </p:cNvPr>
@@ -3395,22 +3684,3459 @@
             <a:spLocks noGrp="1"/>
           </p:cNvSpPr>
           <p:nvPr>
-            <p:ph type="subTitle" idx="1"/>
+            <p:ph type="title"/>
           </p:nvPr>
         </p:nvSpPr>
-        <p:spPr/>
-        <p:txBody>
-          <a:bodyPr/>
+        <p:spPr>
+          <a:xfrm>
+            <a:off x="838200" y="365125"/>
+            <a:ext cx="11249722" cy="684557"/>
+          </a:xfrm>
+        </p:spPr>
+        <p:txBody>
+          <a:bodyPr>
+            <a:normAutofit fontScale="90000"/>
+          </a:bodyPr>
           <a:lstStyle/>
           <a:p>
-            <a:endParaRPr lang="en-ES" dirty="0"/>
+            <a:r>
+              <a:rPr lang="en-ES" dirty="0"/>
+              <a:t>Retrieving edge flow from ”Edge-centric” CTRW</a:t>
+            </a:r>
+          </a:p>
+        </p:txBody>
+      </p:sp>
+      <p:sp>
+        <p:nvSpPr>
+          <p:cNvPr id="6" name="TextBox 5">
+            <a:extLst>
+              <a:ext uri="{FF2B5EF4-FFF2-40B4-BE49-F238E27FC236}">
+                <a16:creationId xmlns:a16="http://schemas.microsoft.com/office/drawing/2014/main" id="{27A84098-CCFC-171B-F7C9-2AB58ED08E82}"/>
+              </a:ext>
+            </a:extLst>
+          </p:cNvPr>
+          <p:cNvSpPr txBox="1"/>
+          <p:nvPr/>
+        </p:nvSpPr>
+        <p:spPr>
+          <a:xfrm>
+            <a:off x="838200" y="1451946"/>
+            <a:ext cx="5849871" cy="523220"/>
+          </a:xfrm>
+          <a:prstGeom prst="rect">
+            <a:avLst/>
+          </a:prstGeom>
+          <a:noFill/>
+        </p:spPr>
+        <p:txBody>
+          <a:bodyPr wrap="none" rtlCol="0">
+            <a:spAutoFit/>
+          </a:bodyPr>
+          <a:lstStyle/>
+          <a:p>
+            <a:pPr marL="457200" indent="-457200">
+              <a:buFont typeface="Arial" panose="020B0604020202020204" pitchFamily="34" charset="0"/>
+              <a:buChar char="•"/>
+            </a:pPr>
+            <a:r>
+              <a:rPr lang="en-ES" sz="2800" dirty="0"/>
+              <a:t>Do nothing and accept non-div flow</a:t>
+            </a:r>
+          </a:p>
+        </p:txBody>
+      </p:sp>
+      <p:sp>
+        <p:nvSpPr>
+          <p:cNvPr id="3" name="Frame 2">
+            <a:extLst>
+              <a:ext uri="{FF2B5EF4-FFF2-40B4-BE49-F238E27FC236}">
+                <a16:creationId xmlns:a16="http://schemas.microsoft.com/office/drawing/2014/main" id="{DF3884F5-9598-3637-88F1-5AFBBE921511}"/>
+              </a:ext>
+            </a:extLst>
+          </p:cNvPr>
+          <p:cNvSpPr/>
+          <p:nvPr/>
+        </p:nvSpPr>
+        <p:spPr>
+          <a:xfrm>
+            <a:off x="7716644" y="2308303"/>
+            <a:ext cx="1683834" cy="267630"/>
+          </a:xfrm>
+          <a:prstGeom prst="frame">
+            <a:avLst/>
+          </a:prstGeom>
+        </p:spPr>
+        <p:style>
+          <a:lnRef idx="2">
+            <a:schemeClr val="accent1">
+              <a:shade val="15000"/>
+            </a:schemeClr>
+          </a:lnRef>
+          <a:fillRef idx="1">
+            <a:schemeClr val="accent1"/>
+          </a:fillRef>
+          <a:effectRef idx="0">
+            <a:schemeClr val="accent1"/>
+          </a:effectRef>
+          <a:fontRef idx="minor">
+            <a:schemeClr val="lt1"/>
+          </a:fontRef>
+        </p:style>
+        <p:txBody>
+          <a:bodyPr rtlCol="0" anchor="ctr"/>
+          <a:lstStyle/>
+          <a:p>
+            <a:pPr algn="ctr"/>
+            <a:endParaRPr lang="en-ES">
+              <a:solidFill>
+                <a:schemeClr val="tx1"/>
+              </a:solidFill>
+            </a:endParaRPr>
+          </a:p>
+        </p:txBody>
+      </p:sp>
+      <p:sp>
+        <p:nvSpPr>
+          <p:cNvPr id="4" name="Frame 3">
+            <a:extLst>
+              <a:ext uri="{FF2B5EF4-FFF2-40B4-BE49-F238E27FC236}">
+                <a16:creationId xmlns:a16="http://schemas.microsoft.com/office/drawing/2014/main" id="{B8D6344C-10BF-71E6-0648-92B0CE1437FB}"/>
+              </a:ext>
+            </a:extLst>
+          </p:cNvPr>
+          <p:cNvSpPr/>
+          <p:nvPr/>
+        </p:nvSpPr>
+        <p:spPr>
+          <a:xfrm>
+            <a:off x="7716644" y="5030959"/>
+            <a:ext cx="3637156" cy="561279"/>
+          </a:xfrm>
+          <a:prstGeom prst="frame">
+            <a:avLst>
+              <a:gd name="adj1" fmla="val 4553"/>
+            </a:avLst>
+          </a:prstGeom>
+          <a:solidFill>
+            <a:schemeClr val="accent2"/>
+          </a:solidFill>
+          <a:ln>
+            <a:solidFill>
+              <a:schemeClr val="accent2"/>
+            </a:solidFill>
+          </a:ln>
+        </p:spPr>
+        <p:style>
+          <a:lnRef idx="2">
+            <a:schemeClr val="accent1">
+              <a:shade val="15000"/>
+            </a:schemeClr>
+          </a:lnRef>
+          <a:fillRef idx="1">
+            <a:schemeClr val="accent1"/>
+          </a:fillRef>
+          <a:effectRef idx="0">
+            <a:schemeClr val="accent1"/>
+          </a:effectRef>
+          <a:fontRef idx="minor">
+            <a:schemeClr val="lt1"/>
+          </a:fontRef>
+        </p:style>
+        <p:txBody>
+          <a:bodyPr rtlCol="0" anchor="ctr"/>
+          <a:lstStyle/>
+          <a:p>
+            <a:pPr algn="ctr"/>
+            <a:endParaRPr lang="en-ES">
+              <a:solidFill>
+                <a:schemeClr val="tx1"/>
+              </a:solidFill>
+            </a:endParaRPr>
+          </a:p>
+        </p:txBody>
+      </p:sp>
+      <p:pic>
+        <p:nvPicPr>
+          <p:cNvPr id="9" name="Picture 8" descr="A picture containing text, screenshot, line, diagram&#10;&#10;Description automatically generated">
+            <a:extLst>
+              <a:ext uri="{FF2B5EF4-FFF2-40B4-BE49-F238E27FC236}">
+                <a16:creationId xmlns:a16="http://schemas.microsoft.com/office/drawing/2014/main" id="{5B9FFE9C-C759-9359-C1D2-DAAC247B9BB1}"/>
+              </a:ext>
+            </a:extLst>
+          </p:cNvPr>
+          <p:cNvPicPr>
+            <a:picLocks noChangeAspect="1"/>
+          </p:cNvPicPr>
+          <p:nvPr/>
+        </p:nvPicPr>
+        <p:blipFill>
+          <a:blip r:embed="rId3"/>
+          <a:stretch>
+            <a:fillRect/>
+          </a:stretch>
+        </p:blipFill>
+        <p:spPr>
+          <a:xfrm>
+            <a:off x="846071" y="1975166"/>
+            <a:ext cx="5842000" cy="4381500"/>
+          </a:xfrm>
+          <a:prstGeom prst="rect">
+            <a:avLst/>
+          </a:prstGeom>
+        </p:spPr>
+      </p:pic>
+      <p:sp>
+        <p:nvSpPr>
+          <p:cNvPr id="14" name="Frame 13">
+            <a:extLst>
+              <a:ext uri="{FF2B5EF4-FFF2-40B4-BE49-F238E27FC236}">
+                <a16:creationId xmlns:a16="http://schemas.microsoft.com/office/drawing/2014/main" id="{8177E83A-0FCC-E85A-42A9-1AB730A4C943}"/>
+              </a:ext>
+            </a:extLst>
+          </p:cNvPr>
+          <p:cNvSpPr/>
+          <p:nvPr/>
+        </p:nvSpPr>
+        <p:spPr>
+          <a:xfrm>
+            <a:off x="7716644" y="3948538"/>
+            <a:ext cx="1836234" cy="267630"/>
+          </a:xfrm>
+          <a:prstGeom prst="frame">
+            <a:avLst/>
+          </a:prstGeom>
+          <a:solidFill>
+            <a:schemeClr val="accent6"/>
+          </a:solidFill>
+        </p:spPr>
+        <p:style>
+          <a:lnRef idx="2">
+            <a:schemeClr val="accent1">
+              <a:shade val="15000"/>
+            </a:schemeClr>
+          </a:lnRef>
+          <a:fillRef idx="1">
+            <a:schemeClr val="accent1"/>
+          </a:fillRef>
+          <a:effectRef idx="0">
+            <a:schemeClr val="accent1"/>
+          </a:effectRef>
+          <a:fontRef idx="minor">
+            <a:schemeClr val="lt1"/>
+          </a:fontRef>
+        </p:style>
+        <p:txBody>
+          <a:bodyPr rtlCol="0" anchor="ctr"/>
+          <a:lstStyle/>
+          <a:p>
+            <a:pPr algn="ctr"/>
+            <a:endParaRPr lang="en-ES">
+              <a:solidFill>
+                <a:schemeClr val="tx1"/>
+              </a:solidFill>
+            </a:endParaRPr>
           </a:p>
         </p:txBody>
       </p:sp>
     </p:spTree>
     <p:extLst>
       <p:ext uri="{BB962C8B-B14F-4D97-AF65-F5344CB8AC3E}">
-        <p14:creationId xmlns:p14="http://schemas.microsoft.com/office/powerpoint/2010/main" val="1713723726"/>
+        <p14:creationId xmlns:p14="http://schemas.microsoft.com/office/powerpoint/2010/main" val="1127923999"/>
+      </p:ext>
+    </p:extLst>
+  </p:cSld>
+  <p:clrMapOvr>
+    <a:masterClrMapping/>
+  </p:clrMapOvr>
+</p:sld>
+</file>
+
+<file path=ppt/slides/slide11.xml><?xml version="1.0" encoding="utf-8"?>
+<p:sld xmlns:a="http://schemas.openxmlformats.org/drawingml/2006/main" xmlns:r="http://schemas.openxmlformats.org/officeDocument/2006/relationships" xmlns:p="http://schemas.openxmlformats.org/presentationml/2006/main">
+  <p:cSld>
+    <p:spTree>
+      <p:nvGrpSpPr>
+        <p:cNvPr id="1" name=""/>
+        <p:cNvGrpSpPr/>
+        <p:nvPr/>
+      </p:nvGrpSpPr>
+      <p:grpSpPr>
+        <a:xfrm>
+          <a:off x="0" y="0"/>
+          <a:ext cx="0" cy="0"/>
+          <a:chOff x="0" y="0"/>
+          <a:chExt cx="0" cy="0"/>
+        </a:xfrm>
+      </p:grpSpPr>
+      <mc:AlternateContent xmlns:mc="http://schemas.openxmlformats.org/markup-compatibility/2006">
+        <mc:Choice xmlns:a14="http://schemas.microsoft.com/office/drawing/2010/main" Requires="a14">
+          <p:sp>
+            <p:nvSpPr>
+              <p:cNvPr id="10" name="TextBox 9">
+                <a:extLst>
+                  <a:ext uri="{FF2B5EF4-FFF2-40B4-BE49-F238E27FC236}">
+                    <a16:creationId xmlns:a16="http://schemas.microsoft.com/office/drawing/2014/main" id="{194950BA-1538-670E-F034-FCCCF420A4B3}"/>
+                  </a:ext>
+                </a:extLst>
+              </p:cNvPr>
+              <p:cNvSpPr txBox="1"/>
+              <p:nvPr/>
+            </p:nvSpPr>
+            <p:spPr>
+              <a:xfrm>
+                <a:off x="7248293" y="1712043"/>
+                <a:ext cx="4672361" cy="4524315"/>
+              </a:xfrm>
+              <a:prstGeom prst="rect">
+                <a:avLst/>
+              </a:prstGeom>
+              <a:noFill/>
+            </p:spPr>
+            <p:txBody>
+              <a:bodyPr wrap="square" rtlCol="0">
+                <a:spAutoFit/>
+              </a:bodyPr>
+              <a:lstStyle/>
+              <a:p>
+                <a:r>
+                  <a:rPr lang="en-ES" dirty="0"/>
+                  <a:t>Solutions:</a:t>
+                </a:r>
+              </a:p>
+              <a:p>
+                <a:pPr marL="285750" indent="-285750">
+                  <a:buFont typeface="Arial" panose="020B0604020202020204" pitchFamily="34" charset="0"/>
+                  <a:buChar char="•"/>
+                </a:pPr>
+                <a:r>
+                  <a:rPr lang="en-ES" dirty="0"/>
+                  <a:t>In the simulation:</a:t>
+                </a:r>
+              </a:p>
+              <a:p>
+                <a:pPr marL="742950" lvl="1" indent="-285750">
+                  <a:buFont typeface="Arial" panose="020B0604020202020204" pitchFamily="34" charset="0"/>
+                  <a:buChar char="•"/>
+                </a:pPr>
+                <a:r>
+                  <a:rPr lang="en-ES" dirty="0"/>
+                  <a:t>Do nothing</a:t>
+                </a:r>
+              </a:p>
+              <a:p>
+                <a:pPr marL="742950" lvl="1" indent="-285750">
+                  <a:buFont typeface="Arial" panose="020B0604020202020204" pitchFamily="34" charset="0"/>
+                  <a:buChar char="•"/>
+                </a:pPr>
+                <a:r>
+                  <a:rPr lang="en-GB" dirty="0"/>
+                  <a:t>Accept with probability 0.5</a:t>
+                </a:r>
+              </a:p>
+              <a:p>
+                <a:pPr marL="742950" lvl="1" indent="-285750">
+                  <a:buFont typeface="Arial" panose="020B0604020202020204" pitchFamily="34" charset="0"/>
+                  <a:buChar char="•"/>
+                </a:pPr>
+                <a:r>
+                  <a:rPr lang="en-GB" dirty="0"/>
+                  <a:t>Accept with Exponential cumulative probability according to the time left in the walker: P(x </a:t>
+                </a:r>
+                <a14:m>
+                  <m:oMath xmlns:m="http://schemas.openxmlformats.org/officeDocument/2006/math">
+                    <m:r>
+                      <a:rPr lang="el-GR" i="1" smtClean="0">
+                        <a:latin typeface="Cambria Math" panose="02040503050406030204" pitchFamily="18" charset="0"/>
+                        <a:ea typeface="Cambria Math" panose="02040503050406030204" pitchFamily="18" charset="0"/>
+                      </a:rPr>
+                      <m:t>≤</m:t>
+                    </m:r>
+                    <m:r>
+                      <m:rPr>
+                        <m:sty m:val="p"/>
+                      </m:rPr>
+                      <a:rPr lang="el-GR" i="1" smtClean="0">
+                        <a:latin typeface="Cambria Math" panose="02040503050406030204" pitchFamily="18" charset="0"/>
+                        <a:ea typeface="Cambria Math" panose="02040503050406030204" pitchFamily="18" charset="0"/>
+                      </a:rPr>
+                      <m:t>Δ</m:t>
+                    </m:r>
+                    <m:r>
+                      <a:rPr lang="es-ES" b="0" i="1" smtClean="0">
+                        <a:latin typeface="Cambria Math" panose="02040503050406030204" pitchFamily="18" charset="0"/>
+                        <a:ea typeface="Cambria Math" panose="02040503050406030204" pitchFamily="18" charset="0"/>
+                      </a:rPr>
+                      <m:t>𝑡</m:t>
+                    </m:r>
+                    <m:r>
+                      <a:rPr lang="es-ES" b="0" i="1" smtClean="0">
+                        <a:latin typeface="Cambria Math" panose="02040503050406030204" pitchFamily="18" charset="0"/>
+                        <a:ea typeface="Cambria Math" panose="02040503050406030204" pitchFamily="18" charset="0"/>
+                      </a:rPr>
+                      <m:t> −</m:t>
+                    </m:r>
+                    <m:r>
+                      <a:rPr lang="es-ES" b="0" i="1" smtClean="0">
+                        <a:latin typeface="Cambria Math" panose="02040503050406030204" pitchFamily="18" charset="0"/>
+                        <a:ea typeface="Cambria Math" panose="02040503050406030204" pitchFamily="18" charset="0"/>
+                      </a:rPr>
+                      <m:t>𝑡𝑖</m:t>
+                    </m:r>
+                  </m:oMath>
+                </a14:m>
+                <a:r>
+                  <a:rPr lang="en-ES" dirty="0"/>
+                  <a:t>)</a:t>
+                </a:r>
+              </a:p>
+              <a:p>
+                <a:pPr marL="285750" indent="-285750">
+                  <a:buFont typeface="Arial" panose="020B0604020202020204" pitchFamily="34" charset="0"/>
+                  <a:buChar char="•"/>
+                </a:pPr>
+                <a:r>
+                  <a:rPr lang="en-ES" dirty="0"/>
+                  <a:t>Initial simulation step (count it?):</a:t>
+                </a:r>
+              </a:p>
+              <a:p>
+                <a:pPr marL="742950" lvl="1" indent="-285750">
+                  <a:buFont typeface="Arial" panose="020B0604020202020204" pitchFamily="34" charset="0"/>
+                  <a:buChar char="•"/>
+                </a:pPr>
+                <a:r>
+                  <a:rPr lang="en-ES" dirty="0"/>
+                  <a:t>Don’t Count it</a:t>
+                </a:r>
+              </a:p>
+              <a:p>
+                <a:pPr marL="742950" lvl="1" indent="-285750">
+                  <a:buFont typeface="Arial" panose="020B0604020202020204" pitchFamily="34" charset="0"/>
+                  <a:buChar char="•"/>
+                </a:pPr>
+                <a:r>
+                  <a:rPr lang="en-ES" dirty="0"/>
+                  <a:t>Count it</a:t>
+                </a:r>
+              </a:p>
+              <a:p>
+                <a:pPr marL="742950" lvl="1" indent="-285750">
+                  <a:buFont typeface="Arial" panose="020B0604020202020204" pitchFamily="34" charset="0"/>
+                  <a:buChar char="•"/>
+                </a:pPr>
+                <a:r>
+                  <a:rPr lang="en-ES" dirty="0"/>
+                  <a:t>Prob 0.5</a:t>
+                </a:r>
+              </a:p>
+              <a:p>
+                <a:pPr marL="285750" indent="-285750">
+                  <a:buFont typeface="Arial" panose="020B0604020202020204" pitchFamily="34" charset="0"/>
+                  <a:buChar char="•"/>
+                </a:pPr>
+                <a:r>
+                  <a:rPr lang="en-GB" dirty="0"/>
+                  <a:t>I</a:t>
+                </a:r>
+                <a:r>
+                  <a:rPr lang="en-ES" dirty="0"/>
+                  <a:t>n the Analytical:</a:t>
+                </a:r>
+              </a:p>
+              <a:p>
+                <a:pPr marL="742950" lvl="1" indent="-285750">
+                  <a:buFont typeface="Arial" panose="020B0604020202020204" pitchFamily="34" charset="0"/>
+                  <a:buChar char="•"/>
+                </a:pPr>
+                <a:r>
+                  <a:rPr lang="en-ES" dirty="0"/>
+                  <a:t>Accept only the non-divergent flow (flow that enters and goes)</a:t>
+                </a:r>
+              </a:p>
+              <a:p>
+                <a:pPr marL="742950" lvl="1" indent="-285750">
+                  <a:buFont typeface="Arial" panose="020B0604020202020204" pitchFamily="34" charset="0"/>
+                  <a:buChar char="•"/>
+                </a:pPr>
+                <a:r>
+                  <a:rPr lang="en-ES" dirty="0"/>
+                  <a:t>Accept with 0.5</a:t>
+                </a:r>
+              </a:p>
+              <a:p>
+                <a:pPr marL="285750" indent="-285750">
+                  <a:buFont typeface="Arial" panose="020B0604020202020204" pitchFamily="34" charset="0"/>
+                  <a:buChar char="•"/>
+                </a:pPr>
+                <a:endParaRPr lang="en-ES" dirty="0"/>
+              </a:p>
+            </p:txBody>
+          </p:sp>
+        </mc:Choice>
+        <mc:Fallback>
+          <p:sp>
+            <p:nvSpPr>
+              <p:cNvPr id="10" name="TextBox 9">
+                <a:extLst>
+                  <a:ext uri="{FF2B5EF4-FFF2-40B4-BE49-F238E27FC236}">
+                    <a16:creationId xmlns:a16="http://schemas.microsoft.com/office/drawing/2014/main" id="{194950BA-1538-670E-F034-FCCCF420A4B3}"/>
+                  </a:ext>
+                </a:extLst>
+              </p:cNvPr>
+              <p:cNvSpPr txBox="1">
+                <a:spLocks noRot="1" noChangeAspect="1" noMove="1" noResize="1" noEditPoints="1" noAdjustHandles="1" noChangeArrowheads="1" noChangeShapeType="1" noTextEdit="1"/>
+              </p:cNvSpPr>
+              <p:nvPr/>
+            </p:nvSpPr>
+            <p:spPr>
+              <a:xfrm>
+                <a:off x="7248293" y="1712043"/>
+                <a:ext cx="4672361" cy="4524315"/>
+              </a:xfrm>
+              <a:prstGeom prst="rect">
+                <a:avLst/>
+              </a:prstGeom>
+              <a:blipFill>
+                <a:blip r:embed="rId2"/>
+                <a:stretch>
+                  <a:fillRect l="-1084" t="-559"/>
+                </a:stretch>
+              </a:blipFill>
+            </p:spPr>
+            <p:txBody>
+              <a:bodyPr/>
+              <a:lstStyle/>
+              <a:p>
+                <a:r>
+                  <a:rPr lang="en-ES">
+                    <a:noFill/>
+                  </a:rPr>
+                  <a:t> </a:t>
+                </a:r>
+              </a:p>
+            </p:txBody>
+          </p:sp>
+        </mc:Fallback>
+      </mc:AlternateContent>
+      <p:sp>
+        <p:nvSpPr>
+          <p:cNvPr id="2" name="Title 1">
+            <a:extLst>
+              <a:ext uri="{FF2B5EF4-FFF2-40B4-BE49-F238E27FC236}">
+                <a16:creationId xmlns:a16="http://schemas.microsoft.com/office/drawing/2014/main" id="{3EA283B4-D4BC-C6F3-B493-F07D88F4ED1B}"/>
+              </a:ext>
+            </a:extLst>
+          </p:cNvPr>
+          <p:cNvSpPr>
+            <a:spLocks noGrp="1"/>
+          </p:cNvSpPr>
+          <p:nvPr>
+            <p:ph type="title"/>
+          </p:nvPr>
+        </p:nvSpPr>
+        <p:spPr>
+          <a:xfrm>
+            <a:off x="838200" y="365125"/>
+            <a:ext cx="11249722" cy="684557"/>
+          </a:xfrm>
+        </p:spPr>
+        <p:txBody>
+          <a:bodyPr>
+            <a:normAutofit fontScale="90000"/>
+          </a:bodyPr>
+          <a:lstStyle/>
+          <a:p>
+            <a:r>
+              <a:rPr lang="en-ES" dirty="0"/>
+              <a:t>Retrieving edge flow from ”Edge-centric” CTRW</a:t>
+            </a:r>
+          </a:p>
+        </p:txBody>
+      </p:sp>
+      <p:sp>
+        <p:nvSpPr>
+          <p:cNvPr id="6" name="TextBox 5">
+            <a:extLst>
+              <a:ext uri="{FF2B5EF4-FFF2-40B4-BE49-F238E27FC236}">
+                <a16:creationId xmlns:a16="http://schemas.microsoft.com/office/drawing/2014/main" id="{27A84098-CCFC-171B-F7C9-2AB58ED08E82}"/>
+              </a:ext>
+            </a:extLst>
+          </p:cNvPr>
+          <p:cNvSpPr txBox="1"/>
+          <p:nvPr/>
+        </p:nvSpPr>
+        <p:spPr>
+          <a:xfrm>
+            <a:off x="838200" y="1451946"/>
+            <a:ext cx="4750211" cy="523220"/>
+          </a:xfrm>
+          <a:prstGeom prst="rect">
+            <a:avLst/>
+          </a:prstGeom>
+          <a:noFill/>
+        </p:spPr>
+        <p:txBody>
+          <a:bodyPr wrap="none" rtlCol="0">
+            <a:spAutoFit/>
+          </a:bodyPr>
+          <a:lstStyle/>
+          <a:p>
+            <a:pPr marL="457200" indent="-457200">
+              <a:buFont typeface="Arial" panose="020B0604020202020204" pitchFamily="34" charset="0"/>
+              <a:buChar char="•"/>
+            </a:pPr>
+            <a:r>
+              <a:rPr lang="en-ES" sz="2800" dirty="0"/>
+              <a:t>Exp and accept non-div flow</a:t>
+            </a:r>
+          </a:p>
+        </p:txBody>
+      </p:sp>
+      <p:sp>
+        <p:nvSpPr>
+          <p:cNvPr id="3" name="Frame 2">
+            <a:extLst>
+              <a:ext uri="{FF2B5EF4-FFF2-40B4-BE49-F238E27FC236}">
+                <a16:creationId xmlns:a16="http://schemas.microsoft.com/office/drawing/2014/main" id="{DF3884F5-9598-3637-88F1-5AFBBE921511}"/>
+              </a:ext>
+            </a:extLst>
+          </p:cNvPr>
+          <p:cNvSpPr/>
+          <p:nvPr/>
+        </p:nvSpPr>
+        <p:spPr>
+          <a:xfrm>
+            <a:off x="7738945" y="2854709"/>
+            <a:ext cx="4103649" cy="864884"/>
+          </a:xfrm>
+          <a:prstGeom prst="frame">
+            <a:avLst>
+              <a:gd name="adj1" fmla="val 3846"/>
+            </a:avLst>
+          </a:prstGeom>
+        </p:spPr>
+        <p:style>
+          <a:lnRef idx="2">
+            <a:schemeClr val="accent1">
+              <a:shade val="15000"/>
+            </a:schemeClr>
+          </a:lnRef>
+          <a:fillRef idx="1">
+            <a:schemeClr val="accent1"/>
+          </a:fillRef>
+          <a:effectRef idx="0">
+            <a:schemeClr val="accent1"/>
+          </a:effectRef>
+          <a:fontRef idx="minor">
+            <a:schemeClr val="lt1"/>
+          </a:fontRef>
+        </p:style>
+        <p:txBody>
+          <a:bodyPr rtlCol="0" anchor="ctr"/>
+          <a:lstStyle/>
+          <a:p>
+            <a:pPr algn="ctr"/>
+            <a:endParaRPr lang="en-ES">
+              <a:solidFill>
+                <a:schemeClr val="tx1"/>
+              </a:solidFill>
+            </a:endParaRPr>
+          </a:p>
+        </p:txBody>
+      </p:sp>
+      <p:sp>
+        <p:nvSpPr>
+          <p:cNvPr id="4" name="Frame 3">
+            <a:extLst>
+              <a:ext uri="{FF2B5EF4-FFF2-40B4-BE49-F238E27FC236}">
+                <a16:creationId xmlns:a16="http://schemas.microsoft.com/office/drawing/2014/main" id="{B8D6344C-10BF-71E6-0648-92B0CE1437FB}"/>
+              </a:ext>
+            </a:extLst>
+          </p:cNvPr>
+          <p:cNvSpPr/>
+          <p:nvPr/>
+        </p:nvSpPr>
+        <p:spPr>
+          <a:xfrm>
+            <a:off x="7716644" y="5030959"/>
+            <a:ext cx="3637156" cy="561279"/>
+          </a:xfrm>
+          <a:prstGeom prst="frame">
+            <a:avLst>
+              <a:gd name="adj1" fmla="val 4553"/>
+            </a:avLst>
+          </a:prstGeom>
+          <a:solidFill>
+            <a:schemeClr val="accent2"/>
+          </a:solidFill>
+          <a:ln>
+            <a:solidFill>
+              <a:schemeClr val="accent2"/>
+            </a:solidFill>
+          </a:ln>
+        </p:spPr>
+        <p:style>
+          <a:lnRef idx="2">
+            <a:schemeClr val="accent1">
+              <a:shade val="15000"/>
+            </a:schemeClr>
+          </a:lnRef>
+          <a:fillRef idx="1">
+            <a:schemeClr val="accent1"/>
+          </a:fillRef>
+          <a:effectRef idx="0">
+            <a:schemeClr val="accent1"/>
+          </a:effectRef>
+          <a:fontRef idx="minor">
+            <a:schemeClr val="lt1"/>
+          </a:fontRef>
+        </p:style>
+        <p:txBody>
+          <a:bodyPr rtlCol="0" anchor="ctr"/>
+          <a:lstStyle/>
+          <a:p>
+            <a:pPr algn="ctr"/>
+            <a:endParaRPr lang="en-ES">
+              <a:solidFill>
+                <a:schemeClr val="tx1"/>
+              </a:solidFill>
+            </a:endParaRPr>
+          </a:p>
+        </p:txBody>
+      </p:sp>
+      <p:pic>
+        <p:nvPicPr>
+          <p:cNvPr id="8" name="Picture 7" descr="A picture containing text, screenshot, line, diagram&#10;&#10;Description automatically generated">
+            <a:extLst>
+              <a:ext uri="{FF2B5EF4-FFF2-40B4-BE49-F238E27FC236}">
+                <a16:creationId xmlns:a16="http://schemas.microsoft.com/office/drawing/2014/main" id="{9773778C-AF76-BB92-AC06-BFFA4BBF64C0}"/>
+              </a:ext>
+            </a:extLst>
+          </p:cNvPr>
+          <p:cNvPicPr>
+            <a:picLocks noChangeAspect="1"/>
+          </p:cNvPicPr>
+          <p:nvPr/>
+        </p:nvPicPr>
+        <p:blipFill>
+          <a:blip r:embed="rId3"/>
+          <a:stretch>
+            <a:fillRect/>
+          </a:stretch>
+        </p:blipFill>
+        <p:spPr>
+          <a:xfrm>
+            <a:off x="908825" y="2111375"/>
+            <a:ext cx="5842000" cy="4381500"/>
+          </a:xfrm>
+          <a:prstGeom prst="rect">
+            <a:avLst/>
+          </a:prstGeom>
+        </p:spPr>
+      </p:pic>
+      <p:sp>
+        <p:nvSpPr>
+          <p:cNvPr id="11" name="Frame 10">
+            <a:extLst>
+              <a:ext uri="{FF2B5EF4-FFF2-40B4-BE49-F238E27FC236}">
+                <a16:creationId xmlns:a16="http://schemas.microsoft.com/office/drawing/2014/main" id="{32F5D9F0-74C2-061C-5492-AFCAFFFC6C50}"/>
+              </a:ext>
+            </a:extLst>
+          </p:cNvPr>
+          <p:cNvSpPr/>
+          <p:nvPr/>
+        </p:nvSpPr>
+        <p:spPr>
+          <a:xfrm>
+            <a:off x="7716644" y="3948538"/>
+            <a:ext cx="1836234" cy="267630"/>
+          </a:xfrm>
+          <a:prstGeom prst="frame">
+            <a:avLst/>
+          </a:prstGeom>
+          <a:solidFill>
+            <a:schemeClr val="accent6"/>
+          </a:solidFill>
+        </p:spPr>
+        <p:style>
+          <a:lnRef idx="2">
+            <a:schemeClr val="accent1">
+              <a:shade val="15000"/>
+            </a:schemeClr>
+          </a:lnRef>
+          <a:fillRef idx="1">
+            <a:schemeClr val="accent1"/>
+          </a:fillRef>
+          <a:effectRef idx="0">
+            <a:schemeClr val="accent1"/>
+          </a:effectRef>
+          <a:fontRef idx="minor">
+            <a:schemeClr val="lt1"/>
+          </a:fontRef>
+        </p:style>
+        <p:txBody>
+          <a:bodyPr rtlCol="0" anchor="ctr"/>
+          <a:lstStyle/>
+          <a:p>
+            <a:pPr algn="ctr"/>
+            <a:endParaRPr lang="en-ES">
+              <a:solidFill>
+                <a:schemeClr val="tx1"/>
+              </a:solidFill>
+            </a:endParaRPr>
+          </a:p>
+        </p:txBody>
+      </p:sp>
+    </p:spTree>
+    <p:extLst>
+      <p:ext uri="{BB962C8B-B14F-4D97-AF65-F5344CB8AC3E}">
+        <p14:creationId xmlns:p14="http://schemas.microsoft.com/office/powerpoint/2010/main" val="4291985017"/>
+      </p:ext>
+    </p:extLst>
+  </p:cSld>
+  <p:clrMapOvr>
+    <a:masterClrMapping/>
+  </p:clrMapOvr>
+</p:sld>
+</file>
+
+<file path=ppt/slides/slide12.xml><?xml version="1.0" encoding="utf-8"?>
+<p:sld xmlns:a="http://schemas.openxmlformats.org/drawingml/2006/main" xmlns:r="http://schemas.openxmlformats.org/officeDocument/2006/relationships" xmlns:p="http://schemas.openxmlformats.org/presentationml/2006/main">
+  <p:cSld>
+    <p:spTree>
+      <p:nvGrpSpPr>
+        <p:cNvPr id="1" name=""/>
+        <p:cNvGrpSpPr/>
+        <p:nvPr/>
+      </p:nvGrpSpPr>
+      <p:grpSpPr>
+        <a:xfrm>
+          <a:off x="0" y="0"/>
+          <a:ext cx="0" cy="0"/>
+          <a:chOff x="0" y="0"/>
+          <a:chExt cx="0" cy="0"/>
+        </a:xfrm>
+      </p:grpSpPr>
+      <p:sp>
+        <p:nvSpPr>
+          <p:cNvPr id="2" name="Title 1">
+            <a:extLst>
+              <a:ext uri="{FF2B5EF4-FFF2-40B4-BE49-F238E27FC236}">
+                <a16:creationId xmlns:a16="http://schemas.microsoft.com/office/drawing/2014/main" id="{3EA283B4-D4BC-C6F3-B493-F07D88F4ED1B}"/>
+              </a:ext>
+            </a:extLst>
+          </p:cNvPr>
+          <p:cNvSpPr>
+            <a:spLocks noGrp="1"/>
+          </p:cNvSpPr>
+          <p:nvPr>
+            <p:ph type="title"/>
+          </p:nvPr>
+        </p:nvSpPr>
+        <p:spPr>
+          <a:xfrm>
+            <a:off x="838200" y="365125"/>
+            <a:ext cx="11249722" cy="684557"/>
+          </a:xfrm>
+        </p:spPr>
+        <p:txBody>
+          <a:bodyPr>
+            <a:normAutofit fontScale="90000"/>
+          </a:bodyPr>
+          <a:lstStyle/>
+          <a:p>
+            <a:r>
+              <a:rPr lang="en-ES" dirty="0"/>
+              <a:t>Retrieving edge flow from ”Edge-centric” CTRW</a:t>
+            </a:r>
+          </a:p>
+        </p:txBody>
+      </p:sp>
+      <p:sp>
+        <p:nvSpPr>
+          <p:cNvPr id="6" name="TextBox 5">
+            <a:extLst>
+              <a:ext uri="{FF2B5EF4-FFF2-40B4-BE49-F238E27FC236}">
+                <a16:creationId xmlns:a16="http://schemas.microsoft.com/office/drawing/2014/main" id="{27A84098-CCFC-171B-F7C9-2AB58ED08E82}"/>
+              </a:ext>
+            </a:extLst>
+          </p:cNvPr>
+          <p:cNvSpPr txBox="1"/>
+          <p:nvPr/>
+        </p:nvSpPr>
+        <p:spPr>
+          <a:xfrm>
+            <a:off x="838200" y="1451946"/>
+            <a:ext cx="4750211" cy="523220"/>
+          </a:xfrm>
+          <a:prstGeom prst="rect">
+            <a:avLst/>
+          </a:prstGeom>
+          <a:noFill/>
+        </p:spPr>
+        <p:txBody>
+          <a:bodyPr wrap="none" rtlCol="0">
+            <a:spAutoFit/>
+          </a:bodyPr>
+          <a:lstStyle/>
+          <a:p>
+            <a:pPr marL="457200" indent="-457200">
+              <a:buFont typeface="Arial" panose="020B0604020202020204" pitchFamily="34" charset="0"/>
+              <a:buChar char="•"/>
+            </a:pPr>
+            <a:r>
+              <a:rPr lang="en-ES" sz="2800" dirty="0"/>
+              <a:t>Exp and accept non-div flow</a:t>
+            </a:r>
+          </a:p>
+        </p:txBody>
+      </p:sp>
+      <p:pic>
+        <p:nvPicPr>
+          <p:cNvPr id="9" name="Picture 8" descr="A picture containing text, screenshot, line, diagram&#10;&#10;Description automatically generated">
+            <a:extLst>
+              <a:ext uri="{FF2B5EF4-FFF2-40B4-BE49-F238E27FC236}">
+                <a16:creationId xmlns:a16="http://schemas.microsoft.com/office/drawing/2014/main" id="{7C93CB6D-3C1B-90AE-DB9D-18B0DB39C01D}"/>
+              </a:ext>
+            </a:extLst>
+          </p:cNvPr>
+          <p:cNvPicPr>
+            <a:picLocks noChangeAspect="1"/>
+          </p:cNvPicPr>
+          <p:nvPr/>
+        </p:nvPicPr>
+        <p:blipFill>
+          <a:blip r:embed="rId2"/>
+          <a:stretch>
+            <a:fillRect/>
+          </a:stretch>
+        </p:blipFill>
+        <p:spPr>
+          <a:xfrm>
+            <a:off x="838200" y="2065298"/>
+            <a:ext cx="5842000" cy="4381500"/>
+          </a:xfrm>
+          <a:prstGeom prst="rect">
+            <a:avLst/>
+          </a:prstGeom>
+        </p:spPr>
+      </p:pic>
+      <mc:AlternateContent xmlns:mc="http://schemas.openxmlformats.org/markup-compatibility/2006">
+        <mc:Choice xmlns:a14="http://schemas.microsoft.com/office/drawing/2010/main" Requires="a14">
+          <p:sp>
+            <p:nvSpPr>
+              <p:cNvPr id="10" name="TextBox 9">
+                <a:extLst>
+                  <a:ext uri="{FF2B5EF4-FFF2-40B4-BE49-F238E27FC236}">
+                    <a16:creationId xmlns:a16="http://schemas.microsoft.com/office/drawing/2014/main" id="{001394C6-F6B0-9240-9602-87DA92360EB8}"/>
+                  </a:ext>
+                </a:extLst>
+              </p:cNvPr>
+              <p:cNvSpPr txBox="1"/>
+              <p:nvPr/>
+            </p:nvSpPr>
+            <p:spPr>
+              <a:xfrm>
+                <a:off x="7248293" y="1712043"/>
+                <a:ext cx="4672361" cy="4524315"/>
+              </a:xfrm>
+              <a:prstGeom prst="rect">
+                <a:avLst/>
+              </a:prstGeom>
+              <a:noFill/>
+            </p:spPr>
+            <p:txBody>
+              <a:bodyPr wrap="square" rtlCol="0">
+                <a:spAutoFit/>
+              </a:bodyPr>
+              <a:lstStyle/>
+              <a:p>
+                <a:r>
+                  <a:rPr lang="en-ES" dirty="0"/>
+                  <a:t>Solutions:</a:t>
+                </a:r>
+              </a:p>
+              <a:p>
+                <a:pPr marL="285750" indent="-285750">
+                  <a:buFont typeface="Arial" panose="020B0604020202020204" pitchFamily="34" charset="0"/>
+                  <a:buChar char="•"/>
+                </a:pPr>
+                <a:r>
+                  <a:rPr lang="en-ES" dirty="0"/>
+                  <a:t>In the simulation:</a:t>
+                </a:r>
+              </a:p>
+              <a:p>
+                <a:pPr marL="742950" lvl="1" indent="-285750">
+                  <a:buFont typeface="Arial" panose="020B0604020202020204" pitchFamily="34" charset="0"/>
+                  <a:buChar char="•"/>
+                </a:pPr>
+                <a:r>
+                  <a:rPr lang="en-ES" dirty="0"/>
+                  <a:t>Do nothing</a:t>
+                </a:r>
+              </a:p>
+              <a:p>
+                <a:pPr marL="742950" lvl="1" indent="-285750">
+                  <a:buFont typeface="Arial" panose="020B0604020202020204" pitchFamily="34" charset="0"/>
+                  <a:buChar char="•"/>
+                </a:pPr>
+                <a:r>
+                  <a:rPr lang="en-GB" dirty="0"/>
+                  <a:t>Accept with probability 0.5</a:t>
+                </a:r>
+              </a:p>
+              <a:p>
+                <a:pPr marL="742950" lvl="1" indent="-285750">
+                  <a:buFont typeface="Arial" panose="020B0604020202020204" pitchFamily="34" charset="0"/>
+                  <a:buChar char="•"/>
+                </a:pPr>
+                <a:r>
+                  <a:rPr lang="en-GB" dirty="0"/>
+                  <a:t>Accept with Exponential cumulative probability according to the time left in the walker: P(x </a:t>
+                </a:r>
+                <a14:m>
+                  <m:oMath xmlns:m="http://schemas.openxmlformats.org/officeDocument/2006/math">
+                    <m:r>
+                      <a:rPr lang="el-GR" i="1" smtClean="0">
+                        <a:latin typeface="Cambria Math" panose="02040503050406030204" pitchFamily="18" charset="0"/>
+                        <a:ea typeface="Cambria Math" panose="02040503050406030204" pitchFamily="18" charset="0"/>
+                      </a:rPr>
+                      <m:t>≤</m:t>
+                    </m:r>
+                    <m:r>
+                      <m:rPr>
+                        <m:sty m:val="p"/>
+                      </m:rPr>
+                      <a:rPr lang="el-GR" i="1" smtClean="0">
+                        <a:latin typeface="Cambria Math" panose="02040503050406030204" pitchFamily="18" charset="0"/>
+                        <a:ea typeface="Cambria Math" panose="02040503050406030204" pitchFamily="18" charset="0"/>
+                      </a:rPr>
+                      <m:t>Δ</m:t>
+                    </m:r>
+                    <m:r>
+                      <a:rPr lang="es-ES" b="0" i="1" smtClean="0">
+                        <a:latin typeface="Cambria Math" panose="02040503050406030204" pitchFamily="18" charset="0"/>
+                        <a:ea typeface="Cambria Math" panose="02040503050406030204" pitchFamily="18" charset="0"/>
+                      </a:rPr>
+                      <m:t>𝑡</m:t>
+                    </m:r>
+                    <m:r>
+                      <a:rPr lang="es-ES" b="0" i="1" smtClean="0">
+                        <a:latin typeface="Cambria Math" panose="02040503050406030204" pitchFamily="18" charset="0"/>
+                        <a:ea typeface="Cambria Math" panose="02040503050406030204" pitchFamily="18" charset="0"/>
+                      </a:rPr>
+                      <m:t> −</m:t>
+                    </m:r>
+                    <m:r>
+                      <a:rPr lang="es-ES" b="0" i="1" smtClean="0">
+                        <a:latin typeface="Cambria Math" panose="02040503050406030204" pitchFamily="18" charset="0"/>
+                        <a:ea typeface="Cambria Math" panose="02040503050406030204" pitchFamily="18" charset="0"/>
+                      </a:rPr>
+                      <m:t>𝑡𝑖</m:t>
+                    </m:r>
+                  </m:oMath>
+                </a14:m>
+                <a:r>
+                  <a:rPr lang="en-ES" dirty="0"/>
+                  <a:t>)</a:t>
+                </a:r>
+              </a:p>
+              <a:p>
+                <a:pPr marL="285750" indent="-285750">
+                  <a:buFont typeface="Arial" panose="020B0604020202020204" pitchFamily="34" charset="0"/>
+                  <a:buChar char="•"/>
+                </a:pPr>
+                <a:r>
+                  <a:rPr lang="en-ES" dirty="0"/>
+                  <a:t>Initial simulation step (count it?):</a:t>
+                </a:r>
+              </a:p>
+              <a:p>
+                <a:pPr marL="742950" lvl="1" indent="-285750">
+                  <a:buFont typeface="Arial" panose="020B0604020202020204" pitchFamily="34" charset="0"/>
+                  <a:buChar char="•"/>
+                </a:pPr>
+                <a:r>
+                  <a:rPr lang="en-ES" dirty="0"/>
+                  <a:t>Don’t Count it</a:t>
+                </a:r>
+              </a:p>
+              <a:p>
+                <a:pPr marL="742950" lvl="1" indent="-285750">
+                  <a:buFont typeface="Arial" panose="020B0604020202020204" pitchFamily="34" charset="0"/>
+                  <a:buChar char="•"/>
+                </a:pPr>
+                <a:r>
+                  <a:rPr lang="en-ES" dirty="0"/>
+                  <a:t>Count it all</a:t>
+                </a:r>
+              </a:p>
+              <a:p>
+                <a:pPr marL="742950" lvl="1" indent="-285750">
+                  <a:buFont typeface="Arial" panose="020B0604020202020204" pitchFamily="34" charset="0"/>
+                  <a:buChar char="•"/>
+                </a:pPr>
+                <a:r>
+                  <a:rPr lang="en-ES" dirty="0"/>
+                  <a:t>Prob 0.5</a:t>
+                </a:r>
+              </a:p>
+              <a:p>
+                <a:pPr marL="285750" indent="-285750">
+                  <a:buFont typeface="Arial" panose="020B0604020202020204" pitchFamily="34" charset="0"/>
+                  <a:buChar char="•"/>
+                </a:pPr>
+                <a:r>
+                  <a:rPr lang="en-GB" dirty="0"/>
+                  <a:t>I</a:t>
+                </a:r>
+                <a:r>
+                  <a:rPr lang="en-ES" dirty="0"/>
+                  <a:t>n the Analytical:</a:t>
+                </a:r>
+              </a:p>
+              <a:p>
+                <a:pPr marL="742950" lvl="1" indent="-285750">
+                  <a:buFont typeface="Arial" panose="020B0604020202020204" pitchFamily="34" charset="0"/>
+                  <a:buChar char="•"/>
+                </a:pPr>
+                <a:r>
+                  <a:rPr lang="en-ES" dirty="0"/>
+                  <a:t>Accept only the non-divergent flow (flow that enters and goes)</a:t>
+                </a:r>
+              </a:p>
+              <a:p>
+                <a:pPr marL="742950" lvl="1" indent="-285750">
+                  <a:buFont typeface="Arial" panose="020B0604020202020204" pitchFamily="34" charset="0"/>
+                  <a:buChar char="•"/>
+                </a:pPr>
+                <a:r>
+                  <a:rPr lang="en-ES" dirty="0"/>
+                  <a:t>Accept with 0.5</a:t>
+                </a:r>
+              </a:p>
+              <a:p>
+                <a:pPr marL="285750" indent="-285750">
+                  <a:buFont typeface="Arial" panose="020B0604020202020204" pitchFamily="34" charset="0"/>
+                  <a:buChar char="•"/>
+                </a:pPr>
+                <a:endParaRPr lang="en-ES" dirty="0"/>
+              </a:p>
+            </p:txBody>
+          </p:sp>
+        </mc:Choice>
+        <mc:Fallback>
+          <p:sp>
+            <p:nvSpPr>
+              <p:cNvPr id="10" name="TextBox 9">
+                <a:extLst>
+                  <a:ext uri="{FF2B5EF4-FFF2-40B4-BE49-F238E27FC236}">
+                    <a16:creationId xmlns:a16="http://schemas.microsoft.com/office/drawing/2014/main" id="{001394C6-F6B0-9240-9602-87DA92360EB8}"/>
+                  </a:ext>
+                </a:extLst>
+              </p:cNvPr>
+              <p:cNvSpPr txBox="1">
+                <a:spLocks noRot="1" noChangeAspect="1" noMove="1" noResize="1" noEditPoints="1" noAdjustHandles="1" noChangeArrowheads="1" noChangeShapeType="1" noTextEdit="1"/>
+              </p:cNvSpPr>
+              <p:nvPr/>
+            </p:nvSpPr>
+            <p:spPr>
+              <a:xfrm>
+                <a:off x="7248293" y="1712043"/>
+                <a:ext cx="4672361" cy="4524315"/>
+              </a:xfrm>
+              <a:prstGeom prst="rect">
+                <a:avLst/>
+              </a:prstGeom>
+              <a:blipFill>
+                <a:blip r:embed="rId3"/>
+                <a:stretch>
+                  <a:fillRect l="-1084" t="-559"/>
+                </a:stretch>
+              </a:blipFill>
+            </p:spPr>
+            <p:txBody>
+              <a:bodyPr/>
+              <a:lstStyle/>
+              <a:p>
+                <a:r>
+                  <a:rPr lang="en-ES">
+                    <a:noFill/>
+                  </a:rPr>
+                  <a:t> </a:t>
+                </a:r>
+              </a:p>
+            </p:txBody>
+          </p:sp>
+        </mc:Fallback>
+      </mc:AlternateContent>
+      <p:sp>
+        <p:nvSpPr>
+          <p:cNvPr id="11" name="Frame 10">
+            <a:extLst>
+              <a:ext uri="{FF2B5EF4-FFF2-40B4-BE49-F238E27FC236}">
+                <a16:creationId xmlns:a16="http://schemas.microsoft.com/office/drawing/2014/main" id="{511BA154-7038-DFAB-C7BE-7282E8F7DD72}"/>
+              </a:ext>
+            </a:extLst>
+          </p:cNvPr>
+          <p:cNvSpPr/>
+          <p:nvPr/>
+        </p:nvSpPr>
+        <p:spPr>
+          <a:xfrm>
+            <a:off x="7738945" y="2854709"/>
+            <a:ext cx="4103649" cy="864884"/>
+          </a:xfrm>
+          <a:prstGeom prst="frame">
+            <a:avLst>
+              <a:gd name="adj1" fmla="val 3846"/>
+            </a:avLst>
+          </a:prstGeom>
+        </p:spPr>
+        <p:style>
+          <a:lnRef idx="2">
+            <a:schemeClr val="accent1">
+              <a:shade val="15000"/>
+            </a:schemeClr>
+          </a:lnRef>
+          <a:fillRef idx="1">
+            <a:schemeClr val="accent1"/>
+          </a:fillRef>
+          <a:effectRef idx="0">
+            <a:schemeClr val="accent1"/>
+          </a:effectRef>
+          <a:fontRef idx="minor">
+            <a:schemeClr val="lt1"/>
+          </a:fontRef>
+        </p:style>
+        <p:txBody>
+          <a:bodyPr rtlCol="0" anchor="ctr"/>
+          <a:lstStyle/>
+          <a:p>
+            <a:pPr algn="ctr"/>
+            <a:endParaRPr lang="en-ES">
+              <a:solidFill>
+                <a:schemeClr val="tx1"/>
+              </a:solidFill>
+            </a:endParaRPr>
+          </a:p>
+        </p:txBody>
+      </p:sp>
+      <p:sp>
+        <p:nvSpPr>
+          <p:cNvPr id="12" name="Frame 11">
+            <a:extLst>
+              <a:ext uri="{FF2B5EF4-FFF2-40B4-BE49-F238E27FC236}">
+                <a16:creationId xmlns:a16="http://schemas.microsoft.com/office/drawing/2014/main" id="{52BFB6A0-3991-9B25-49FE-1DED7CA7C348}"/>
+              </a:ext>
+            </a:extLst>
+          </p:cNvPr>
+          <p:cNvSpPr/>
+          <p:nvPr/>
+        </p:nvSpPr>
+        <p:spPr>
+          <a:xfrm>
+            <a:off x="7716644" y="5030959"/>
+            <a:ext cx="3637156" cy="561279"/>
+          </a:xfrm>
+          <a:prstGeom prst="frame">
+            <a:avLst>
+              <a:gd name="adj1" fmla="val 4553"/>
+            </a:avLst>
+          </a:prstGeom>
+          <a:solidFill>
+            <a:schemeClr val="accent2"/>
+          </a:solidFill>
+          <a:ln>
+            <a:solidFill>
+              <a:schemeClr val="accent2"/>
+            </a:solidFill>
+          </a:ln>
+        </p:spPr>
+        <p:style>
+          <a:lnRef idx="2">
+            <a:schemeClr val="accent1">
+              <a:shade val="15000"/>
+            </a:schemeClr>
+          </a:lnRef>
+          <a:fillRef idx="1">
+            <a:schemeClr val="accent1"/>
+          </a:fillRef>
+          <a:effectRef idx="0">
+            <a:schemeClr val="accent1"/>
+          </a:effectRef>
+          <a:fontRef idx="minor">
+            <a:schemeClr val="lt1"/>
+          </a:fontRef>
+        </p:style>
+        <p:txBody>
+          <a:bodyPr rtlCol="0" anchor="ctr"/>
+          <a:lstStyle/>
+          <a:p>
+            <a:pPr algn="ctr"/>
+            <a:endParaRPr lang="en-ES">
+              <a:solidFill>
+                <a:schemeClr val="tx1"/>
+              </a:solidFill>
+            </a:endParaRPr>
+          </a:p>
+        </p:txBody>
+      </p:sp>
+      <p:sp>
+        <p:nvSpPr>
+          <p:cNvPr id="13" name="Frame 12">
+            <a:extLst>
+              <a:ext uri="{FF2B5EF4-FFF2-40B4-BE49-F238E27FC236}">
+                <a16:creationId xmlns:a16="http://schemas.microsoft.com/office/drawing/2014/main" id="{59B7B8E0-894D-32A2-C29A-C18767B65AEF}"/>
+              </a:ext>
+            </a:extLst>
+          </p:cNvPr>
+          <p:cNvSpPr/>
+          <p:nvPr/>
+        </p:nvSpPr>
+        <p:spPr>
+          <a:xfrm>
+            <a:off x="7716644" y="4212007"/>
+            <a:ext cx="1836234" cy="267630"/>
+          </a:xfrm>
+          <a:prstGeom prst="frame">
+            <a:avLst/>
+          </a:prstGeom>
+          <a:solidFill>
+            <a:schemeClr val="accent6"/>
+          </a:solidFill>
+        </p:spPr>
+        <p:style>
+          <a:lnRef idx="2">
+            <a:schemeClr val="accent1">
+              <a:shade val="15000"/>
+            </a:schemeClr>
+          </a:lnRef>
+          <a:fillRef idx="1">
+            <a:schemeClr val="accent1"/>
+          </a:fillRef>
+          <a:effectRef idx="0">
+            <a:schemeClr val="accent1"/>
+          </a:effectRef>
+          <a:fontRef idx="minor">
+            <a:schemeClr val="lt1"/>
+          </a:fontRef>
+        </p:style>
+        <p:txBody>
+          <a:bodyPr rtlCol="0" anchor="ctr"/>
+          <a:lstStyle/>
+          <a:p>
+            <a:pPr algn="ctr"/>
+            <a:endParaRPr lang="en-ES">
+              <a:solidFill>
+                <a:schemeClr val="tx1"/>
+              </a:solidFill>
+            </a:endParaRPr>
+          </a:p>
+        </p:txBody>
+      </p:sp>
+    </p:spTree>
+    <p:extLst>
+      <p:ext uri="{BB962C8B-B14F-4D97-AF65-F5344CB8AC3E}">
+        <p14:creationId xmlns:p14="http://schemas.microsoft.com/office/powerpoint/2010/main" val="1707564313"/>
+      </p:ext>
+    </p:extLst>
+  </p:cSld>
+  <p:clrMapOvr>
+    <a:masterClrMapping/>
+  </p:clrMapOvr>
+</p:sld>
+</file>
+
+<file path=ppt/slides/slide13.xml><?xml version="1.0" encoding="utf-8"?>
+<p:sld xmlns:a="http://schemas.openxmlformats.org/drawingml/2006/main" xmlns:r="http://schemas.openxmlformats.org/officeDocument/2006/relationships" xmlns:p="http://schemas.openxmlformats.org/presentationml/2006/main">
+  <p:cSld>
+    <p:spTree>
+      <p:nvGrpSpPr>
+        <p:cNvPr id="1" name=""/>
+        <p:cNvGrpSpPr/>
+        <p:nvPr/>
+      </p:nvGrpSpPr>
+      <p:grpSpPr>
+        <a:xfrm>
+          <a:off x="0" y="0"/>
+          <a:ext cx="0" cy="0"/>
+          <a:chOff x="0" y="0"/>
+          <a:chExt cx="0" cy="0"/>
+        </a:xfrm>
+      </p:grpSpPr>
+      <p:sp>
+        <p:nvSpPr>
+          <p:cNvPr id="2" name="Title 1">
+            <a:extLst>
+              <a:ext uri="{FF2B5EF4-FFF2-40B4-BE49-F238E27FC236}">
+                <a16:creationId xmlns:a16="http://schemas.microsoft.com/office/drawing/2014/main" id="{3EA283B4-D4BC-C6F3-B493-F07D88F4ED1B}"/>
+              </a:ext>
+            </a:extLst>
+          </p:cNvPr>
+          <p:cNvSpPr>
+            <a:spLocks noGrp="1"/>
+          </p:cNvSpPr>
+          <p:nvPr>
+            <p:ph type="title"/>
+          </p:nvPr>
+        </p:nvSpPr>
+        <p:spPr>
+          <a:xfrm>
+            <a:off x="838200" y="365125"/>
+            <a:ext cx="11249722" cy="684557"/>
+          </a:xfrm>
+        </p:spPr>
+        <p:txBody>
+          <a:bodyPr>
+            <a:normAutofit fontScale="90000"/>
+          </a:bodyPr>
+          <a:lstStyle/>
+          <a:p>
+            <a:r>
+              <a:rPr lang="en-ES" dirty="0"/>
+              <a:t>Retrieving edge flow from ”Edge-centric” CTRW</a:t>
+            </a:r>
+          </a:p>
+        </p:txBody>
+      </p:sp>
+      <p:sp>
+        <p:nvSpPr>
+          <p:cNvPr id="6" name="TextBox 5">
+            <a:extLst>
+              <a:ext uri="{FF2B5EF4-FFF2-40B4-BE49-F238E27FC236}">
+                <a16:creationId xmlns:a16="http://schemas.microsoft.com/office/drawing/2014/main" id="{27A84098-CCFC-171B-F7C9-2AB58ED08E82}"/>
+              </a:ext>
+            </a:extLst>
+          </p:cNvPr>
+          <p:cNvSpPr txBox="1"/>
+          <p:nvPr/>
+        </p:nvSpPr>
+        <p:spPr>
+          <a:xfrm>
+            <a:off x="838200" y="1451946"/>
+            <a:ext cx="4096186" cy="523220"/>
+          </a:xfrm>
+          <a:prstGeom prst="rect">
+            <a:avLst/>
+          </a:prstGeom>
+          <a:noFill/>
+        </p:spPr>
+        <p:txBody>
+          <a:bodyPr wrap="none" rtlCol="0">
+            <a:spAutoFit/>
+          </a:bodyPr>
+          <a:lstStyle/>
+          <a:p>
+            <a:pPr marL="457200" indent="-457200">
+              <a:buFont typeface="Arial" panose="020B0604020202020204" pitchFamily="34" charset="0"/>
+              <a:buChar char="•"/>
+            </a:pPr>
+            <a:r>
+              <a:rPr lang="en-ES" sz="2800" dirty="0"/>
+              <a:t>Exp and accept 0.5 flow</a:t>
+            </a:r>
+          </a:p>
+        </p:txBody>
+      </p:sp>
+      <mc:AlternateContent xmlns:mc="http://schemas.openxmlformats.org/markup-compatibility/2006">
+        <mc:Choice xmlns:a14="http://schemas.microsoft.com/office/drawing/2010/main" Requires="a14">
+          <p:sp>
+            <p:nvSpPr>
+              <p:cNvPr id="10" name="TextBox 9">
+                <a:extLst>
+                  <a:ext uri="{FF2B5EF4-FFF2-40B4-BE49-F238E27FC236}">
+                    <a16:creationId xmlns:a16="http://schemas.microsoft.com/office/drawing/2014/main" id="{001394C6-F6B0-9240-9602-87DA92360EB8}"/>
+                  </a:ext>
+                </a:extLst>
+              </p:cNvPr>
+              <p:cNvSpPr txBox="1"/>
+              <p:nvPr/>
+            </p:nvSpPr>
+            <p:spPr>
+              <a:xfrm>
+                <a:off x="7248293" y="1712043"/>
+                <a:ext cx="4672361" cy="4524315"/>
+              </a:xfrm>
+              <a:prstGeom prst="rect">
+                <a:avLst/>
+              </a:prstGeom>
+              <a:noFill/>
+            </p:spPr>
+            <p:txBody>
+              <a:bodyPr wrap="square" rtlCol="0">
+                <a:spAutoFit/>
+              </a:bodyPr>
+              <a:lstStyle/>
+              <a:p>
+                <a:r>
+                  <a:rPr lang="en-ES" dirty="0"/>
+                  <a:t>Solutions:</a:t>
+                </a:r>
+              </a:p>
+              <a:p>
+                <a:pPr marL="285750" indent="-285750">
+                  <a:buFont typeface="Arial" panose="020B0604020202020204" pitchFamily="34" charset="0"/>
+                  <a:buChar char="•"/>
+                </a:pPr>
+                <a:r>
+                  <a:rPr lang="en-ES" dirty="0"/>
+                  <a:t>In the simulation:</a:t>
+                </a:r>
+              </a:p>
+              <a:p>
+                <a:pPr marL="742950" lvl="1" indent="-285750">
+                  <a:buFont typeface="Arial" panose="020B0604020202020204" pitchFamily="34" charset="0"/>
+                  <a:buChar char="•"/>
+                </a:pPr>
+                <a:r>
+                  <a:rPr lang="en-ES" dirty="0"/>
+                  <a:t>Do nothing</a:t>
+                </a:r>
+              </a:p>
+              <a:p>
+                <a:pPr marL="742950" lvl="1" indent="-285750">
+                  <a:buFont typeface="Arial" panose="020B0604020202020204" pitchFamily="34" charset="0"/>
+                  <a:buChar char="•"/>
+                </a:pPr>
+                <a:r>
+                  <a:rPr lang="en-GB" dirty="0"/>
+                  <a:t>Accept with probability 0.5</a:t>
+                </a:r>
+              </a:p>
+              <a:p>
+                <a:pPr marL="742950" lvl="1" indent="-285750">
+                  <a:buFont typeface="Arial" panose="020B0604020202020204" pitchFamily="34" charset="0"/>
+                  <a:buChar char="•"/>
+                </a:pPr>
+                <a:r>
+                  <a:rPr lang="en-GB" dirty="0"/>
+                  <a:t>Accept with Exponential cumulative probability according to the time left in the walker: P(x </a:t>
+                </a:r>
+                <a14:m>
+                  <m:oMath xmlns:m="http://schemas.openxmlformats.org/officeDocument/2006/math">
+                    <m:r>
+                      <a:rPr lang="el-GR" i="1" smtClean="0">
+                        <a:latin typeface="Cambria Math" panose="02040503050406030204" pitchFamily="18" charset="0"/>
+                        <a:ea typeface="Cambria Math" panose="02040503050406030204" pitchFamily="18" charset="0"/>
+                      </a:rPr>
+                      <m:t>≤</m:t>
+                    </m:r>
+                    <m:r>
+                      <m:rPr>
+                        <m:sty m:val="p"/>
+                      </m:rPr>
+                      <a:rPr lang="el-GR" i="1" smtClean="0">
+                        <a:latin typeface="Cambria Math" panose="02040503050406030204" pitchFamily="18" charset="0"/>
+                        <a:ea typeface="Cambria Math" panose="02040503050406030204" pitchFamily="18" charset="0"/>
+                      </a:rPr>
+                      <m:t>Δ</m:t>
+                    </m:r>
+                    <m:r>
+                      <a:rPr lang="es-ES" b="0" i="1" smtClean="0">
+                        <a:latin typeface="Cambria Math" panose="02040503050406030204" pitchFamily="18" charset="0"/>
+                        <a:ea typeface="Cambria Math" panose="02040503050406030204" pitchFamily="18" charset="0"/>
+                      </a:rPr>
+                      <m:t>𝑡</m:t>
+                    </m:r>
+                    <m:r>
+                      <a:rPr lang="es-ES" b="0" i="1" smtClean="0">
+                        <a:latin typeface="Cambria Math" panose="02040503050406030204" pitchFamily="18" charset="0"/>
+                        <a:ea typeface="Cambria Math" panose="02040503050406030204" pitchFamily="18" charset="0"/>
+                      </a:rPr>
+                      <m:t> −</m:t>
+                    </m:r>
+                    <m:r>
+                      <a:rPr lang="es-ES" b="0" i="1" smtClean="0">
+                        <a:latin typeface="Cambria Math" panose="02040503050406030204" pitchFamily="18" charset="0"/>
+                        <a:ea typeface="Cambria Math" panose="02040503050406030204" pitchFamily="18" charset="0"/>
+                      </a:rPr>
+                      <m:t>𝑡𝑖</m:t>
+                    </m:r>
+                  </m:oMath>
+                </a14:m>
+                <a:r>
+                  <a:rPr lang="en-ES" dirty="0"/>
+                  <a:t>)</a:t>
+                </a:r>
+              </a:p>
+              <a:p>
+                <a:pPr marL="285750" indent="-285750">
+                  <a:buFont typeface="Arial" panose="020B0604020202020204" pitchFamily="34" charset="0"/>
+                  <a:buChar char="•"/>
+                </a:pPr>
+                <a:r>
+                  <a:rPr lang="en-ES" dirty="0"/>
+                  <a:t>Initial simulation step (count it?):</a:t>
+                </a:r>
+              </a:p>
+              <a:p>
+                <a:pPr marL="742950" lvl="1" indent="-285750">
+                  <a:buFont typeface="Arial" panose="020B0604020202020204" pitchFamily="34" charset="0"/>
+                  <a:buChar char="•"/>
+                </a:pPr>
+                <a:r>
+                  <a:rPr lang="en-ES" dirty="0"/>
+                  <a:t>Don’t Count it</a:t>
+                </a:r>
+              </a:p>
+              <a:p>
+                <a:pPr marL="742950" lvl="1" indent="-285750">
+                  <a:buFont typeface="Arial" panose="020B0604020202020204" pitchFamily="34" charset="0"/>
+                  <a:buChar char="•"/>
+                </a:pPr>
+                <a:r>
+                  <a:rPr lang="en-ES" dirty="0"/>
+                  <a:t>Count it all</a:t>
+                </a:r>
+              </a:p>
+              <a:p>
+                <a:pPr marL="742950" lvl="1" indent="-285750">
+                  <a:buFont typeface="Arial" panose="020B0604020202020204" pitchFamily="34" charset="0"/>
+                  <a:buChar char="•"/>
+                </a:pPr>
+                <a:r>
+                  <a:rPr lang="en-ES" dirty="0"/>
+                  <a:t>Prob 0.5</a:t>
+                </a:r>
+              </a:p>
+              <a:p>
+                <a:pPr marL="285750" indent="-285750">
+                  <a:buFont typeface="Arial" panose="020B0604020202020204" pitchFamily="34" charset="0"/>
+                  <a:buChar char="•"/>
+                </a:pPr>
+                <a:r>
+                  <a:rPr lang="en-GB" dirty="0"/>
+                  <a:t>I</a:t>
+                </a:r>
+                <a:r>
+                  <a:rPr lang="en-ES" dirty="0"/>
+                  <a:t>n the Analytical:</a:t>
+                </a:r>
+              </a:p>
+              <a:p>
+                <a:pPr marL="742950" lvl="1" indent="-285750">
+                  <a:buFont typeface="Arial" panose="020B0604020202020204" pitchFamily="34" charset="0"/>
+                  <a:buChar char="•"/>
+                </a:pPr>
+                <a:r>
+                  <a:rPr lang="en-ES" dirty="0"/>
+                  <a:t>Accept only the non-divergent flow (flow that enters and goes)</a:t>
+                </a:r>
+              </a:p>
+              <a:p>
+                <a:pPr marL="742950" lvl="1" indent="-285750">
+                  <a:buFont typeface="Arial" panose="020B0604020202020204" pitchFamily="34" charset="0"/>
+                  <a:buChar char="•"/>
+                </a:pPr>
+                <a:r>
+                  <a:rPr lang="en-ES" dirty="0"/>
+                  <a:t>Accept with 0.5</a:t>
+                </a:r>
+              </a:p>
+              <a:p>
+                <a:pPr marL="285750" indent="-285750">
+                  <a:buFont typeface="Arial" panose="020B0604020202020204" pitchFamily="34" charset="0"/>
+                  <a:buChar char="•"/>
+                </a:pPr>
+                <a:endParaRPr lang="en-ES" dirty="0"/>
+              </a:p>
+            </p:txBody>
+          </p:sp>
+        </mc:Choice>
+        <mc:Fallback>
+          <p:sp>
+            <p:nvSpPr>
+              <p:cNvPr id="10" name="TextBox 9">
+                <a:extLst>
+                  <a:ext uri="{FF2B5EF4-FFF2-40B4-BE49-F238E27FC236}">
+                    <a16:creationId xmlns:a16="http://schemas.microsoft.com/office/drawing/2014/main" id="{001394C6-F6B0-9240-9602-87DA92360EB8}"/>
+                  </a:ext>
+                </a:extLst>
+              </p:cNvPr>
+              <p:cNvSpPr txBox="1">
+                <a:spLocks noRot="1" noChangeAspect="1" noMove="1" noResize="1" noEditPoints="1" noAdjustHandles="1" noChangeArrowheads="1" noChangeShapeType="1" noTextEdit="1"/>
+              </p:cNvSpPr>
+              <p:nvPr/>
+            </p:nvSpPr>
+            <p:spPr>
+              <a:xfrm>
+                <a:off x="7248293" y="1712043"/>
+                <a:ext cx="4672361" cy="4524315"/>
+              </a:xfrm>
+              <a:prstGeom prst="rect">
+                <a:avLst/>
+              </a:prstGeom>
+              <a:blipFill>
+                <a:blip r:embed="rId2"/>
+                <a:stretch>
+                  <a:fillRect l="-1084" t="-559"/>
+                </a:stretch>
+              </a:blipFill>
+            </p:spPr>
+            <p:txBody>
+              <a:bodyPr/>
+              <a:lstStyle/>
+              <a:p>
+                <a:r>
+                  <a:rPr lang="en-ES">
+                    <a:noFill/>
+                  </a:rPr>
+                  <a:t> </a:t>
+                </a:r>
+              </a:p>
+            </p:txBody>
+          </p:sp>
+        </mc:Fallback>
+      </mc:AlternateContent>
+      <p:sp>
+        <p:nvSpPr>
+          <p:cNvPr id="11" name="Frame 10">
+            <a:extLst>
+              <a:ext uri="{FF2B5EF4-FFF2-40B4-BE49-F238E27FC236}">
+                <a16:creationId xmlns:a16="http://schemas.microsoft.com/office/drawing/2014/main" id="{511BA154-7038-DFAB-C7BE-7282E8F7DD72}"/>
+              </a:ext>
+            </a:extLst>
+          </p:cNvPr>
+          <p:cNvSpPr/>
+          <p:nvPr/>
+        </p:nvSpPr>
+        <p:spPr>
+          <a:xfrm>
+            <a:off x="7738945" y="2854709"/>
+            <a:ext cx="4103649" cy="864884"/>
+          </a:xfrm>
+          <a:prstGeom prst="frame">
+            <a:avLst>
+              <a:gd name="adj1" fmla="val 3846"/>
+            </a:avLst>
+          </a:prstGeom>
+        </p:spPr>
+        <p:style>
+          <a:lnRef idx="2">
+            <a:schemeClr val="accent1">
+              <a:shade val="15000"/>
+            </a:schemeClr>
+          </a:lnRef>
+          <a:fillRef idx="1">
+            <a:schemeClr val="accent1"/>
+          </a:fillRef>
+          <a:effectRef idx="0">
+            <a:schemeClr val="accent1"/>
+          </a:effectRef>
+          <a:fontRef idx="minor">
+            <a:schemeClr val="lt1"/>
+          </a:fontRef>
+        </p:style>
+        <p:txBody>
+          <a:bodyPr rtlCol="0" anchor="ctr"/>
+          <a:lstStyle/>
+          <a:p>
+            <a:pPr algn="ctr"/>
+            <a:endParaRPr lang="en-ES">
+              <a:solidFill>
+                <a:schemeClr val="tx1"/>
+              </a:solidFill>
+            </a:endParaRPr>
+          </a:p>
+        </p:txBody>
+      </p:sp>
+      <p:sp>
+        <p:nvSpPr>
+          <p:cNvPr id="12" name="Frame 11">
+            <a:extLst>
+              <a:ext uri="{FF2B5EF4-FFF2-40B4-BE49-F238E27FC236}">
+                <a16:creationId xmlns:a16="http://schemas.microsoft.com/office/drawing/2014/main" id="{52BFB6A0-3991-9B25-49FE-1DED7CA7C348}"/>
+              </a:ext>
+            </a:extLst>
+          </p:cNvPr>
+          <p:cNvSpPr/>
+          <p:nvPr/>
+        </p:nvSpPr>
+        <p:spPr>
+          <a:xfrm>
+            <a:off x="7716644" y="5621726"/>
+            <a:ext cx="2341756" cy="267630"/>
+          </a:xfrm>
+          <a:prstGeom prst="frame">
+            <a:avLst>
+              <a:gd name="adj1" fmla="val 4553"/>
+            </a:avLst>
+          </a:prstGeom>
+          <a:solidFill>
+            <a:schemeClr val="accent2"/>
+          </a:solidFill>
+          <a:ln>
+            <a:solidFill>
+              <a:schemeClr val="accent2"/>
+            </a:solidFill>
+          </a:ln>
+        </p:spPr>
+        <p:style>
+          <a:lnRef idx="2">
+            <a:schemeClr val="accent1">
+              <a:shade val="15000"/>
+            </a:schemeClr>
+          </a:lnRef>
+          <a:fillRef idx="1">
+            <a:schemeClr val="accent1"/>
+          </a:fillRef>
+          <a:effectRef idx="0">
+            <a:schemeClr val="accent1"/>
+          </a:effectRef>
+          <a:fontRef idx="minor">
+            <a:schemeClr val="lt1"/>
+          </a:fontRef>
+        </p:style>
+        <p:txBody>
+          <a:bodyPr rtlCol="0" anchor="ctr"/>
+          <a:lstStyle/>
+          <a:p>
+            <a:pPr algn="ctr"/>
+            <a:endParaRPr lang="en-ES">
+              <a:solidFill>
+                <a:schemeClr val="tx1"/>
+              </a:solidFill>
+            </a:endParaRPr>
+          </a:p>
+        </p:txBody>
+      </p:sp>
+      <p:sp>
+        <p:nvSpPr>
+          <p:cNvPr id="13" name="Frame 12">
+            <a:extLst>
+              <a:ext uri="{FF2B5EF4-FFF2-40B4-BE49-F238E27FC236}">
+                <a16:creationId xmlns:a16="http://schemas.microsoft.com/office/drawing/2014/main" id="{59B7B8E0-894D-32A2-C29A-C18767B65AEF}"/>
+              </a:ext>
+            </a:extLst>
+          </p:cNvPr>
+          <p:cNvSpPr/>
+          <p:nvPr/>
+        </p:nvSpPr>
+        <p:spPr>
+          <a:xfrm>
+            <a:off x="7716644" y="4212007"/>
+            <a:ext cx="1836234" cy="267630"/>
+          </a:xfrm>
+          <a:prstGeom prst="frame">
+            <a:avLst/>
+          </a:prstGeom>
+          <a:solidFill>
+            <a:schemeClr val="accent6"/>
+          </a:solidFill>
+        </p:spPr>
+        <p:style>
+          <a:lnRef idx="2">
+            <a:schemeClr val="accent1">
+              <a:shade val="15000"/>
+            </a:schemeClr>
+          </a:lnRef>
+          <a:fillRef idx="1">
+            <a:schemeClr val="accent1"/>
+          </a:fillRef>
+          <a:effectRef idx="0">
+            <a:schemeClr val="accent1"/>
+          </a:effectRef>
+          <a:fontRef idx="minor">
+            <a:schemeClr val="lt1"/>
+          </a:fontRef>
+        </p:style>
+        <p:txBody>
+          <a:bodyPr rtlCol="0" anchor="ctr"/>
+          <a:lstStyle/>
+          <a:p>
+            <a:pPr algn="ctr"/>
+            <a:endParaRPr lang="en-ES">
+              <a:solidFill>
+                <a:schemeClr val="tx1"/>
+              </a:solidFill>
+            </a:endParaRPr>
+          </a:p>
+        </p:txBody>
+      </p:sp>
+      <p:pic>
+        <p:nvPicPr>
+          <p:cNvPr id="4" name="Picture 3" descr="A picture containing text, screenshot, line, diagram&#10;&#10;Description automatically generated">
+            <a:extLst>
+              <a:ext uri="{FF2B5EF4-FFF2-40B4-BE49-F238E27FC236}">
+                <a16:creationId xmlns:a16="http://schemas.microsoft.com/office/drawing/2014/main" id="{1B0E28EB-B7D4-4AA7-5539-878E2717C086}"/>
+              </a:ext>
+            </a:extLst>
+          </p:cNvPr>
+          <p:cNvPicPr>
+            <a:picLocks noChangeAspect="1"/>
+          </p:cNvPicPr>
+          <p:nvPr/>
+        </p:nvPicPr>
+        <p:blipFill>
+          <a:blip r:embed="rId3"/>
+          <a:stretch>
+            <a:fillRect/>
+          </a:stretch>
+        </p:blipFill>
+        <p:spPr>
+          <a:xfrm>
+            <a:off x="838200" y="1975166"/>
+            <a:ext cx="5842000" cy="4381500"/>
+          </a:xfrm>
+          <a:prstGeom prst="rect">
+            <a:avLst/>
+          </a:prstGeom>
+        </p:spPr>
+      </p:pic>
+    </p:spTree>
+    <p:extLst>
+      <p:ext uri="{BB962C8B-B14F-4D97-AF65-F5344CB8AC3E}">
+        <p14:creationId xmlns:p14="http://schemas.microsoft.com/office/powerpoint/2010/main" val="1370989273"/>
+      </p:ext>
+    </p:extLst>
+  </p:cSld>
+  <p:clrMapOvr>
+    <a:masterClrMapping/>
+  </p:clrMapOvr>
+</p:sld>
+</file>
+
+<file path=ppt/slides/slide14.xml><?xml version="1.0" encoding="utf-8"?>
+<p:sld xmlns:a="http://schemas.openxmlformats.org/drawingml/2006/main" xmlns:r="http://schemas.openxmlformats.org/officeDocument/2006/relationships" xmlns:p="http://schemas.openxmlformats.org/presentationml/2006/main">
+  <p:cSld>
+    <p:spTree>
+      <p:nvGrpSpPr>
+        <p:cNvPr id="1" name=""/>
+        <p:cNvGrpSpPr/>
+        <p:nvPr/>
+      </p:nvGrpSpPr>
+      <p:grpSpPr>
+        <a:xfrm>
+          <a:off x="0" y="0"/>
+          <a:ext cx="0" cy="0"/>
+          <a:chOff x="0" y="0"/>
+          <a:chExt cx="0" cy="0"/>
+        </a:xfrm>
+      </p:grpSpPr>
+      <p:sp>
+        <p:nvSpPr>
+          <p:cNvPr id="2" name="Title 1">
+            <a:extLst>
+              <a:ext uri="{FF2B5EF4-FFF2-40B4-BE49-F238E27FC236}">
+                <a16:creationId xmlns:a16="http://schemas.microsoft.com/office/drawing/2014/main" id="{3EA283B4-D4BC-C6F3-B493-F07D88F4ED1B}"/>
+              </a:ext>
+            </a:extLst>
+          </p:cNvPr>
+          <p:cNvSpPr>
+            <a:spLocks noGrp="1"/>
+          </p:cNvSpPr>
+          <p:nvPr>
+            <p:ph type="title"/>
+          </p:nvPr>
+        </p:nvSpPr>
+        <p:spPr>
+          <a:xfrm>
+            <a:off x="838200" y="365125"/>
+            <a:ext cx="11249722" cy="684557"/>
+          </a:xfrm>
+        </p:spPr>
+        <p:txBody>
+          <a:bodyPr>
+            <a:normAutofit fontScale="90000"/>
+          </a:bodyPr>
+          <a:lstStyle/>
+          <a:p>
+            <a:r>
+              <a:rPr lang="en-ES" dirty="0"/>
+              <a:t>Retrieving edge flow from ”Edge-centric” CTRW</a:t>
+            </a:r>
+          </a:p>
+        </p:txBody>
+      </p:sp>
+      <p:sp>
+        <p:nvSpPr>
+          <p:cNvPr id="6" name="TextBox 5">
+            <a:extLst>
+              <a:ext uri="{FF2B5EF4-FFF2-40B4-BE49-F238E27FC236}">
+                <a16:creationId xmlns:a16="http://schemas.microsoft.com/office/drawing/2014/main" id="{27A84098-CCFC-171B-F7C9-2AB58ED08E82}"/>
+              </a:ext>
+            </a:extLst>
+          </p:cNvPr>
+          <p:cNvSpPr txBox="1"/>
+          <p:nvPr/>
+        </p:nvSpPr>
+        <p:spPr>
+          <a:xfrm>
+            <a:off x="838200" y="1451946"/>
+            <a:ext cx="3581622" cy="523220"/>
+          </a:xfrm>
+          <a:prstGeom prst="rect">
+            <a:avLst/>
+          </a:prstGeom>
+          <a:noFill/>
+        </p:spPr>
+        <p:txBody>
+          <a:bodyPr wrap="none" rtlCol="0">
+            <a:spAutoFit/>
+          </a:bodyPr>
+          <a:lstStyle/>
+          <a:p>
+            <a:pPr marL="457200" indent="-457200">
+              <a:buFont typeface="Arial" panose="020B0604020202020204" pitchFamily="34" charset="0"/>
+              <a:buChar char="•"/>
+            </a:pPr>
+            <a:r>
+              <a:rPr lang="en-ES" sz="2800" dirty="0"/>
+              <a:t>0.5 sim and 0.5 flow</a:t>
+            </a:r>
+          </a:p>
+        </p:txBody>
+      </p:sp>
+      <mc:AlternateContent xmlns:mc="http://schemas.openxmlformats.org/markup-compatibility/2006">
+        <mc:Choice xmlns:a14="http://schemas.microsoft.com/office/drawing/2010/main" Requires="a14">
+          <p:sp>
+            <p:nvSpPr>
+              <p:cNvPr id="10" name="TextBox 9">
+                <a:extLst>
+                  <a:ext uri="{FF2B5EF4-FFF2-40B4-BE49-F238E27FC236}">
+                    <a16:creationId xmlns:a16="http://schemas.microsoft.com/office/drawing/2014/main" id="{001394C6-F6B0-9240-9602-87DA92360EB8}"/>
+                  </a:ext>
+                </a:extLst>
+              </p:cNvPr>
+              <p:cNvSpPr txBox="1"/>
+              <p:nvPr/>
+            </p:nvSpPr>
+            <p:spPr>
+              <a:xfrm>
+                <a:off x="7248293" y="1712043"/>
+                <a:ext cx="4672361" cy="4524315"/>
+              </a:xfrm>
+              <a:prstGeom prst="rect">
+                <a:avLst/>
+              </a:prstGeom>
+              <a:noFill/>
+            </p:spPr>
+            <p:txBody>
+              <a:bodyPr wrap="square" rtlCol="0">
+                <a:spAutoFit/>
+              </a:bodyPr>
+              <a:lstStyle/>
+              <a:p>
+                <a:r>
+                  <a:rPr lang="en-ES" dirty="0"/>
+                  <a:t>Solutions:</a:t>
+                </a:r>
+              </a:p>
+              <a:p>
+                <a:pPr marL="285750" indent="-285750">
+                  <a:buFont typeface="Arial" panose="020B0604020202020204" pitchFamily="34" charset="0"/>
+                  <a:buChar char="•"/>
+                </a:pPr>
+                <a:r>
+                  <a:rPr lang="en-ES" dirty="0"/>
+                  <a:t>In the simulation:</a:t>
+                </a:r>
+              </a:p>
+              <a:p>
+                <a:pPr marL="742950" lvl="1" indent="-285750">
+                  <a:buFont typeface="Arial" panose="020B0604020202020204" pitchFamily="34" charset="0"/>
+                  <a:buChar char="•"/>
+                </a:pPr>
+                <a:r>
+                  <a:rPr lang="en-ES" dirty="0"/>
+                  <a:t>Do nothing</a:t>
+                </a:r>
+              </a:p>
+              <a:p>
+                <a:pPr marL="742950" lvl="1" indent="-285750">
+                  <a:buFont typeface="Arial" panose="020B0604020202020204" pitchFamily="34" charset="0"/>
+                  <a:buChar char="•"/>
+                </a:pPr>
+                <a:r>
+                  <a:rPr lang="en-GB" dirty="0"/>
+                  <a:t>Accept with probability 0.5</a:t>
+                </a:r>
+              </a:p>
+              <a:p>
+                <a:pPr marL="742950" lvl="1" indent="-285750">
+                  <a:buFont typeface="Arial" panose="020B0604020202020204" pitchFamily="34" charset="0"/>
+                  <a:buChar char="•"/>
+                </a:pPr>
+                <a:r>
+                  <a:rPr lang="en-GB" dirty="0"/>
+                  <a:t>Accept with Exponential cumulative probability according to the time left in the walker: P(x </a:t>
+                </a:r>
+                <a14:m>
+                  <m:oMath xmlns:m="http://schemas.openxmlformats.org/officeDocument/2006/math">
+                    <m:r>
+                      <a:rPr lang="el-GR" i="1" smtClean="0">
+                        <a:latin typeface="Cambria Math" panose="02040503050406030204" pitchFamily="18" charset="0"/>
+                        <a:ea typeface="Cambria Math" panose="02040503050406030204" pitchFamily="18" charset="0"/>
+                      </a:rPr>
+                      <m:t>≤</m:t>
+                    </m:r>
+                    <m:r>
+                      <m:rPr>
+                        <m:sty m:val="p"/>
+                      </m:rPr>
+                      <a:rPr lang="el-GR" i="1" smtClean="0">
+                        <a:latin typeface="Cambria Math" panose="02040503050406030204" pitchFamily="18" charset="0"/>
+                        <a:ea typeface="Cambria Math" panose="02040503050406030204" pitchFamily="18" charset="0"/>
+                      </a:rPr>
+                      <m:t>Δ</m:t>
+                    </m:r>
+                    <m:r>
+                      <a:rPr lang="es-ES" b="0" i="1" smtClean="0">
+                        <a:latin typeface="Cambria Math" panose="02040503050406030204" pitchFamily="18" charset="0"/>
+                        <a:ea typeface="Cambria Math" panose="02040503050406030204" pitchFamily="18" charset="0"/>
+                      </a:rPr>
+                      <m:t>𝑡</m:t>
+                    </m:r>
+                    <m:r>
+                      <a:rPr lang="es-ES" b="0" i="1" smtClean="0">
+                        <a:latin typeface="Cambria Math" panose="02040503050406030204" pitchFamily="18" charset="0"/>
+                        <a:ea typeface="Cambria Math" panose="02040503050406030204" pitchFamily="18" charset="0"/>
+                      </a:rPr>
+                      <m:t> −</m:t>
+                    </m:r>
+                    <m:r>
+                      <a:rPr lang="es-ES" b="0" i="1" smtClean="0">
+                        <a:latin typeface="Cambria Math" panose="02040503050406030204" pitchFamily="18" charset="0"/>
+                        <a:ea typeface="Cambria Math" panose="02040503050406030204" pitchFamily="18" charset="0"/>
+                      </a:rPr>
+                      <m:t>𝑡𝑖</m:t>
+                    </m:r>
+                  </m:oMath>
+                </a14:m>
+                <a:r>
+                  <a:rPr lang="en-ES" dirty="0"/>
+                  <a:t>)</a:t>
+                </a:r>
+              </a:p>
+              <a:p>
+                <a:pPr marL="285750" indent="-285750">
+                  <a:buFont typeface="Arial" panose="020B0604020202020204" pitchFamily="34" charset="0"/>
+                  <a:buChar char="•"/>
+                </a:pPr>
+                <a:r>
+                  <a:rPr lang="en-ES" dirty="0"/>
+                  <a:t>Initial simulation step (count it?):</a:t>
+                </a:r>
+              </a:p>
+              <a:p>
+                <a:pPr marL="742950" lvl="1" indent="-285750">
+                  <a:buFont typeface="Arial" panose="020B0604020202020204" pitchFamily="34" charset="0"/>
+                  <a:buChar char="•"/>
+                </a:pPr>
+                <a:r>
+                  <a:rPr lang="en-ES" dirty="0"/>
+                  <a:t>Don’t Count it</a:t>
+                </a:r>
+              </a:p>
+              <a:p>
+                <a:pPr marL="742950" lvl="1" indent="-285750">
+                  <a:buFont typeface="Arial" panose="020B0604020202020204" pitchFamily="34" charset="0"/>
+                  <a:buChar char="•"/>
+                </a:pPr>
+                <a:r>
+                  <a:rPr lang="en-ES" dirty="0"/>
+                  <a:t>Count it all</a:t>
+                </a:r>
+              </a:p>
+              <a:p>
+                <a:pPr marL="742950" lvl="1" indent="-285750">
+                  <a:buFont typeface="Arial" panose="020B0604020202020204" pitchFamily="34" charset="0"/>
+                  <a:buChar char="•"/>
+                </a:pPr>
+                <a:r>
+                  <a:rPr lang="en-ES" dirty="0"/>
+                  <a:t>Prob 0.5</a:t>
+                </a:r>
+              </a:p>
+              <a:p>
+                <a:pPr marL="285750" indent="-285750">
+                  <a:buFont typeface="Arial" panose="020B0604020202020204" pitchFamily="34" charset="0"/>
+                  <a:buChar char="•"/>
+                </a:pPr>
+                <a:r>
+                  <a:rPr lang="en-GB" dirty="0"/>
+                  <a:t>I</a:t>
+                </a:r>
+                <a:r>
+                  <a:rPr lang="en-ES" dirty="0"/>
+                  <a:t>n the Analytical:</a:t>
+                </a:r>
+              </a:p>
+              <a:p>
+                <a:pPr marL="742950" lvl="1" indent="-285750">
+                  <a:buFont typeface="Arial" panose="020B0604020202020204" pitchFamily="34" charset="0"/>
+                  <a:buChar char="•"/>
+                </a:pPr>
+                <a:r>
+                  <a:rPr lang="en-ES" dirty="0"/>
+                  <a:t>Accept only the non-divergent flow (flow that enters and goes)</a:t>
+                </a:r>
+              </a:p>
+              <a:p>
+                <a:pPr marL="742950" lvl="1" indent="-285750">
+                  <a:buFont typeface="Arial" panose="020B0604020202020204" pitchFamily="34" charset="0"/>
+                  <a:buChar char="•"/>
+                </a:pPr>
+                <a:r>
+                  <a:rPr lang="en-ES" dirty="0"/>
+                  <a:t>Accept with 0.5</a:t>
+                </a:r>
+              </a:p>
+              <a:p>
+                <a:pPr marL="285750" indent="-285750">
+                  <a:buFont typeface="Arial" panose="020B0604020202020204" pitchFamily="34" charset="0"/>
+                  <a:buChar char="•"/>
+                </a:pPr>
+                <a:endParaRPr lang="en-ES" dirty="0"/>
+              </a:p>
+            </p:txBody>
+          </p:sp>
+        </mc:Choice>
+        <mc:Fallback>
+          <p:sp>
+            <p:nvSpPr>
+              <p:cNvPr id="10" name="TextBox 9">
+                <a:extLst>
+                  <a:ext uri="{FF2B5EF4-FFF2-40B4-BE49-F238E27FC236}">
+                    <a16:creationId xmlns:a16="http://schemas.microsoft.com/office/drawing/2014/main" id="{001394C6-F6B0-9240-9602-87DA92360EB8}"/>
+                  </a:ext>
+                </a:extLst>
+              </p:cNvPr>
+              <p:cNvSpPr txBox="1">
+                <a:spLocks noRot="1" noChangeAspect="1" noMove="1" noResize="1" noEditPoints="1" noAdjustHandles="1" noChangeArrowheads="1" noChangeShapeType="1" noTextEdit="1"/>
+              </p:cNvSpPr>
+              <p:nvPr/>
+            </p:nvSpPr>
+            <p:spPr>
+              <a:xfrm>
+                <a:off x="7248293" y="1712043"/>
+                <a:ext cx="4672361" cy="4524315"/>
+              </a:xfrm>
+              <a:prstGeom prst="rect">
+                <a:avLst/>
+              </a:prstGeom>
+              <a:blipFill>
+                <a:blip r:embed="rId2"/>
+                <a:stretch>
+                  <a:fillRect l="-1084" t="-559"/>
+                </a:stretch>
+              </a:blipFill>
+            </p:spPr>
+            <p:txBody>
+              <a:bodyPr/>
+              <a:lstStyle/>
+              <a:p>
+                <a:r>
+                  <a:rPr lang="en-ES">
+                    <a:noFill/>
+                  </a:rPr>
+                  <a:t> </a:t>
+                </a:r>
+              </a:p>
+            </p:txBody>
+          </p:sp>
+        </mc:Fallback>
+      </mc:AlternateContent>
+      <p:sp>
+        <p:nvSpPr>
+          <p:cNvPr id="11" name="Frame 10">
+            <a:extLst>
+              <a:ext uri="{FF2B5EF4-FFF2-40B4-BE49-F238E27FC236}">
+                <a16:creationId xmlns:a16="http://schemas.microsoft.com/office/drawing/2014/main" id="{511BA154-7038-DFAB-C7BE-7282E8F7DD72}"/>
+              </a:ext>
+            </a:extLst>
+          </p:cNvPr>
+          <p:cNvSpPr/>
+          <p:nvPr/>
+        </p:nvSpPr>
+        <p:spPr>
+          <a:xfrm flipV="1">
+            <a:off x="7738946" y="2587079"/>
+            <a:ext cx="2985882" cy="267630"/>
+          </a:xfrm>
+          <a:prstGeom prst="frame">
+            <a:avLst>
+              <a:gd name="adj1" fmla="val 3846"/>
+            </a:avLst>
+          </a:prstGeom>
+        </p:spPr>
+        <p:style>
+          <a:lnRef idx="2">
+            <a:schemeClr val="accent1">
+              <a:shade val="15000"/>
+            </a:schemeClr>
+          </a:lnRef>
+          <a:fillRef idx="1">
+            <a:schemeClr val="accent1"/>
+          </a:fillRef>
+          <a:effectRef idx="0">
+            <a:schemeClr val="accent1"/>
+          </a:effectRef>
+          <a:fontRef idx="minor">
+            <a:schemeClr val="lt1"/>
+          </a:fontRef>
+        </p:style>
+        <p:txBody>
+          <a:bodyPr rtlCol="0" anchor="ctr"/>
+          <a:lstStyle/>
+          <a:p>
+            <a:pPr algn="ctr"/>
+            <a:endParaRPr lang="en-ES">
+              <a:solidFill>
+                <a:schemeClr val="tx1"/>
+              </a:solidFill>
+            </a:endParaRPr>
+          </a:p>
+        </p:txBody>
+      </p:sp>
+      <p:sp>
+        <p:nvSpPr>
+          <p:cNvPr id="12" name="Frame 11">
+            <a:extLst>
+              <a:ext uri="{FF2B5EF4-FFF2-40B4-BE49-F238E27FC236}">
+                <a16:creationId xmlns:a16="http://schemas.microsoft.com/office/drawing/2014/main" id="{52BFB6A0-3991-9B25-49FE-1DED7CA7C348}"/>
+              </a:ext>
+            </a:extLst>
+          </p:cNvPr>
+          <p:cNvSpPr/>
+          <p:nvPr/>
+        </p:nvSpPr>
+        <p:spPr>
+          <a:xfrm>
+            <a:off x="7716644" y="5621726"/>
+            <a:ext cx="2341756" cy="267630"/>
+          </a:xfrm>
+          <a:prstGeom prst="frame">
+            <a:avLst>
+              <a:gd name="adj1" fmla="val 4553"/>
+            </a:avLst>
+          </a:prstGeom>
+          <a:solidFill>
+            <a:schemeClr val="accent2"/>
+          </a:solidFill>
+          <a:ln>
+            <a:solidFill>
+              <a:schemeClr val="accent2"/>
+            </a:solidFill>
+          </a:ln>
+        </p:spPr>
+        <p:style>
+          <a:lnRef idx="2">
+            <a:schemeClr val="accent1">
+              <a:shade val="15000"/>
+            </a:schemeClr>
+          </a:lnRef>
+          <a:fillRef idx="1">
+            <a:schemeClr val="accent1"/>
+          </a:fillRef>
+          <a:effectRef idx="0">
+            <a:schemeClr val="accent1"/>
+          </a:effectRef>
+          <a:fontRef idx="minor">
+            <a:schemeClr val="lt1"/>
+          </a:fontRef>
+        </p:style>
+        <p:txBody>
+          <a:bodyPr rtlCol="0" anchor="ctr"/>
+          <a:lstStyle/>
+          <a:p>
+            <a:pPr algn="ctr"/>
+            <a:endParaRPr lang="en-ES">
+              <a:solidFill>
+                <a:schemeClr val="tx1"/>
+              </a:solidFill>
+            </a:endParaRPr>
+          </a:p>
+        </p:txBody>
+      </p:sp>
+      <p:sp>
+        <p:nvSpPr>
+          <p:cNvPr id="13" name="Frame 12">
+            <a:extLst>
+              <a:ext uri="{FF2B5EF4-FFF2-40B4-BE49-F238E27FC236}">
+                <a16:creationId xmlns:a16="http://schemas.microsoft.com/office/drawing/2014/main" id="{59B7B8E0-894D-32A2-C29A-C18767B65AEF}"/>
+              </a:ext>
+            </a:extLst>
+          </p:cNvPr>
+          <p:cNvSpPr/>
+          <p:nvPr/>
+        </p:nvSpPr>
+        <p:spPr>
+          <a:xfrm>
+            <a:off x="7716644" y="4212007"/>
+            <a:ext cx="1836234" cy="267630"/>
+          </a:xfrm>
+          <a:prstGeom prst="frame">
+            <a:avLst/>
+          </a:prstGeom>
+          <a:solidFill>
+            <a:schemeClr val="accent6"/>
+          </a:solidFill>
+        </p:spPr>
+        <p:style>
+          <a:lnRef idx="2">
+            <a:schemeClr val="accent1">
+              <a:shade val="15000"/>
+            </a:schemeClr>
+          </a:lnRef>
+          <a:fillRef idx="1">
+            <a:schemeClr val="accent1"/>
+          </a:fillRef>
+          <a:effectRef idx="0">
+            <a:schemeClr val="accent1"/>
+          </a:effectRef>
+          <a:fontRef idx="minor">
+            <a:schemeClr val="lt1"/>
+          </a:fontRef>
+        </p:style>
+        <p:txBody>
+          <a:bodyPr rtlCol="0" anchor="ctr"/>
+          <a:lstStyle/>
+          <a:p>
+            <a:pPr algn="ctr"/>
+            <a:endParaRPr lang="en-ES">
+              <a:solidFill>
+                <a:schemeClr val="tx1"/>
+              </a:solidFill>
+            </a:endParaRPr>
+          </a:p>
+        </p:txBody>
+      </p:sp>
+      <p:pic>
+        <p:nvPicPr>
+          <p:cNvPr id="5" name="Picture 4" descr="A picture containing text, screenshot, line, diagram&#10;&#10;Description automatically generated">
+            <a:extLst>
+              <a:ext uri="{FF2B5EF4-FFF2-40B4-BE49-F238E27FC236}">
+                <a16:creationId xmlns:a16="http://schemas.microsoft.com/office/drawing/2014/main" id="{B45BD379-FCC7-1B00-7E05-CA8DB32F2E3A}"/>
+              </a:ext>
+            </a:extLst>
+          </p:cNvPr>
+          <p:cNvPicPr>
+            <a:picLocks noChangeAspect="1"/>
+          </p:cNvPicPr>
+          <p:nvPr/>
+        </p:nvPicPr>
+        <p:blipFill>
+          <a:blip r:embed="rId3"/>
+          <a:stretch>
+            <a:fillRect/>
+          </a:stretch>
+        </p:blipFill>
+        <p:spPr>
+          <a:xfrm>
+            <a:off x="621061" y="2021257"/>
+            <a:ext cx="5842000" cy="4381500"/>
+          </a:xfrm>
+          <a:prstGeom prst="rect">
+            <a:avLst/>
+          </a:prstGeom>
+        </p:spPr>
+      </p:pic>
+    </p:spTree>
+    <p:extLst>
+      <p:ext uri="{BB962C8B-B14F-4D97-AF65-F5344CB8AC3E}">
+        <p14:creationId xmlns:p14="http://schemas.microsoft.com/office/powerpoint/2010/main" val="2875899613"/>
+      </p:ext>
+    </p:extLst>
+  </p:cSld>
+  <p:clrMapOvr>
+    <a:masterClrMapping/>
+  </p:clrMapOvr>
+</p:sld>
+</file>
+
+<file path=ppt/slides/slide15.xml><?xml version="1.0" encoding="utf-8"?>
+<p:sld xmlns:a="http://schemas.openxmlformats.org/drawingml/2006/main" xmlns:r="http://schemas.openxmlformats.org/officeDocument/2006/relationships" xmlns:p="http://schemas.openxmlformats.org/presentationml/2006/main">
+  <p:cSld>
+    <p:spTree>
+      <p:nvGrpSpPr>
+        <p:cNvPr id="1" name=""/>
+        <p:cNvGrpSpPr/>
+        <p:nvPr/>
+      </p:nvGrpSpPr>
+      <p:grpSpPr>
+        <a:xfrm>
+          <a:off x="0" y="0"/>
+          <a:ext cx="0" cy="0"/>
+          <a:chOff x="0" y="0"/>
+          <a:chExt cx="0" cy="0"/>
+        </a:xfrm>
+      </p:grpSpPr>
+      <p:sp>
+        <p:nvSpPr>
+          <p:cNvPr id="2" name="Title 1">
+            <a:extLst>
+              <a:ext uri="{FF2B5EF4-FFF2-40B4-BE49-F238E27FC236}">
+                <a16:creationId xmlns:a16="http://schemas.microsoft.com/office/drawing/2014/main" id="{3EA283B4-D4BC-C6F3-B493-F07D88F4ED1B}"/>
+              </a:ext>
+            </a:extLst>
+          </p:cNvPr>
+          <p:cNvSpPr>
+            <a:spLocks noGrp="1"/>
+          </p:cNvSpPr>
+          <p:nvPr>
+            <p:ph type="title"/>
+          </p:nvPr>
+        </p:nvSpPr>
+        <p:spPr>
+          <a:xfrm>
+            <a:off x="838200" y="365125"/>
+            <a:ext cx="11249722" cy="684557"/>
+          </a:xfrm>
+        </p:spPr>
+        <p:txBody>
+          <a:bodyPr>
+            <a:normAutofit fontScale="90000"/>
+          </a:bodyPr>
+          <a:lstStyle/>
+          <a:p>
+            <a:r>
+              <a:rPr lang="en-ES" dirty="0"/>
+              <a:t>Retrieving edge flow from ”Edge-centric” CTRW</a:t>
+            </a:r>
+          </a:p>
+        </p:txBody>
+      </p:sp>
+      <p:sp>
+        <p:nvSpPr>
+          <p:cNvPr id="6" name="TextBox 5">
+            <a:extLst>
+              <a:ext uri="{FF2B5EF4-FFF2-40B4-BE49-F238E27FC236}">
+                <a16:creationId xmlns:a16="http://schemas.microsoft.com/office/drawing/2014/main" id="{27A84098-CCFC-171B-F7C9-2AB58ED08E82}"/>
+              </a:ext>
+            </a:extLst>
+          </p:cNvPr>
+          <p:cNvSpPr txBox="1"/>
+          <p:nvPr/>
+        </p:nvSpPr>
+        <p:spPr>
+          <a:xfrm>
+            <a:off x="838200" y="1451946"/>
+            <a:ext cx="5801781" cy="523220"/>
+          </a:xfrm>
+          <a:prstGeom prst="rect">
+            <a:avLst/>
+          </a:prstGeom>
+          <a:noFill/>
+        </p:spPr>
+        <p:txBody>
+          <a:bodyPr wrap="none" rtlCol="0">
+            <a:spAutoFit/>
+          </a:bodyPr>
+          <a:lstStyle/>
+          <a:p>
+            <a:pPr marL="457200" indent="-457200">
+              <a:buFont typeface="Arial" panose="020B0604020202020204" pitchFamily="34" charset="0"/>
+              <a:buChar char="•"/>
+            </a:pPr>
+            <a:r>
+              <a:rPr lang="en-ES" sz="2800" dirty="0"/>
+              <a:t>Exp sim and initial 0.5 with 0.5 flow</a:t>
+            </a:r>
+          </a:p>
+        </p:txBody>
+      </p:sp>
+      <mc:AlternateContent xmlns:mc="http://schemas.openxmlformats.org/markup-compatibility/2006">
+        <mc:Choice xmlns:a14="http://schemas.microsoft.com/office/drawing/2010/main" Requires="a14">
+          <p:sp>
+            <p:nvSpPr>
+              <p:cNvPr id="10" name="TextBox 9">
+                <a:extLst>
+                  <a:ext uri="{FF2B5EF4-FFF2-40B4-BE49-F238E27FC236}">
+                    <a16:creationId xmlns:a16="http://schemas.microsoft.com/office/drawing/2014/main" id="{001394C6-F6B0-9240-9602-87DA92360EB8}"/>
+                  </a:ext>
+                </a:extLst>
+              </p:cNvPr>
+              <p:cNvSpPr txBox="1"/>
+              <p:nvPr/>
+            </p:nvSpPr>
+            <p:spPr>
+              <a:xfrm>
+                <a:off x="7248293" y="1712043"/>
+                <a:ext cx="4672361" cy="4524315"/>
+              </a:xfrm>
+              <a:prstGeom prst="rect">
+                <a:avLst/>
+              </a:prstGeom>
+              <a:noFill/>
+            </p:spPr>
+            <p:txBody>
+              <a:bodyPr wrap="square" rtlCol="0">
+                <a:spAutoFit/>
+              </a:bodyPr>
+              <a:lstStyle/>
+              <a:p>
+                <a:r>
+                  <a:rPr lang="en-ES" dirty="0"/>
+                  <a:t>Solutions:</a:t>
+                </a:r>
+              </a:p>
+              <a:p>
+                <a:pPr marL="285750" indent="-285750">
+                  <a:buFont typeface="Arial" panose="020B0604020202020204" pitchFamily="34" charset="0"/>
+                  <a:buChar char="•"/>
+                </a:pPr>
+                <a:r>
+                  <a:rPr lang="en-ES" dirty="0"/>
+                  <a:t>In the simulation:</a:t>
+                </a:r>
+              </a:p>
+              <a:p>
+                <a:pPr marL="742950" lvl="1" indent="-285750">
+                  <a:buFont typeface="Arial" panose="020B0604020202020204" pitchFamily="34" charset="0"/>
+                  <a:buChar char="•"/>
+                </a:pPr>
+                <a:r>
+                  <a:rPr lang="en-ES" dirty="0"/>
+                  <a:t>Do nothing</a:t>
+                </a:r>
+              </a:p>
+              <a:p>
+                <a:pPr marL="742950" lvl="1" indent="-285750">
+                  <a:buFont typeface="Arial" panose="020B0604020202020204" pitchFamily="34" charset="0"/>
+                  <a:buChar char="•"/>
+                </a:pPr>
+                <a:r>
+                  <a:rPr lang="en-GB" dirty="0"/>
+                  <a:t>Accept with probability 0.5</a:t>
+                </a:r>
+              </a:p>
+              <a:p>
+                <a:pPr marL="742950" lvl="1" indent="-285750">
+                  <a:buFont typeface="Arial" panose="020B0604020202020204" pitchFamily="34" charset="0"/>
+                  <a:buChar char="•"/>
+                </a:pPr>
+                <a:r>
+                  <a:rPr lang="en-GB" dirty="0"/>
+                  <a:t>Accept with Exponential cumulative probability according to the time left in the walker: P(x </a:t>
+                </a:r>
+                <a14:m>
+                  <m:oMath xmlns:m="http://schemas.openxmlformats.org/officeDocument/2006/math">
+                    <m:r>
+                      <a:rPr lang="el-GR" i="1" smtClean="0">
+                        <a:latin typeface="Cambria Math" panose="02040503050406030204" pitchFamily="18" charset="0"/>
+                        <a:ea typeface="Cambria Math" panose="02040503050406030204" pitchFamily="18" charset="0"/>
+                      </a:rPr>
+                      <m:t>≤</m:t>
+                    </m:r>
+                    <m:r>
+                      <m:rPr>
+                        <m:sty m:val="p"/>
+                      </m:rPr>
+                      <a:rPr lang="el-GR" i="1" smtClean="0">
+                        <a:latin typeface="Cambria Math" panose="02040503050406030204" pitchFamily="18" charset="0"/>
+                        <a:ea typeface="Cambria Math" panose="02040503050406030204" pitchFamily="18" charset="0"/>
+                      </a:rPr>
+                      <m:t>Δ</m:t>
+                    </m:r>
+                    <m:r>
+                      <a:rPr lang="es-ES" b="0" i="1" smtClean="0">
+                        <a:latin typeface="Cambria Math" panose="02040503050406030204" pitchFamily="18" charset="0"/>
+                        <a:ea typeface="Cambria Math" panose="02040503050406030204" pitchFamily="18" charset="0"/>
+                      </a:rPr>
+                      <m:t>𝑡</m:t>
+                    </m:r>
+                    <m:r>
+                      <a:rPr lang="es-ES" b="0" i="1" smtClean="0">
+                        <a:latin typeface="Cambria Math" panose="02040503050406030204" pitchFamily="18" charset="0"/>
+                        <a:ea typeface="Cambria Math" panose="02040503050406030204" pitchFamily="18" charset="0"/>
+                      </a:rPr>
+                      <m:t> −</m:t>
+                    </m:r>
+                    <m:r>
+                      <a:rPr lang="es-ES" b="0" i="1" smtClean="0">
+                        <a:latin typeface="Cambria Math" panose="02040503050406030204" pitchFamily="18" charset="0"/>
+                        <a:ea typeface="Cambria Math" panose="02040503050406030204" pitchFamily="18" charset="0"/>
+                      </a:rPr>
+                      <m:t>𝑡𝑖</m:t>
+                    </m:r>
+                  </m:oMath>
+                </a14:m>
+                <a:r>
+                  <a:rPr lang="en-ES" dirty="0"/>
+                  <a:t>)</a:t>
+                </a:r>
+              </a:p>
+              <a:p>
+                <a:pPr marL="285750" indent="-285750">
+                  <a:buFont typeface="Arial" panose="020B0604020202020204" pitchFamily="34" charset="0"/>
+                  <a:buChar char="•"/>
+                </a:pPr>
+                <a:r>
+                  <a:rPr lang="en-ES" dirty="0"/>
+                  <a:t>Initial simulation step (count it?):</a:t>
+                </a:r>
+              </a:p>
+              <a:p>
+                <a:pPr marL="742950" lvl="1" indent="-285750">
+                  <a:buFont typeface="Arial" panose="020B0604020202020204" pitchFamily="34" charset="0"/>
+                  <a:buChar char="•"/>
+                </a:pPr>
+                <a:r>
+                  <a:rPr lang="en-ES" dirty="0"/>
+                  <a:t>Don’t Count it</a:t>
+                </a:r>
+              </a:p>
+              <a:p>
+                <a:pPr marL="742950" lvl="1" indent="-285750">
+                  <a:buFont typeface="Arial" panose="020B0604020202020204" pitchFamily="34" charset="0"/>
+                  <a:buChar char="•"/>
+                </a:pPr>
+                <a:r>
+                  <a:rPr lang="en-ES" dirty="0"/>
+                  <a:t>Count it all</a:t>
+                </a:r>
+              </a:p>
+              <a:p>
+                <a:pPr marL="742950" lvl="1" indent="-285750">
+                  <a:buFont typeface="Arial" panose="020B0604020202020204" pitchFamily="34" charset="0"/>
+                  <a:buChar char="•"/>
+                </a:pPr>
+                <a:r>
+                  <a:rPr lang="en-ES" dirty="0"/>
+                  <a:t>Prob 0.5</a:t>
+                </a:r>
+              </a:p>
+              <a:p>
+                <a:pPr marL="285750" indent="-285750">
+                  <a:buFont typeface="Arial" panose="020B0604020202020204" pitchFamily="34" charset="0"/>
+                  <a:buChar char="•"/>
+                </a:pPr>
+                <a:r>
+                  <a:rPr lang="en-GB" dirty="0"/>
+                  <a:t>I</a:t>
+                </a:r>
+                <a:r>
+                  <a:rPr lang="en-ES" dirty="0"/>
+                  <a:t>n the Analytical:</a:t>
+                </a:r>
+              </a:p>
+              <a:p>
+                <a:pPr marL="742950" lvl="1" indent="-285750">
+                  <a:buFont typeface="Arial" panose="020B0604020202020204" pitchFamily="34" charset="0"/>
+                  <a:buChar char="•"/>
+                </a:pPr>
+                <a:r>
+                  <a:rPr lang="en-ES" dirty="0"/>
+                  <a:t>Accept only the non-divergent flow (flow that enters and goes)</a:t>
+                </a:r>
+              </a:p>
+              <a:p>
+                <a:pPr marL="742950" lvl="1" indent="-285750">
+                  <a:buFont typeface="Arial" panose="020B0604020202020204" pitchFamily="34" charset="0"/>
+                  <a:buChar char="•"/>
+                </a:pPr>
+                <a:r>
+                  <a:rPr lang="en-ES" dirty="0"/>
+                  <a:t>Accept with 0.5</a:t>
+                </a:r>
+              </a:p>
+              <a:p>
+                <a:pPr marL="285750" indent="-285750">
+                  <a:buFont typeface="Arial" panose="020B0604020202020204" pitchFamily="34" charset="0"/>
+                  <a:buChar char="•"/>
+                </a:pPr>
+                <a:endParaRPr lang="en-ES" dirty="0"/>
+              </a:p>
+            </p:txBody>
+          </p:sp>
+        </mc:Choice>
+        <mc:Fallback>
+          <p:sp>
+            <p:nvSpPr>
+              <p:cNvPr id="10" name="TextBox 9">
+                <a:extLst>
+                  <a:ext uri="{FF2B5EF4-FFF2-40B4-BE49-F238E27FC236}">
+                    <a16:creationId xmlns:a16="http://schemas.microsoft.com/office/drawing/2014/main" id="{001394C6-F6B0-9240-9602-87DA92360EB8}"/>
+                  </a:ext>
+                </a:extLst>
+              </p:cNvPr>
+              <p:cNvSpPr txBox="1">
+                <a:spLocks noRot="1" noChangeAspect="1" noMove="1" noResize="1" noEditPoints="1" noAdjustHandles="1" noChangeArrowheads="1" noChangeShapeType="1" noTextEdit="1"/>
+              </p:cNvSpPr>
+              <p:nvPr/>
+            </p:nvSpPr>
+            <p:spPr>
+              <a:xfrm>
+                <a:off x="7248293" y="1712043"/>
+                <a:ext cx="4672361" cy="4524315"/>
+              </a:xfrm>
+              <a:prstGeom prst="rect">
+                <a:avLst/>
+              </a:prstGeom>
+              <a:blipFill>
+                <a:blip r:embed="rId2"/>
+                <a:stretch>
+                  <a:fillRect l="-1084" t="-559"/>
+                </a:stretch>
+              </a:blipFill>
+            </p:spPr>
+            <p:txBody>
+              <a:bodyPr/>
+              <a:lstStyle/>
+              <a:p>
+                <a:r>
+                  <a:rPr lang="en-ES">
+                    <a:noFill/>
+                  </a:rPr>
+                  <a:t> </a:t>
+                </a:r>
+              </a:p>
+            </p:txBody>
+          </p:sp>
+        </mc:Fallback>
+      </mc:AlternateContent>
+      <p:sp>
+        <p:nvSpPr>
+          <p:cNvPr id="11" name="Frame 10">
+            <a:extLst>
+              <a:ext uri="{FF2B5EF4-FFF2-40B4-BE49-F238E27FC236}">
+                <a16:creationId xmlns:a16="http://schemas.microsoft.com/office/drawing/2014/main" id="{511BA154-7038-DFAB-C7BE-7282E8F7DD72}"/>
+              </a:ext>
+            </a:extLst>
+          </p:cNvPr>
+          <p:cNvSpPr/>
+          <p:nvPr/>
+        </p:nvSpPr>
+        <p:spPr>
+          <a:xfrm flipV="1">
+            <a:off x="7738946" y="2587079"/>
+            <a:ext cx="2985882" cy="267630"/>
+          </a:xfrm>
+          <a:prstGeom prst="frame">
+            <a:avLst>
+              <a:gd name="adj1" fmla="val 3846"/>
+            </a:avLst>
+          </a:prstGeom>
+        </p:spPr>
+        <p:style>
+          <a:lnRef idx="2">
+            <a:schemeClr val="accent1">
+              <a:shade val="15000"/>
+            </a:schemeClr>
+          </a:lnRef>
+          <a:fillRef idx="1">
+            <a:schemeClr val="accent1"/>
+          </a:fillRef>
+          <a:effectRef idx="0">
+            <a:schemeClr val="accent1"/>
+          </a:effectRef>
+          <a:fontRef idx="minor">
+            <a:schemeClr val="lt1"/>
+          </a:fontRef>
+        </p:style>
+        <p:txBody>
+          <a:bodyPr rtlCol="0" anchor="ctr"/>
+          <a:lstStyle/>
+          <a:p>
+            <a:pPr algn="ctr"/>
+            <a:endParaRPr lang="en-ES">
+              <a:solidFill>
+                <a:schemeClr val="tx1"/>
+              </a:solidFill>
+            </a:endParaRPr>
+          </a:p>
+        </p:txBody>
+      </p:sp>
+      <p:sp>
+        <p:nvSpPr>
+          <p:cNvPr id="12" name="Frame 11">
+            <a:extLst>
+              <a:ext uri="{FF2B5EF4-FFF2-40B4-BE49-F238E27FC236}">
+                <a16:creationId xmlns:a16="http://schemas.microsoft.com/office/drawing/2014/main" id="{52BFB6A0-3991-9B25-49FE-1DED7CA7C348}"/>
+              </a:ext>
+            </a:extLst>
+          </p:cNvPr>
+          <p:cNvSpPr/>
+          <p:nvPr/>
+        </p:nvSpPr>
+        <p:spPr>
+          <a:xfrm>
+            <a:off x="7716644" y="5621726"/>
+            <a:ext cx="2341756" cy="267630"/>
+          </a:xfrm>
+          <a:prstGeom prst="frame">
+            <a:avLst>
+              <a:gd name="adj1" fmla="val 4553"/>
+            </a:avLst>
+          </a:prstGeom>
+          <a:solidFill>
+            <a:schemeClr val="accent2"/>
+          </a:solidFill>
+          <a:ln>
+            <a:solidFill>
+              <a:schemeClr val="accent2"/>
+            </a:solidFill>
+          </a:ln>
+        </p:spPr>
+        <p:style>
+          <a:lnRef idx="2">
+            <a:schemeClr val="accent1">
+              <a:shade val="15000"/>
+            </a:schemeClr>
+          </a:lnRef>
+          <a:fillRef idx="1">
+            <a:schemeClr val="accent1"/>
+          </a:fillRef>
+          <a:effectRef idx="0">
+            <a:schemeClr val="accent1"/>
+          </a:effectRef>
+          <a:fontRef idx="minor">
+            <a:schemeClr val="lt1"/>
+          </a:fontRef>
+        </p:style>
+        <p:txBody>
+          <a:bodyPr rtlCol="0" anchor="ctr"/>
+          <a:lstStyle/>
+          <a:p>
+            <a:pPr algn="ctr"/>
+            <a:endParaRPr lang="en-ES">
+              <a:solidFill>
+                <a:schemeClr val="tx1"/>
+              </a:solidFill>
+            </a:endParaRPr>
+          </a:p>
+        </p:txBody>
+      </p:sp>
+      <p:sp>
+        <p:nvSpPr>
+          <p:cNvPr id="13" name="Frame 12">
+            <a:extLst>
+              <a:ext uri="{FF2B5EF4-FFF2-40B4-BE49-F238E27FC236}">
+                <a16:creationId xmlns:a16="http://schemas.microsoft.com/office/drawing/2014/main" id="{59B7B8E0-894D-32A2-C29A-C18767B65AEF}"/>
+              </a:ext>
+            </a:extLst>
+          </p:cNvPr>
+          <p:cNvSpPr/>
+          <p:nvPr/>
+        </p:nvSpPr>
+        <p:spPr>
+          <a:xfrm>
+            <a:off x="7716644" y="4490971"/>
+            <a:ext cx="1836234" cy="267630"/>
+          </a:xfrm>
+          <a:prstGeom prst="frame">
+            <a:avLst/>
+          </a:prstGeom>
+          <a:solidFill>
+            <a:schemeClr val="accent6"/>
+          </a:solidFill>
+        </p:spPr>
+        <p:style>
+          <a:lnRef idx="2">
+            <a:schemeClr val="accent1">
+              <a:shade val="15000"/>
+            </a:schemeClr>
+          </a:lnRef>
+          <a:fillRef idx="1">
+            <a:schemeClr val="accent1"/>
+          </a:fillRef>
+          <a:effectRef idx="0">
+            <a:schemeClr val="accent1"/>
+          </a:effectRef>
+          <a:fontRef idx="minor">
+            <a:schemeClr val="lt1"/>
+          </a:fontRef>
+        </p:style>
+        <p:txBody>
+          <a:bodyPr rtlCol="0" anchor="ctr"/>
+          <a:lstStyle/>
+          <a:p>
+            <a:pPr algn="ctr"/>
+            <a:endParaRPr lang="en-ES">
+              <a:solidFill>
+                <a:schemeClr val="tx1"/>
+              </a:solidFill>
+            </a:endParaRPr>
+          </a:p>
+        </p:txBody>
+      </p:sp>
+      <p:pic>
+        <p:nvPicPr>
+          <p:cNvPr id="4" name="Picture 3" descr="A picture containing text, screenshot, line, plot&#10;&#10;Description automatically generated">
+            <a:extLst>
+              <a:ext uri="{FF2B5EF4-FFF2-40B4-BE49-F238E27FC236}">
+                <a16:creationId xmlns:a16="http://schemas.microsoft.com/office/drawing/2014/main" id="{75F762F9-E8E2-9E9B-4D54-812B0A0DE02C}"/>
+              </a:ext>
+            </a:extLst>
+          </p:cNvPr>
+          <p:cNvPicPr>
+            <a:picLocks noChangeAspect="1"/>
+          </p:cNvPicPr>
+          <p:nvPr/>
+        </p:nvPicPr>
+        <p:blipFill>
+          <a:blip r:embed="rId3"/>
+          <a:stretch>
+            <a:fillRect/>
+          </a:stretch>
+        </p:blipFill>
+        <p:spPr>
+          <a:xfrm>
+            <a:off x="735736" y="1964397"/>
+            <a:ext cx="5842000" cy="4381500"/>
+          </a:xfrm>
+          <a:prstGeom prst="rect">
+            <a:avLst/>
+          </a:prstGeom>
+        </p:spPr>
+      </p:pic>
+    </p:spTree>
+    <p:extLst>
+      <p:ext uri="{BB962C8B-B14F-4D97-AF65-F5344CB8AC3E}">
+        <p14:creationId xmlns:p14="http://schemas.microsoft.com/office/powerpoint/2010/main" val="579446500"/>
+      </p:ext>
+    </p:extLst>
+  </p:cSld>
+  <p:clrMapOvr>
+    <a:masterClrMapping/>
+  </p:clrMapOvr>
+</p:sld>
+</file>
+
+<file path=ppt/slides/slide16.xml><?xml version="1.0" encoding="utf-8"?>
+<p:sld xmlns:a="http://schemas.openxmlformats.org/drawingml/2006/main" xmlns:r="http://schemas.openxmlformats.org/officeDocument/2006/relationships" xmlns:p="http://schemas.openxmlformats.org/presentationml/2006/main">
+  <p:cSld>
+    <p:spTree>
+      <p:nvGrpSpPr>
+        <p:cNvPr id="1" name=""/>
+        <p:cNvGrpSpPr/>
+        <p:nvPr/>
+      </p:nvGrpSpPr>
+      <p:grpSpPr>
+        <a:xfrm>
+          <a:off x="0" y="0"/>
+          <a:ext cx="0" cy="0"/>
+          <a:chOff x="0" y="0"/>
+          <a:chExt cx="0" cy="0"/>
+        </a:xfrm>
+      </p:grpSpPr>
+      <p:sp>
+        <p:nvSpPr>
+          <p:cNvPr id="2" name="Title 1">
+            <a:extLst>
+              <a:ext uri="{FF2B5EF4-FFF2-40B4-BE49-F238E27FC236}">
+                <a16:creationId xmlns:a16="http://schemas.microsoft.com/office/drawing/2014/main" id="{F864196D-8568-F974-9565-A8FA41BD3516}"/>
+              </a:ext>
+            </a:extLst>
+          </p:cNvPr>
+          <p:cNvSpPr>
+            <a:spLocks noGrp="1"/>
+          </p:cNvSpPr>
+          <p:nvPr>
+            <p:ph type="title"/>
+          </p:nvPr>
+        </p:nvSpPr>
+        <p:spPr>
+          <a:xfrm>
+            <a:off x="597568" y="183410"/>
+            <a:ext cx="10515600" cy="1325563"/>
+          </a:xfrm>
+        </p:spPr>
+        <p:txBody>
+          <a:bodyPr/>
+          <a:lstStyle/>
+          <a:p>
+            <a:r>
+              <a:rPr lang="en-ES" dirty="0"/>
+              <a:t>Comparisons to constant velocity</a:t>
+            </a:r>
+          </a:p>
+        </p:txBody>
+      </p:sp>
+      <p:sp>
+        <p:nvSpPr>
+          <p:cNvPr id="3" name="Content Placeholder 2">
+            <a:extLst>
+              <a:ext uri="{FF2B5EF4-FFF2-40B4-BE49-F238E27FC236}">
+                <a16:creationId xmlns:a16="http://schemas.microsoft.com/office/drawing/2014/main" id="{91243E57-B8DD-A806-B274-BE690E5510CB}"/>
+              </a:ext>
+            </a:extLst>
+          </p:cNvPr>
+          <p:cNvSpPr>
+            <a:spLocks noGrp="1"/>
+          </p:cNvSpPr>
+          <p:nvPr>
+            <p:ph idx="1"/>
+          </p:nvPr>
+        </p:nvSpPr>
+        <p:spPr>
+          <a:xfrm>
+            <a:off x="838200" y="1756611"/>
+            <a:ext cx="10515600" cy="4420352"/>
+          </a:xfrm>
+        </p:spPr>
+        <p:txBody>
+          <a:bodyPr/>
+          <a:lstStyle/>
+          <a:p>
+            <a:r>
+              <a:rPr lang="en-ES" dirty="0"/>
+              <a:t>PBC Lattice:</a:t>
+            </a:r>
+          </a:p>
+        </p:txBody>
+      </p:sp>
+      <p:pic>
+        <p:nvPicPr>
+          <p:cNvPr id="7" name="Picture 6" descr="A picture containing text, screenshot, line, plot&#10;&#10;Description automatically generated">
+            <a:extLst>
+              <a:ext uri="{FF2B5EF4-FFF2-40B4-BE49-F238E27FC236}">
+                <a16:creationId xmlns:a16="http://schemas.microsoft.com/office/drawing/2014/main" id="{6F7AD26A-7EE5-6B09-3420-2B5F08E03071}"/>
+              </a:ext>
+            </a:extLst>
+          </p:cNvPr>
+          <p:cNvPicPr>
+            <a:picLocks noChangeAspect="1"/>
+          </p:cNvPicPr>
+          <p:nvPr/>
+        </p:nvPicPr>
+        <p:blipFill>
+          <a:blip r:embed="rId2"/>
+          <a:stretch>
+            <a:fillRect/>
+          </a:stretch>
+        </p:blipFill>
+        <p:spPr>
+          <a:xfrm>
+            <a:off x="360943" y="2586897"/>
+            <a:ext cx="4920920" cy="3690690"/>
+          </a:xfrm>
+          <a:prstGeom prst="rect">
+            <a:avLst/>
+          </a:prstGeom>
+        </p:spPr>
+      </p:pic>
+      <p:sp>
+        <p:nvSpPr>
+          <p:cNvPr id="8" name="TextBox 7">
+            <a:extLst>
+              <a:ext uri="{FF2B5EF4-FFF2-40B4-BE49-F238E27FC236}">
+                <a16:creationId xmlns:a16="http://schemas.microsoft.com/office/drawing/2014/main" id="{2D80D761-92E9-E172-4586-728F8F2824C7}"/>
+              </a:ext>
+            </a:extLst>
+          </p:cNvPr>
+          <p:cNvSpPr txBox="1"/>
+          <p:nvPr/>
+        </p:nvSpPr>
+        <p:spPr>
+          <a:xfrm>
+            <a:off x="838200" y="2217565"/>
+            <a:ext cx="2183675" cy="369332"/>
+          </a:xfrm>
+          <a:prstGeom prst="rect">
+            <a:avLst/>
+          </a:prstGeom>
+          <a:noFill/>
+        </p:spPr>
+        <p:txBody>
+          <a:bodyPr wrap="none" rtlCol="0">
+            <a:spAutoFit/>
+          </a:bodyPr>
+          <a:lstStyle/>
+          <a:p>
+            <a:r>
+              <a:rPr lang="en-ES" dirty="0"/>
+              <a:t>Edge centric (adjoint)</a:t>
+            </a:r>
+          </a:p>
+        </p:txBody>
+      </p:sp>
+      <p:pic>
+        <p:nvPicPr>
+          <p:cNvPr id="10" name="Picture 9" descr="A picture containing text, screenshot, line, plot&#10;&#10;Description automatically generated">
+            <a:extLst>
+              <a:ext uri="{FF2B5EF4-FFF2-40B4-BE49-F238E27FC236}">
+                <a16:creationId xmlns:a16="http://schemas.microsoft.com/office/drawing/2014/main" id="{C2426816-9812-9767-D148-D2D22FC17DBD}"/>
+              </a:ext>
+            </a:extLst>
+          </p:cNvPr>
+          <p:cNvPicPr>
+            <a:picLocks noChangeAspect="1"/>
+          </p:cNvPicPr>
+          <p:nvPr/>
+        </p:nvPicPr>
+        <p:blipFill>
+          <a:blip r:embed="rId3"/>
+          <a:stretch>
+            <a:fillRect/>
+          </a:stretch>
+        </p:blipFill>
+        <p:spPr>
+          <a:xfrm>
+            <a:off x="5981026" y="2586897"/>
+            <a:ext cx="4786755" cy="3590066"/>
+          </a:xfrm>
+          <a:prstGeom prst="rect">
+            <a:avLst/>
+          </a:prstGeom>
+        </p:spPr>
+      </p:pic>
+      <p:sp>
+        <p:nvSpPr>
+          <p:cNvPr id="11" name="TextBox 10">
+            <a:extLst>
+              <a:ext uri="{FF2B5EF4-FFF2-40B4-BE49-F238E27FC236}">
+                <a16:creationId xmlns:a16="http://schemas.microsoft.com/office/drawing/2014/main" id="{18C74590-1D86-A0D7-6A17-0398EA4656BE}"/>
+              </a:ext>
+            </a:extLst>
+          </p:cNvPr>
+          <p:cNvSpPr txBox="1"/>
+          <p:nvPr/>
+        </p:nvSpPr>
+        <p:spPr>
+          <a:xfrm>
+            <a:off x="6387383" y="2217565"/>
+            <a:ext cx="2882328" cy="369332"/>
+          </a:xfrm>
+          <a:prstGeom prst="rect">
+            <a:avLst/>
+          </a:prstGeom>
+          <a:noFill/>
+        </p:spPr>
+        <p:txBody>
+          <a:bodyPr wrap="none" rtlCol="0">
+            <a:spAutoFit/>
+          </a:bodyPr>
+          <a:lstStyle/>
+          <a:p>
+            <a:r>
+              <a:rPr lang="en-ES" dirty="0"/>
+              <a:t>Node centric (average rates) </a:t>
+            </a:r>
+          </a:p>
+        </p:txBody>
+      </p:sp>
+    </p:spTree>
+    <p:extLst>
+      <p:ext uri="{BB962C8B-B14F-4D97-AF65-F5344CB8AC3E}">
+        <p14:creationId xmlns:p14="http://schemas.microsoft.com/office/powerpoint/2010/main" val="1092598583"/>
+      </p:ext>
+    </p:extLst>
+  </p:cSld>
+  <p:clrMapOvr>
+    <a:masterClrMapping/>
+  </p:clrMapOvr>
+</p:sld>
+</file>
+
+<file path=ppt/slides/slide17.xml><?xml version="1.0" encoding="utf-8"?>
+<p:sld xmlns:a="http://schemas.openxmlformats.org/drawingml/2006/main" xmlns:r="http://schemas.openxmlformats.org/officeDocument/2006/relationships" xmlns:p="http://schemas.openxmlformats.org/presentationml/2006/main">
+  <p:cSld>
+    <p:spTree>
+      <p:nvGrpSpPr>
+        <p:cNvPr id="1" name=""/>
+        <p:cNvGrpSpPr/>
+        <p:nvPr/>
+      </p:nvGrpSpPr>
+      <p:grpSpPr>
+        <a:xfrm>
+          <a:off x="0" y="0"/>
+          <a:ext cx="0" cy="0"/>
+          <a:chOff x="0" y="0"/>
+          <a:chExt cx="0" cy="0"/>
+        </a:xfrm>
+      </p:grpSpPr>
+      <p:sp>
+        <p:nvSpPr>
+          <p:cNvPr id="2" name="Title 1">
+            <a:extLst>
+              <a:ext uri="{FF2B5EF4-FFF2-40B4-BE49-F238E27FC236}">
+                <a16:creationId xmlns:a16="http://schemas.microsoft.com/office/drawing/2014/main" id="{F864196D-8568-F974-9565-A8FA41BD3516}"/>
+              </a:ext>
+            </a:extLst>
+          </p:cNvPr>
+          <p:cNvSpPr>
+            <a:spLocks noGrp="1"/>
+          </p:cNvSpPr>
+          <p:nvPr>
+            <p:ph type="title"/>
+          </p:nvPr>
+        </p:nvSpPr>
+        <p:spPr>
+          <a:xfrm>
+            <a:off x="597568" y="183410"/>
+            <a:ext cx="10515600" cy="1325563"/>
+          </a:xfrm>
+        </p:spPr>
+        <p:txBody>
+          <a:bodyPr/>
+          <a:lstStyle/>
+          <a:p>
+            <a:r>
+              <a:rPr lang="en-ES" dirty="0"/>
+              <a:t>Comparisons to constant velocity</a:t>
+            </a:r>
+          </a:p>
+        </p:txBody>
+      </p:sp>
+      <p:sp>
+        <p:nvSpPr>
+          <p:cNvPr id="3" name="Content Placeholder 2">
+            <a:extLst>
+              <a:ext uri="{FF2B5EF4-FFF2-40B4-BE49-F238E27FC236}">
+                <a16:creationId xmlns:a16="http://schemas.microsoft.com/office/drawing/2014/main" id="{91243E57-B8DD-A806-B274-BE690E5510CB}"/>
+              </a:ext>
+            </a:extLst>
+          </p:cNvPr>
+          <p:cNvSpPr>
+            <a:spLocks noGrp="1"/>
+          </p:cNvSpPr>
+          <p:nvPr>
+            <p:ph idx="1"/>
+          </p:nvPr>
+        </p:nvSpPr>
+        <p:spPr>
+          <a:xfrm>
+            <a:off x="838200" y="1756611"/>
+            <a:ext cx="10515600" cy="4420352"/>
+          </a:xfrm>
+        </p:spPr>
+        <p:txBody>
+          <a:bodyPr/>
+          <a:lstStyle/>
+          <a:p>
+            <a:r>
+              <a:rPr lang="en-ES" dirty="0"/>
+              <a:t>ER 50 nodes p: 0.1</a:t>
+            </a:r>
+          </a:p>
+        </p:txBody>
+      </p:sp>
+      <p:pic>
+        <p:nvPicPr>
+          <p:cNvPr id="7" name="Picture 6">
+            <a:extLst>
+              <a:ext uri="{FF2B5EF4-FFF2-40B4-BE49-F238E27FC236}">
+                <a16:creationId xmlns:a16="http://schemas.microsoft.com/office/drawing/2014/main" id="{6F7AD26A-7EE5-6B09-3420-2B5F08E03071}"/>
+              </a:ext>
+            </a:extLst>
+          </p:cNvPr>
+          <p:cNvPicPr>
+            <a:picLocks noChangeAspect="1"/>
+          </p:cNvPicPr>
+          <p:nvPr/>
+        </p:nvPicPr>
+        <p:blipFill>
+          <a:blip r:embed="rId2"/>
+          <a:srcRect/>
+          <a:stretch/>
+        </p:blipFill>
+        <p:spPr>
+          <a:xfrm>
+            <a:off x="360943" y="2586897"/>
+            <a:ext cx="4920920" cy="3690690"/>
+          </a:xfrm>
+          <a:prstGeom prst="rect">
+            <a:avLst/>
+          </a:prstGeom>
+        </p:spPr>
+      </p:pic>
+      <p:sp>
+        <p:nvSpPr>
+          <p:cNvPr id="8" name="TextBox 7">
+            <a:extLst>
+              <a:ext uri="{FF2B5EF4-FFF2-40B4-BE49-F238E27FC236}">
+                <a16:creationId xmlns:a16="http://schemas.microsoft.com/office/drawing/2014/main" id="{2D80D761-92E9-E172-4586-728F8F2824C7}"/>
+              </a:ext>
+            </a:extLst>
+          </p:cNvPr>
+          <p:cNvSpPr txBox="1"/>
+          <p:nvPr/>
+        </p:nvSpPr>
+        <p:spPr>
+          <a:xfrm>
+            <a:off x="838200" y="2217565"/>
+            <a:ext cx="2183675" cy="369332"/>
+          </a:xfrm>
+          <a:prstGeom prst="rect">
+            <a:avLst/>
+          </a:prstGeom>
+          <a:noFill/>
+        </p:spPr>
+        <p:txBody>
+          <a:bodyPr wrap="none" rtlCol="0">
+            <a:spAutoFit/>
+          </a:bodyPr>
+          <a:lstStyle/>
+          <a:p>
+            <a:r>
+              <a:rPr lang="en-ES" dirty="0"/>
+              <a:t>Edge centric (adjoint)</a:t>
+            </a:r>
+          </a:p>
+        </p:txBody>
+      </p:sp>
+      <p:pic>
+        <p:nvPicPr>
+          <p:cNvPr id="10" name="Picture 9">
+            <a:extLst>
+              <a:ext uri="{FF2B5EF4-FFF2-40B4-BE49-F238E27FC236}">
+                <a16:creationId xmlns:a16="http://schemas.microsoft.com/office/drawing/2014/main" id="{C2426816-9812-9767-D148-D2D22FC17DBD}"/>
+              </a:ext>
+            </a:extLst>
+          </p:cNvPr>
+          <p:cNvPicPr>
+            <a:picLocks noChangeAspect="1"/>
+          </p:cNvPicPr>
+          <p:nvPr/>
+        </p:nvPicPr>
+        <p:blipFill>
+          <a:blip r:embed="rId3"/>
+          <a:srcRect/>
+          <a:stretch/>
+        </p:blipFill>
+        <p:spPr>
+          <a:xfrm>
+            <a:off x="5981026" y="2586897"/>
+            <a:ext cx="4786754" cy="3590066"/>
+          </a:xfrm>
+          <a:prstGeom prst="rect">
+            <a:avLst/>
+          </a:prstGeom>
+        </p:spPr>
+      </p:pic>
+      <p:sp>
+        <p:nvSpPr>
+          <p:cNvPr id="11" name="TextBox 10">
+            <a:extLst>
+              <a:ext uri="{FF2B5EF4-FFF2-40B4-BE49-F238E27FC236}">
+                <a16:creationId xmlns:a16="http://schemas.microsoft.com/office/drawing/2014/main" id="{18C74590-1D86-A0D7-6A17-0398EA4656BE}"/>
+              </a:ext>
+            </a:extLst>
+          </p:cNvPr>
+          <p:cNvSpPr txBox="1"/>
+          <p:nvPr/>
+        </p:nvSpPr>
+        <p:spPr>
+          <a:xfrm>
+            <a:off x="6387383" y="2217565"/>
+            <a:ext cx="2882328" cy="369332"/>
+          </a:xfrm>
+          <a:prstGeom prst="rect">
+            <a:avLst/>
+          </a:prstGeom>
+          <a:noFill/>
+        </p:spPr>
+        <p:txBody>
+          <a:bodyPr wrap="none" rtlCol="0">
+            <a:spAutoFit/>
+          </a:bodyPr>
+          <a:lstStyle/>
+          <a:p>
+            <a:r>
+              <a:rPr lang="en-ES" dirty="0"/>
+              <a:t>Node centric (average rates) </a:t>
+            </a:r>
+          </a:p>
+        </p:txBody>
+      </p:sp>
+    </p:spTree>
+    <p:extLst>
+      <p:ext uri="{BB962C8B-B14F-4D97-AF65-F5344CB8AC3E}">
+        <p14:creationId xmlns:p14="http://schemas.microsoft.com/office/powerpoint/2010/main" val="2621720825"/>
       </p:ext>
     </p:extLst>
   </p:cSld>
@@ -5853,6 +9579,382 @@
     <p:extLst>
       <p:ext uri="{BB962C8B-B14F-4D97-AF65-F5344CB8AC3E}">
         <p14:creationId xmlns:p14="http://schemas.microsoft.com/office/powerpoint/2010/main" val="1652681785"/>
+      </p:ext>
+    </p:extLst>
+  </p:cSld>
+  <p:clrMapOvr>
+    <a:masterClrMapping/>
+  </p:clrMapOvr>
+</p:sld>
+</file>
+
+<file path=ppt/slides/slide9.xml><?xml version="1.0" encoding="utf-8"?>
+<p:sld xmlns:a="http://schemas.openxmlformats.org/drawingml/2006/main" xmlns:r="http://schemas.openxmlformats.org/officeDocument/2006/relationships" xmlns:p="http://schemas.openxmlformats.org/presentationml/2006/main">
+  <p:cSld>
+    <p:spTree>
+      <p:nvGrpSpPr>
+        <p:cNvPr id="1" name=""/>
+        <p:cNvGrpSpPr/>
+        <p:nvPr/>
+      </p:nvGrpSpPr>
+      <p:grpSpPr>
+        <a:xfrm>
+          <a:off x="0" y="0"/>
+          <a:ext cx="0" cy="0"/>
+          <a:chOff x="0" y="0"/>
+          <a:chExt cx="0" cy="0"/>
+        </a:xfrm>
+      </p:grpSpPr>
+      <p:sp>
+        <p:nvSpPr>
+          <p:cNvPr id="2" name="Title 1">
+            <a:extLst>
+              <a:ext uri="{FF2B5EF4-FFF2-40B4-BE49-F238E27FC236}">
+                <a16:creationId xmlns:a16="http://schemas.microsoft.com/office/drawing/2014/main" id="{3EA283B4-D4BC-C6F3-B493-F07D88F4ED1B}"/>
+              </a:ext>
+            </a:extLst>
+          </p:cNvPr>
+          <p:cNvSpPr>
+            <a:spLocks noGrp="1"/>
+          </p:cNvSpPr>
+          <p:nvPr>
+            <p:ph type="title"/>
+          </p:nvPr>
+        </p:nvSpPr>
+        <p:spPr/>
+        <p:txBody>
+          <a:bodyPr/>
+          <a:lstStyle/>
+          <a:p>
+            <a:r>
+              <a:rPr lang="en-ES" dirty="0"/>
+              <a:t>Retrieving edge flow from ”Edge-centric” CTRW</a:t>
+            </a:r>
+          </a:p>
+        </p:txBody>
+      </p:sp>
+      <p:pic>
+        <p:nvPicPr>
+          <p:cNvPr id="5" name="Content Placeholder 4" descr="A picture containing line, diagram, circle, design&#10;&#10;Description automatically generated">
+            <a:extLst>
+              <a:ext uri="{FF2B5EF4-FFF2-40B4-BE49-F238E27FC236}">
+                <a16:creationId xmlns:a16="http://schemas.microsoft.com/office/drawing/2014/main" id="{6F43674C-2658-061E-2A8A-E577859B9679}"/>
+              </a:ext>
+            </a:extLst>
+          </p:cNvPr>
+          <p:cNvPicPr>
+            <a:picLocks noGrp="1" noChangeAspect="1"/>
+          </p:cNvPicPr>
+          <p:nvPr>
+            <p:ph idx="1"/>
+          </p:nvPr>
+        </p:nvPicPr>
+        <p:blipFill>
+          <a:blip r:embed="rId2"/>
+          <a:stretch>
+            <a:fillRect/>
+          </a:stretch>
+        </p:blipFill>
+        <p:spPr>
+          <a:xfrm>
+            <a:off x="838200" y="2539310"/>
+            <a:ext cx="6231673" cy="3125770"/>
+          </a:xfrm>
+        </p:spPr>
+      </p:pic>
+      <p:sp>
+        <p:nvSpPr>
+          <p:cNvPr id="6" name="TextBox 5">
+            <a:extLst>
+              <a:ext uri="{FF2B5EF4-FFF2-40B4-BE49-F238E27FC236}">
+                <a16:creationId xmlns:a16="http://schemas.microsoft.com/office/drawing/2014/main" id="{27A84098-CCFC-171B-F7C9-2AB58ED08E82}"/>
+              </a:ext>
+            </a:extLst>
+          </p:cNvPr>
+          <p:cNvSpPr txBox="1"/>
+          <p:nvPr/>
+        </p:nvSpPr>
+        <p:spPr>
+          <a:xfrm>
+            <a:off x="838200" y="1853389"/>
+            <a:ext cx="5134419" cy="523220"/>
+          </a:xfrm>
+          <a:prstGeom prst="rect">
+            <a:avLst/>
+          </a:prstGeom>
+          <a:noFill/>
+        </p:spPr>
+        <p:txBody>
+          <a:bodyPr wrap="none" rtlCol="0">
+            <a:spAutoFit/>
+          </a:bodyPr>
+          <a:lstStyle/>
+          <a:p>
+            <a:pPr marL="457200" indent="-457200">
+              <a:buFont typeface="Arial" panose="020B0604020202020204" pitchFamily="34" charset="0"/>
+              <a:buChar char="•"/>
+            </a:pPr>
+            <a:r>
+              <a:rPr lang="en-ES" sz="2800" dirty="0"/>
+              <a:t>Problems with divergent terms</a:t>
+            </a:r>
+          </a:p>
+        </p:txBody>
+      </p:sp>
+      <mc:AlternateContent xmlns:mc="http://schemas.openxmlformats.org/markup-compatibility/2006">
+        <mc:Choice xmlns:a14="http://schemas.microsoft.com/office/drawing/2010/main" Requires="a14">
+          <p:sp>
+            <p:nvSpPr>
+              <p:cNvPr id="7" name="TextBox 6">
+                <a:extLst>
+                  <a:ext uri="{FF2B5EF4-FFF2-40B4-BE49-F238E27FC236}">
+                    <a16:creationId xmlns:a16="http://schemas.microsoft.com/office/drawing/2014/main" id="{58A4E3FB-A070-7782-B9D0-B41F9A860AD1}"/>
+                  </a:ext>
+                </a:extLst>
+              </p:cNvPr>
+              <p:cNvSpPr txBox="1"/>
+              <p:nvPr/>
+            </p:nvSpPr>
+            <p:spPr>
+              <a:xfrm>
+                <a:off x="7248293" y="2114999"/>
+                <a:ext cx="4672361" cy="4524315"/>
+              </a:xfrm>
+              <a:prstGeom prst="rect">
+                <a:avLst/>
+              </a:prstGeom>
+              <a:noFill/>
+            </p:spPr>
+            <p:txBody>
+              <a:bodyPr wrap="square" rtlCol="0">
+                <a:spAutoFit/>
+              </a:bodyPr>
+              <a:lstStyle/>
+              <a:p>
+                <a:r>
+                  <a:rPr lang="en-ES" dirty="0"/>
+                  <a:t>Solutions:</a:t>
+                </a:r>
+              </a:p>
+              <a:p>
+                <a:pPr marL="285750" indent="-285750">
+                  <a:buFont typeface="Arial" panose="020B0604020202020204" pitchFamily="34" charset="0"/>
+                  <a:buChar char="•"/>
+                </a:pPr>
+                <a:r>
+                  <a:rPr lang="en-ES" dirty="0"/>
+                  <a:t>In the simulation:</a:t>
+                </a:r>
+              </a:p>
+              <a:p>
+                <a:pPr marL="742950" lvl="1" indent="-285750">
+                  <a:buFont typeface="Arial" panose="020B0604020202020204" pitchFamily="34" charset="0"/>
+                  <a:buChar char="•"/>
+                </a:pPr>
+                <a:r>
+                  <a:rPr lang="en-ES" dirty="0"/>
+                  <a:t>Do nothing</a:t>
+                </a:r>
+              </a:p>
+              <a:p>
+                <a:pPr marL="742950" lvl="1" indent="-285750">
+                  <a:buFont typeface="Arial" panose="020B0604020202020204" pitchFamily="34" charset="0"/>
+                  <a:buChar char="•"/>
+                </a:pPr>
+                <a:r>
+                  <a:rPr lang="en-GB" dirty="0"/>
+                  <a:t>Accept with probability 0.5</a:t>
+                </a:r>
+              </a:p>
+              <a:p>
+                <a:pPr marL="742950" lvl="1" indent="-285750">
+                  <a:buFont typeface="Arial" panose="020B0604020202020204" pitchFamily="34" charset="0"/>
+                  <a:buChar char="•"/>
+                </a:pPr>
+                <a:r>
+                  <a:rPr lang="en-GB" dirty="0"/>
+                  <a:t>Accept with Exponential cumulative probability according to the time left in the walker: P(x </a:t>
+                </a:r>
+                <a14:m>
+                  <m:oMath xmlns:m="http://schemas.openxmlformats.org/officeDocument/2006/math">
+                    <m:r>
+                      <a:rPr lang="el-GR" i="1" smtClean="0">
+                        <a:latin typeface="Cambria Math" panose="02040503050406030204" pitchFamily="18" charset="0"/>
+                        <a:ea typeface="Cambria Math" panose="02040503050406030204" pitchFamily="18" charset="0"/>
+                      </a:rPr>
+                      <m:t>≤</m:t>
+                    </m:r>
+                    <m:r>
+                      <m:rPr>
+                        <m:sty m:val="p"/>
+                      </m:rPr>
+                      <a:rPr lang="el-GR" i="1" smtClean="0">
+                        <a:latin typeface="Cambria Math" panose="02040503050406030204" pitchFamily="18" charset="0"/>
+                        <a:ea typeface="Cambria Math" panose="02040503050406030204" pitchFamily="18" charset="0"/>
+                      </a:rPr>
+                      <m:t>Δ</m:t>
+                    </m:r>
+                    <m:r>
+                      <a:rPr lang="es-ES" b="0" i="1" smtClean="0">
+                        <a:latin typeface="Cambria Math" panose="02040503050406030204" pitchFamily="18" charset="0"/>
+                        <a:ea typeface="Cambria Math" panose="02040503050406030204" pitchFamily="18" charset="0"/>
+                      </a:rPr>
+                      <m:t>𝑡</m:t>
+                    </m:r>
+                    <m:r>
+                      <a:rPr lang="es-ES" b="0" i="1" smtClean="0">
+                        <a:latin typeface="Cambria Math" panose="02040503050406030204" pitchFamily="18" charset="0"/>
+                        <a:ea typeface="Cambria Math" panose="02040503050406030204" pitchFamily="18" charset="0"/>
+                      </a:rPr>
+                      <m:t> −</m:t>
+                    </m:r>
+                    <m:r>
+                      <a:rPr lang="es-ES" b="0" i="1" smtClean="0">
+                        <a:latin typeface="Cambria Math" panose="02040503050406030204" pitchFamily="18" charset="0"/>
+                        <a:ea typeface="Cambria Math" panose="02040503050406030204" pitchFamily="18" charset="0"/>
+                      </a:rPr>
+                      <m:t>𝑡𝑖</m:t>
+                    </m:r>
+                  </m:oMath>
+                </a14:m>
+                <a:r>
+                  <a:rPr lang="en-ES" dirty="0"/>
+                  <a:t>)</a:t>
+                </a:r>
+              </a:p>
+              <a:p>
+                <a:pPr marL="285750" indent="-285750">
+                  <a:buFont typeface="Arial" panose="020B0604020202020204" pitchFamily="34" charset="0"/>
+                  <a:buChar char="•"/>
+                </a:pPr>
+                <a:r>
+                  <a:rPr lang="en-ES" dirty="0"/>
+                  <a:t>Initial simulation step (count it?):</a:t>
+                </a:r>
+              </a:p>
+              <a:p>
+                <a:pPr marL="742950" lvl="1" indent="-285750">
+                  <a:buFont typeface="Arial" panose="020B0604020202020204" pitchFamily="34" charset="0"/>
+                  <a:buChar char="•"/>
+                </a:pPr>
+                <a:r>
+                  <a:rPr lang="en-ES" dirty="0"/>
+                  <a:t>Don’t Count it</a:t>
+                </a:r>
+              </a:p>
+              <a:p>
+                <a:pPr marL="742950" lvl="1" indent="-285750">
+                  <a:buFont typeface="Arial" panose="020B0604020202020204" pitchFamily="34" charset="0"/>
+                  <a:buChar char="•"/>
+                </a:pPr>
+                <a:r>
+                  <a:rPr lang="en-ES" dirty="0"/>
+                  <a:t>Count it all</a:t>
+                </a:r>
+              </a:p>
+              <a:p>
+                <a:pPr marL="742950" lvl="1" indent="-285750">
+                  <a:buFont typeface="Arial" panose="020B0604020202020204" pitchFamily="34" charset="0"/>
+                  <a:buChar char="•"/>
+                </a:pPr>
+                <a:r>
+                  <a:rPr lang="en-ES" dirty="0"/>
+                  <a:t>Prob 0.5</a:t>
+                </a:r>
+              </a:p>
+              <a:p>
+                <a:pPr marL="285750" indent="-285750">
+                  <a:buFont typeface="Arial" panose="020B0604020202020204" pitchFamily="34" charset="0"/>
+                  <a:buChar char="•"/>
+                </a:pPr>
+                <a:r>
+                  <a:rPr lang="en-GB" dirty="0"/>
+                  <a:t>I</a:t>
+                </a:r>
+                <a:r>
+                  <a:rPr lang="en-ES" dirty="0"/>
+                  <a:t>n the Analytical:</a:t>
+                </a:r>
+              </a:p>
+              <a:p>
+                <a:pPr marL="742950" lvl="1" indent="-285750">
+                  <a:buFont typeface="Arial" panose="020B0604020202020204" pitchFamily="34" charset="0"/>
+                  <a:buChar char="•"/>
+                </a:pPr>
+                <a:r>
+                  <a:rPr lang="en-ES" dirty="0"/>
+                  <a:t>Accept only the non-divergent flow (flow that enters and goes)</a:t>
+                </a:r>
+              </a:p>
+              <a:p>
+                <a:pPr marL="742950" lvl="1" indent="-285750">
+                  <a:buFont typeface="Arial" panose="020B0604020202020204" pitchFamily="34" charset="0"/>
+                  <a:buChar char="•"/>
+                </a:pPr>
+                <a:r>
+                  <a:rPr lang="en-ES" dirty="0"/>
+                  <a:t>Accept with 0.5</a:t>
+                </a:r>
+              </a:p>
+              <a:p>
+                <a:pPr marL="285750" indent="-285750">
+                  <a:buFont typeface="Arial" panose="020B0604020202020204" pitchFamily="34" charset="0"/>
+                  <a:buChar char="•"/>
+                </a:pPr>
+                <a:endParaRPr lang="en-ES" dirty="0"/>
+              </a:p>
+            </p:txBody>
+          </p:sp>
+        </mc:Choice>
+        <mc:Fallback>
+          <p:sp>
+            <p:nvSpPr>
+              <p:cNvPr id="7" name="TextBox 6">
+                <a:extLst>
+                  <a:ext uri="{FF2B5EF4-FFF2-40B4-BE49-F238E27FC236}">
+                    <a16:creationId xmlns:a16="http://schemas.microsoft.com/office/drawing/2014/main" id="{58A4E3FB-A070-7782-B9D0-B41F9A860AD1}"/>
+                  </a:ext>
+                </a:extLst>
+              </p:cNvPr>
+              <p:cNvSpPr txBox="1">
+                <a:spLocks noRot="1" noChangeAspect="1" noMove="1" noResize="1" noEditPoints="1" noAdjustHandles="1" noChangeArrowheads="1" noChangeShapeType="1" noTextEdit="1"/>
+              </p:cNvSpPr>
+              <p:nvPr/>
+            </p:nvSpPr>
+            <p:spPr>
+              <a:xfrm>
+                <a:off x="7248293" y="2114999"/>
+                <a:ext cx="4672361" cy="4524315"/>
+              </a:xfrm>
+              <a:prstGeom prst="rect">
+                <a:avLst/>
+              </a:prstGeom>
+              <a:blipFill>
+                <a:blip r:embed="rId3"/>
+                <a:stretch>
+                  <a:fillRect l="-1084" t="-560"/>
+                </a:stretch>
+              </a:blipFill>
+            </p:spPr>
+            <p:txBody>
+              <a:bodyPr/>
+              <a:lstStyle/>
+              <a:p>
+                <a:r>
+                  <a:rPr lang="en-ES">
+                    <a:noFill/>
+                  </a:rPr>
+                  <a:t> </a:t>
+                </a:r>
+              </a:p>
+            </p:txBody>
+          </p:sp>
+        </mc:Fallback>
+      </mc:AlternateContent>
+    </p:spTree>
+    <p:extLst>
+      <p:ext uri="{BB962C8B-B14F-4D97-AF65-F5344CB8AC3E}">
+        <p14:creationId xmlns:p14="http://schemas.microsoft.com/office/powerpoint/2010/main" val="2476353611"/>
       </p:ext>
     </p:extLst>
   </p:cSld>

--- a/results_04_05.pptx
+++ b/results_04_05.pptx
@@ -22,6 +22,10 @@
     <p:sldId id="276" r:id="rId16"/>
     <p:sldId id="277" r:id="rId17"/>
     <p:sldId id="278" r:id="rId18"/>
+    <p:sldId id="279" r:id="rId19"/>
+    <p:sldId id="280" r:id="rId20"/>
+    <p:sldId id="281" r:id="rId21"/>
+    <p:sldId id="282" r:id="rId22"/>
   </p:sldIdLst>
   <p:sldSz cx="12192000" cy="6858000"/>
   <p:notesSz cx="6858000" cy="9144000"/>
@@ -277,7 +281,7 @@
           <a:p>
             <a:fld id="{15A59631-E798-A74D-A0F8-ED244256C4A9}" type="datetimeFigureOut">
               <a:rPr lang="en-ES" smtClean="0"/>
-              <a:t>18/5/23</a:t>
+              <a:t>13/6/23</a:t>
             </a:fld>
             <a:endParaRPr lang="en-ES"/>
           </a:p>
@@ -477,7 +481,7 @@
           <a:p>
             <a:fld id="{15A59631-E798-A74D-A0F8-ED244256C4A9}" type="datetimeFigureOut">
               <a:rPr lang="en-ES" smtClean="0"/>
-              <a:t>18/5/23</a:t>
+              <a:t>13/6/23</a:t>
             </a:fld>
             <a:endParaRPr lang="en-ES"/>
           </a:p>
@@ -687,7 +691,7 @@
           <a:p>
             <a:fld id="{15A59631-E798-A74D-A0F8-ED244256C4A9}" type="datetimeFigureOut">
               <a:rPr lang="en-ES" smtClean="0"/>
-              <a:t>18/5/23</a:t>
+              <a:t>13/6/23</a:t>
             </a:fld>
             <a:endParaRPr lang="en-ES"/>
           </a:p>
@@ -887,7 +891,7 @@
           <a:p>
             <a:fld id="{15A59631-E798-A74D-A0F8-ED244256C4A9}" type="datetimeFigureOut">
               <a:rPr lang="en-ES" smtClean="0"/>
-              <a:t>18/5/23</a:t>
+              <a:t>13/6/23</a:t>
             </a:fld>
             <a:endParaRPr lang="en-ES"/>
           </a:p>
@@ -1163,7 +1167,7 @@
           <a:p>
             <a:fld id="{15A59631-E798-A74D-A0F8-ED244256C4A9}" type="datetimeFigureOut">
               <a:rPr lang="en-ES" smtClean="0"/>
-              <a:t>18/5/23</a:t>
+              <a:t>13/6/23</a:t>
             </a:fld>
             <a:endParaRPr lang="en-ES"/>
           </a:p>
@@ -1431,7 +1435,7 @@
           <a:p>
             <a:fld id="{15A59631-E798-A74D-A0F8-ED244256C4A9}" type="datetimeFigureOut">
               <a:rPr lang="en-ES" smtClean="0"/>
-              <a:t>18/5/23</a:t>
+              <a:t>13/6/23</a:t>
             </a:fld>
             <a:endParaRPr lang="en-ES"/>
           </a:p>
@@ -1846,7 +1850,7 @@
           <a:p>
             <a:fld id="{15A59631-E798-A74D-A0F8-ED244256C4A9}" type="datetimeFigureOut">
               <a:rPr lang="en-ES" smtClean="0"/>
-              <a:t>18/5/23</a:t>
+              <a:t>13/6/23</a:t>
             </a:fld>
             <a:endParaRPr lang="en-ES"/>
           </a:p>
@@ -1988,7 +1992,7 @@
           <a:p>
             <a:fld id="{15A59631-E798-A74D-A0F8-ED244256C4A9}" type="datetimeFigureOut">
               <a:rPr lang="en-ES" smtClean="0"/>
-              <a:t>18/5/23</a:t>
+              <a:t>13/6/23</a:t>
             </a:fld>
             <a:endParaRPr lang="en-ES"/>
           </a:p>
@@ -2101,7 +2105,7 @@
           <a:p>
             <a:fld id="{15A59631-E798-A74D-A0F8-ED244256C4A9}" type="datetimeFigureOut">
               <a:rPr lang="en-ES" smtClean="0"/>
-              <a:t>18/5/23</a:t>
+              <a:t>13/6/23</a:t>
             </a:fld>
             <a:endParaRPr lang="en-ES"/>
           </a:p>
@@ -2414,7 +2418,7 @@
           <a:p>
             <a:fld id="{15A59631-E798-A74D-A0F8-ED244256C4A9}" type="datetimeFigureOut">
               <a:rPr lang="en-ES" smtClean="0"/>
-              <a:t>18/5/23</a:t>
+              <a:t>13/6/23</a:t>
             </a:fld>
             <a:endParaRPr lang="en-ES"/>
           </a:p>
@@ -2703,7 +2707,7 @@
           <a:p>
             <a:fld id="{15A59631-E798-A74D-A0F8-ED244256C4A9}" type="datetimeFigureOut">
               <a:rPr lang="en-ES" smtClean="0"/>
-              <a:t>18/5/23</a:t>
+              <a:t>13/6/23</a:t>
             </a:fld>
             <a:endParaRPr lang="en-ES"/>
           </a:p>
@@ -2946,7 +2950,7 @@
           <a:p>
             <a:fld id="{15A59631-E798-A74D-A0F8-ED244256C4A9}" type="datetimeFigureOut">
               <a:rPr lang="en-ES" smtClean="0"/>
-              <a:t>18/5/23</a:t>
+              <a:t>13/6/23</a:t>
             </a:fld>
             <a:endParaRPr lang="en-ES"/>
           </a:p>
@@ -3421,8 +3425,8 @@
           <a:chExt cx="0" cy="0"/>
         </a:xfrm>
       </p:grpSpPr>
-      <mc:AlternateContent xmlns:mc="http://schemas.openxmlformats.org/markup-compatibility/2006">
-        <mc:Choice xmlns:a14="http://schemas.microsoft.com/office/drawing/2010/main" Requires="a14">
+      <mc:AlternateContent xmlns:mc="http://schemas.openxmlformats.org/markup-compatibility/2006" xmlns:a14="http://schemas.microsoft.com/office/drawing/2010/main">
+        <mc:Choice Requires="a14">
           <p:sp>
             <p:nvSpPr>
               <p:cNvPr id="13" name="TextBox 12">
@@ -3626,7 +3630,7 @@
             </p:txBody>
           </p:sp>
         </mc:Choice>
-        <mc:Fallback>
+        <mc:Fallback xmlns="">
           <p:sp>
             <p:nvSpPr>
               <p:cNvPr id="13" name="TextBox 12">
@@ -3968,8 +3972,8 @@
           <a:chExt cx="0" cy="0"/>
         </a:xfrm>
       </p:grpSpPr>
-      <mc:AlternateContent xmlns:mc="http://schemas.openxmlformats.org/markup-compatibility/2006">
-        <mc:Choice xmlns:a14="http://schemas.microsoft.com/office/drawing/2010/main" Requires="a14">
+      <mc:AlternateContent xmlns:mc="http://schemas.openxmlformats.org/markup-compatibility/2006" xmlns:a14="http://schemas.microsoft.com/office/drawing/2010/main">
+        <mc:Choice Requires="a14">
           <p:sp>
             <p:nvSpPr>
               <p:cNvPr id="10" name="TextBox 9">
@@ -4173,7 +4177,7 @@
             </p:txBody>
           </p:sp>
         </mc:Choice>
-        <mc:Fallback>
+        <mc:Fallback xmlns="">
           <p:sp>
             <p:nvSpPr>
               <p:cNvPr id="10" name="TextBox 9">
@@ -4621,8 +4625,8 @@
           </a:prstGeom>
         </p:spPr>
       </p:pic>
-      <mc:AlternateContent xmlns:mc="http://schemas.openxmlformats.org/markup-compatibility/2006">
-        <mc:Choice xmlns:a14="http://schemas.microsoft.com/office/drawing/2010/main" Requires="a14">
+      <mc:AlternateContent xmlns:mc="http://schemas.openxmlformats.org/markup-compatibility/2006" xmlns:a14="http://schemas.microsoft.com/office/drawing/2010/main">
+        <mc:Choice Requires="a14">
           <p:sp>
             <p:nvSpPr>
               <p:cNvPr id="10" name="TextBox 9">
@@ -4826,7 +4830,7 @@
             </p:txBody>
           </p:sp>
         </mc:Choice>
-        <mc:Fallback>
+        <mc:Fallback xmlns="">
           <p:sp>
             <p:nvSpPr>
               <p:cNvPr id="10" name="TextBox 9">
@@ -5140,8 +5144,8 @@
           </a:p>
         </p:txBody>
       </p:sp>
-      <mc:AlternateContent xmlns:mc="http://schemas.openxmlformats.org/markup-compatibility/2006">
-        <mc:Choice xmlns:a14="http://schemas.microsoft.com/office/drawing/2010/main" Requires="a14">
+      <mc:AlternateContent xmlns:mc="http://schemas.openxmlformats.org/markup-compatibility/2006" xmlns:a14="http://schemas.microsoft.com/office/drawing/2010/main">
+        <mc:Choice Requires="a14">
           <p:sp>
             <p:nvSpPr>
               <p:cNvPr id="10" name="TextBox 9">
@@ -5345,7 +5349,7 @@
             </p:txBody>
           </p:sp>
         </mc:Choice>
-        <mc:Fallback>
+        <mc:Fallback xmlns="">
           <p:sp>
             <p:nvSpPr>
               <p:cNvPr id="10" name="TextBox 9">
@@ -5689,8 +5693,8 @@
           </a:p>
         </p:txBody>
       </p:sp>
-      <mc:AlternateContent xmlns:mc="http://schemas.openxmlformats.org/markup-compatibility/2006">
-        <mc:Choice xmlns:a14="http://schemas.microsoft.com/office/drawing/2010/main" Requires="a14">
+      <mc:AlternateContent xmlns:mc="http://schemas.openxmlformats.org/markup-compatibility/2006" xmlns:a14="http://schemas.microsoft.com/office/drawing/2010/main">
+        <mc:Choice Requires="a14">
           <p:sp>
             <p:nvSpPr>
               <p:cNvPr id="10" name="TextBox 9">
@@ -5894,7 +5898,7 @@
             </p:txBody>
           </p:sp>
         </mc:Choice>
-        <mc:Fallback>
+        <mc:Fallback xmlns="">
           <p:sp>
             <p:nvSpPr>
               <p:cNvPr id="10" name="TextBox 9">
@@ -6238,8 +6242,8 @@
           </a:p>
         </p:txBody>
       </p:sp>
-      <mc:AlternateContent xmlns:mc="http://schemas.openxmlformats.org/markup-compatibility/2006">
-        <mc:Choice xmlns:a14="http://schemas.microsoft.com/office/drawing/2010/main" Requires="a14">
+      <mc:AlternateContent xmlns:mc="http://schemas.openxmlformats.org/markup-compatibility/2006" xmlns:a14="http://schemas.microsoft.com/office/drawing/2010/main">
+        <mc:Choice Requires="a14">
           <p:sp>
             <p:nvSpPr>
               <p:cNvPr id="10" name="TextBox 9">
@@ -6443,7 +6447,7 @@
             </p:txBody>
           </p:sp>
         </mc:Choice>
-        <mc:Fallback>
+        <mc:Fallback xmlns="">
           <p:sp>
             <p:nvSpPr>
               <p:cNvPr id="10" name="TextBox 9">
@@ -6502,8 +6506,8 @@
         </p:nvSpPr>
         <p:spPr>
           <a:xfrm flipV="1">
-            <a:off x="7738946" y="2587079"/>
-            <a:ext cx="2985882" cy="267630"/>
+            <a:off x="7716644" y="2833876"/>
+            <a:ext cx="4066384" cy="893171"/>
           </a:xfrm>
           <a:prstGeom prst="frame">
             <a:avLst>
@@ -7090,7 +7094,7 @@
         </p:blipFill>
         <p:spPr>
           <a:xfrm>
-            <a:off x="5981026" y="2586897"/>
+            <a:off x="5855368" y="2586897"/>
             <a:ext cx="4786754" cy="3590066"/>
           </a:xfrm>
           <a:prstGeom prst="rect">
@@ -7137,6 +7141,381 @@
     <p:extLst>
       <p:ext uri="{BB962C8B-B14F-4D97-AF65-F5344CB8AC3E}">
         <p14:creationId xmlns:p14="http://schemas.microsoft.com/office/powerpoint/2010/main" val="2621720825"/>
+      </p:ext>
+    </p:extLst>
+  </p:cSld>
+  <p:clrMapOvr>
+    <a:masterClrMapping/>
+  </p:clrMapOvr>
+</p:sld>
+</file>
+
+<file path=ppt/slides/slide18.xml><?xml version="1.0" encoding="utf-8"?>
+<p:sld xmlns:a="http://schemas.openxmlformats.org/drawingml/2006/main" xmlns:r="http://schemas.openxmlformats.org/officeDocument/2006/relationships" xmlns:p="http://schemas.openxmlformats.org/presentationml/2006/main">
+  <p:cSld>
+    <p:spTree>
+      <p:nvGrpSpPr>
+        <p:cNvPr id="1" name=""/>
+        <p:cNvGrpSpPr/>
+        <p:nvPr/>
+      </p:nvGrpSpPr>
+      <p:grpSpPr>
+        <a:xfrm>
+          <a:off x="0" y="0"/>
+          <a:ext cx="0" cy="0"/>
+          <a:chOff x="0" y="0"/>
+          <a:chExt cx="0" cy="0"/>
+        </a:xfrm>
+      </p:grpSpPr>
+      <p:sp>
+        <p:nvSpPr>
+          <p:cNvPr id="2" name="Title 1">
+            <a:extLst>
+              <a:ext uri="{FF2B5EF4-FFF2-40B4-BE49-F238E27FC236}">
+                <a16:creationId xmlns:a16="http://schemas.microsoft.com/office/drawing/2014/main" id="{C1DFB768-F3CD-7AF6-6BFF-124EC5F306D7}"/>
+              </a:ext>
+            </a:extLst>
+          </p:cNvPr>
+          <p:cNvSpPr>
+            <a:spLocks noGrp="1"/>
+          </p:cNvSpPr>
+          <p:nvPr>
+            <p:ph type="title"/>
+          </p:nvPr>
+        </p:nvSpPr>
+        <p:spPr/>
+        <p:txBody>
+          <a:bodyPr/>
+          <a:lstStyle/>
+          <a:p>
+            <a:r>
+              <a:rPr lang="en-ES" dirty="0"/>
+              <a:t>Results 30-05</a:t>
+            </a:r>
+          </a:p>
+        </p:txBody>
+      </p:sp>
+      <p:sp>
+        <p:nvSpPr>
+          <p:cNvPr id="3" name="Content Placeholder 2">
+            <a:extLst>
+              <a:ext uri="{FF2B5EF4-FFF2-40B4-BE49-F238E27FC236}">
+                <a16:creationId xmlns:a16="http://schemas.microsoft.com/office/drawing/2014/main" id="{6AAACFCD-ACB8-F099-6970-87C4205DE863}"/>
+              </a:ext>
+            </a:extLst>
+          </p:cNvPr>
+          <p:cNvSpPr>
+            <a:spLocks noGrp="1"/>
+          </p:cNvSpPr>
+          <p:nvPr>
+            <p:ph idx="1"/>
+          </p:nvPr>
+        </p:nvSpPr>
+        <p:spPr/>
+        <p:txBody>
+          <a:bodyPr/>
+          <a:lstStyle/>
+          <a:p>
+            <a:r>
+              <a:rPr lang="en-ES" dirty="0"/>
+              <a:t>Why centre repulsive? Effect of degree and edge distance</a:t>
+            </a:r>
+          </a:p>
+          <a:p>
+            <a:pPr marL="0" indent="0">
+              <a:buNone/>
+            </a:pPr>
+            <a:endParaRPr lang="en-ES" dirty="0"/>
+          </a:p>
+          <a:p>
+            <a:r>
+              <a:rPr lang="en-ES" dirty="0"/>
+              <a:t>Origin of harmonic+solenoidal (cyclic) component?</a:t>
+            </a:r>
+          </a:p>
+          <a:p>
+            <a:pPr marL="0" indent="0">
+              <a:buNone/>
+            </a:pPr>
+            <a:endParaRPr lang="en-ES" dirty="0"/>
+          </a:p>
+          <a:p>
+            <a:r>
+              <a:rPr lang="en-ES" dirty="0"/>
+              <a:t>Evolution of cyclic component.</a:t>
+            </a:r>
+          </a:p>
+        </p:txBody>
+      </p:sp>
+    </p:spTree>
+    <p:extLst>
+      <p:ext uri="{BB962C8B-B14F-4D97-AF65-F5344CB8AC3E}">
+        <p14:creationId xmlns:p14="http://schemas.microsoft.com/office/powerpoint/2010/main" val="1730828567"/>
+      </p:ext>
+    </p:extLst>
+  </p:cSld>
+  <p:clrMapOvr>
+    <a:masterClrMapping/>
+  </p:clrMapOvr>
+</p:sld>
+</file>
+
+<file path=ppt/slides/slide19.xml><?xml version="1.0" encoding="utf-8"?>
+<p:sld xmlns:a="http://schemas.openxmlformats.org/drawingml/2006/main" xmlns:r="http://schemas.openxmlformats.org/officeDocument/2006/relationships" xmlns:p="http://schemas.openxmlformats.org/presentationml/2006/main">
+  <p:cSld>
+    <p:spTree>
+      <p:nvGrpSpPr>
+        <p:cNvPr id="1" name=""/>
+        <p:cNvGrpSpPr/>
+        <p:nvPr/>
+      </p:nvGrpSpPr>
+      <p:grpSpPr>
+        <a:xfrm>
+          <a:off x="0" y="0"/>
+          <a:ext cx="0" cy="0"/>
+          <a:chOff x="0" y="0"/>
+          <a:chExt cx="0" cy="0"/>
+        </a:xfrm>
+      </p:grpSpPr>
+      <p:sp>
+        <p:nvSpPr>
+          <p:cNvPr id="2" name="Title 1">
+            <a:extLst>
+              <a:ext uri="{FF2B5EF4-FFF2-40B4-BE49-F238E27FC236}">
+                <a16:creationId xmlns:a16="http://schemas.microsoft.com/office/drawing/2014/main" id="{15609FBD-443F-F323-4A52-678C8DECBD46}"/>
+              </a:ext>
+            </a:extLst>
+          </p:cNvPr>
+          <p:cNvSpPr>
+            <a:spLocks noGrp="1"/>
+          </p:cNvSpPr>
+          <p:nvPr>
+            <p:ph type="title"/>
+          </p:nvPr>
+        </p:nvSpPr>
+        <p:spPr>
+          <a:xfrm>
+            <a:off x="210400" y="-313901"/>
+            <a:ext cx="11212552" cy="1325563"/>
+          </a:xfrm>
+        </p:spPr>
+        <p:txBody>
+          <a:bodyPr/>
+          <a:lstStyle/>
+          <a:p>
+            <a:r>
+              <a:rPr lang="en-ES" dirty="0"/>
+              <a:t>Effect of degree and edge distance in PBC lattice</a:t>
+            </a:r>
+          </a:p>
+        </p:txBody>
+      </p:sp>
+      <p:pic>
+        <p:nvPicPr>
+          <p:cNvPr id="5" name="Content Placeholder 4">
+            <a:extLst>
+              <a:ext uri="{FF2B5EF4-FFF2-40B4-BE49-F238E27FC236}">
+                <a16:creationId xmlns:a16="http://schemas.microsoft.com/office/drawing/2014/main" id="{AFCF1604-A394-A464-87C7-E42FDE4BAFE1}"/>
+              </a:ext>
+            </a:extLst>
+          </p:cNvPr>
+          <p:cNvPicPr>
+            <a:picLocks noGrp="1" noChangeAspect="1"/>
+          </p:cNvPicPr>
+          <p:nvPr>
+            <p:ph idx="1"/>
+          </p:nvPr>
+        </p:nvPicPr>
+        <p:blipFill>
+          <a:blip r:embed="rId2"/>
+          <a:stretch>
+            <a:fillRect/>
+          </a:stretch>
+        </p:blipFill>
+        <p:spPr>
+          <a:xfrm>
+            <a:off x="5974875" y="552788"/>
+            <a:ext cx="5491529" cy="3188138"/>
+          </a:xfrm>
+        </p:spPr>
+      </p:pic>
+      <p:pic>
+        <p:nvPicPr>
+          <p:cNvPr id="7" name="Picture 6">
+            <a:extLst>
+              <a:ext uri="{FF2B5EF4-FFF2-40B4-BE49-F238E27FC236}">
+                <a16:creationId xmlns:a16="http://schemas.microsoft.com/office/drawing/2014/main" id="{D74386CB-7235-1A7D-FD74-76FBC6531B0E}"/>
+              </a:ext>
+            </a:extLst>
+          </p:cNvPr>
+          <p:cNvPicPr>
+            <a:picLocks noChangeAspect="1"/>
+          </p:cNvPicPr>
+          <p:nvPr/>
+        </p:nvPicPr>
+        <p:blipFill>
+          <a:blip r:embed="rId3"/>
+          <a:stretch>
+            <a:fillRect/>
+          </a:stretch>
+        </p:blipFill>
+        <p:spPr>
+          <a:xfrm>
+            <a:off x="141247" y="614147"/>
+            <a:ext cx="5491529" cy="3188137"/>
+          </a:xfrm>
+          <a:prstGeom prst="rect">
+            <a:avLst/>
+          </a:prstGeom>
+        </p:spPr>
+      </p:pic>
+      <p:pic>
+        <p:nvPicPr>
+          <p:cNvPr id="9" name="Picture 8">
+            <a:extLst>
+              <a:ext uri="{FF2B5EF4-FFF2-40B4-BE49-F238E27FC236}">
+                <a16:creationId xmlns:a16="http://schemas.microsoft.com/office/drawing/2014/main" id="{1EB59B8B-A006-19C0-4066-D0C640850EEA}"/>
+              </a:ext>
+            </a:extLst>
+          </p:cNvPr>
+          <p:cNvPicPr>
+            <a:picLocks noChangeAspect="1"/>
+          </p:cNvPicPr>
+          <p:nvPr/>
+        </p:nvPicPr>
+        <p:blipFill>
+          <a:blip r:embed="rId4"/>
+          <a:stretch>
+            <a:fillRect/>
+          </a:stretch>
+        </p:blipFill>
+        <p:spPr>
+          <a:xfrm>
+            <a:off x="3434576" y="3703316"/>
+            <a:ext cx="5491531" cy="3188138"/>
+          </a:xfrm>
+          <a:prstGeom prst="rect">
+            <a:avLst/>
+          </a:prstGeom>
+        </p:spPr>
+      </p:pic>
+      <p:sp>
+        <p:nvSpPr>
+          <p:cNvPr id="10" name="TextBox 9">
+            <a:extLst>
+              <a:ext uri="{FF2B5EF4-FFF2-40B4-BE49-F238E27FC236}">
+                <a16:creationId xmlns:a16="http://schemas.microsoft.com/office/drawing/2014/main" id="{9D79740D-A21D-C514-4848-985B43009313}"/>
+              </a:ext>
+            </a:extLst>
+          </p:cNvPr>
+          <p:cNvSpPr txBox="1"/>
+          <p:nvPr/>
+        </p:nvSpPr>
+        <p:spPr>
+          <a:xfrm>
+            <a:off x="268014" y="3790523"/>
+            <a:ext cx="1403333" cy="369332"/>
+          </a:xfrm>
+          <a:prstGeom prst="rect">
+            <a:avLst/>
+          </a:prstGeom>
+          <a:noFill/>
+        </p:spPr>
+        <p:txBody>
+          <a:bodyPr wrap="none" rtlCol="0">
+            <a:spAutoFit/>
+          </a:bodyPr>
+          <a:lstStyle/>
+          <a:p>
+            <a:r>
+              <a:rPr lang="en-GB" dirty="0"/>
+              <a:t>M</a:t>
+            </a:r>
+            <a:r>
+              <a:rPr lang="en-ES" dirty="0"/>
+              <a:t>ore degree</a:t>
+            </a:r>
+          </a:p>
+        </p:txBody>
+      </p:sp>
+      <p:sp>
+        <p:nvSpPr>
+          <p:cNvPr id="11" name="TextBox 10">
+            <a:extLst>
+              <a:ext uri="{FF2B5EF4-FFF2-40B4-BE49-F238E27FC236}">
+                <a16:creationId xmlns:a16="http://schemas.microsoft.com/office/drawing/2014/main" id="{B403BBA5-196D-2035-10F7-A7E8DE6C3FBF}"/>
+              </a:ext>
+            </a:extLst>
+          </p:cNvPr>
+          <p:cNvSpPr txBox="1"/>
+          <p:nvPr/>
+        </p:nvSpPr>
+        <p:spPr>
+          <a:xfrm>
+            <a:off x="9776297" y="3735933"/>
+            <a:ext cx="1284519" cy="369332"/>
+          </a:xfrm>
+          <a:prstGeom prst="rect">
+            <a:avLst/>
+          </a:prstGeom>
+          <a:noFill/>
+        </p:spPr>
+        <p:txBody>
+          <a:bodyPr wrap="none" rtlCol="0">
+            <a:spAutoFit/>
+          </a:bodyPr>
+          <a:lstStyle/>
+          <a:p>
+            <a:r>
+              <a:rPr lang="en-GB" dirty="0"/>
+              <a:t>L</a:t>
+            </a:r>
+            <a:r>
+              <a:rPr lang="en-ES" dirty="0"/>
+              <a:t>ess degree</a:t>
+            </a:r>
+          </a:p>
+        </p:txBody>
+      </p:sp>
+      <p:sp>
+        <p:nvSpPr>
+          <p:cNvPr id="12" name="TextBox 11">
+            <a:extLst>
+              <a:ext uri="{FF2B5EF4-FFF2-40B4-BE49-F238E27FC236}">
+                <a16:creationId xmlns:a16="http://schemas.microsoft.com/office/drawing/2014/main" id="{3BAFD05C-FD6A-5BED-649E-FDF617756479}"/>
+              </a:ext>
+            </a:extLst>
+          </p:cNvPr>
+          <p:cNvSpPr txBox="1"/>
+          <p:nvPr/>
+        </p:nvSpPr>
+        <p:spPr>
+          <a:xfrm>
+            <a:off x="8609037" y="5181152"/>
+            <a:ext cx="1407950" cy="369332"/>
+          </a:xfrm>
+          <a:prstGeom prst="rect">
+            <a:avLst/>
+          </a:prstGeom>
+          <a:noFill/>
+        </p:spPr>
+        <p:txBody>
+          <a:bodyPr wrap="none" rtlCol="0">
+            <a:spAutoFit/>
+          </a:bodyPr>
+          <a:lstStyle/>
+          <a:p>
+            <a:r>
+              <a:rPr lang="en-ES" dirty="0"/>
+              <a:t>Same degree</a:t>
+            </a:r>
+          </a:p>
+        </p:txBody>
+      </p:sp>
+    </p:spTree>
+    <p:extLst>
+      <p:ext uri="{BB962C8B-B14F-4D97-AF65-F5344CB8AC3E}">
+        <p14:creationId xmlns:p14="http://schemas.microsoft.com/office/powerpoint/2010/main" val="3298473229"/>
       </p:ext>
     </p:extLst>
   </p:cSld>
@@ -7589,6 +7968,706 @@
     <p:extLst>
       <p:ext uri="{BB962C8B-B14F-4D97-AF65-F5344CB8AC3E}">
         <p14:creationId xmlns:p14="http://schemas.microsoft.com/office/powerpoint/2010/main" val="539744445"/>
+      </p:ext>
+    </p:extLst>
+  </p:cSld>
+  <p:clrMapOvr>
+    <a:masterClrMapping/>
+  </p:clrMapOvr>
+</p:sld>
+</file>
+
+<file path=ppt/slides/slide20.xml><?xml version="1.0" encoding="utf-8"?>
+<p:sld xmlns:a="http://schemas.openxmlformats.org/drawingml/2006/main" xmlns:r="http://schemas.openxmlformats.org/officeDocument/2006/relationships" xmlns:p="http://schemas.openxmlformats.org/presentationml/2006/main">
+  <p:cSld>
+    <p:spTree>
+      <p:nvGrpSpPr>
+        <p:cNvPr id="1" name=""/>
+        <p:cNvGrpSpPr/>
+        <p:nvPr/>
+      </p:nvGrpSpPr>
+      <p:grpSpPr>
+        <a:xfrm>
+          <a:off x="0" y="0"/>
+          <a:ext cx="0" cy="0"/>
+          <a:chOff x="0" y="0"/>
+          <a:chExt cx="0" cy="0"/>
+        </a:xfrm>
+      </p:grpSpPr>
+      <p:sp>
+        <p:nvSpPr>
+          <p:cNvPr id="2" name="Title 1">
+            <a:extLst>
+              <a:ext uri="{FF2B5EF4-FFF2-40B4-BE49-F238E27FC236}">
+                <a16:creationId xmlns:a16="http://schemas.microsoft.com/office/drawing/2014/main" id="{AE6A1A53-2E5D-FE9A-278F-10F855521689}"/>
+              </a:ext>
+            </a:extLst>
+          </p:cNvPr>
+          <p:cNvSpPr>
+            <a:spLocks noGrp="1"/>
+          </p:cNvSpPr>
+          <p:nvPr>
+            <p:ph type="title"/>
+          </p:nvPr>
+        </p:nvSpPr>
+        <p:spPr>
+          <a:xfrm>
+            <a:off x="155812" y="-317263"/>
+            <a:ext cx="10515600" cy="1325563"/>
+          </a:xfrm>
+        </p:spPr>
+        <p:txBody>
+          <a:bodyPr/>
+          <a:lstStyle/>
+          <a:p>
+            <a:r>
+              <a:rPr lang="en-ES" dirty="0"/>
+              <a:t>Evolution of cyclic ratio and component</a:t>
+            </a:r>
+          </a:p>
+        </p:txBody>
+      </p:sp>
+      <p:pic>
+        <p:nvPicPr>
+          <p:cNvPr id="13" name="Picture 12">
+            <a:extLst>
+              <a:ext uri="{FF2B5EF4-FFF2-40B4-BE49-F238E27FC236}">
+                <a16:creationId xmlns:a16="http://schemas.microsoft.com/office/drawing/2014/main" id="{7F05D1CB-62B1-C54E-F11C-D0988AE06672}"/>
+              </a:ext>
+            </a:extLst>
+          </p:cNvPr>
+          <p:cNvPicPr>
+            <a:picLocks noChangeAspect="1"/>
+          </p:cNvPicPr>
+          <p:nvPr/>
+        </p:nvPicPr>
+        <p:blipFill>
+          <a:blip r:embed="rId2"/>
+          <a:stretch>
+            <a:fillRect/>
+          </a:stretch>
+        </p:blipFill>
+        <p:spPr>
+          <a:xfrm>
+            <a:off x="3572304" y="3341143"/>
+            <a:ext cx="4689143" cy="3516857"/>
+          </a:xfrm>
+          <a:prstGeom prst="rect">
+            <a:avLst/>
+          </a:prstGeom>
+        </p:spPr>
+      </p:pic>
+      <p:pic>
+        <p:nvPicPr>
+          <p:cNvPr id="9" name="Content Placeholder 8">
+            <a:extLst>
+              <a:ext uri="{FF2B5EF4-FFF2-40B4-BE49-F238E27FC236}">
+                <a16:creationId xmlns:a16="http://schemas.microsoft.com/office/drawing/2014/main" id="{248E71B2-BD41-B856-BEAF-AAAEEE9D8D2E}"/>
+              </a:ext>
+            </a:extLst>
+          </p:cNvPr>
+          <p:cNvPicPr>
+            <a:picLocks noGrp="1" noChangeAspect="1"/>
+          </p:cNvPicPr>
+          <p:nvPr>
+            <p:ph idx="1"/>
+          </p:nvPr>
+        </p:nvPicPr>
+        <p:blipFill>
+          <a:blip r:embed="rId3"/>
+          <a:stretch>
+            <a:fillRect/>
+          </a:stretch>
+        </p:blipFill>
+        <p:spPr>
+          <a:xfrm>
+            <a:off x="79991" y="579498"/>
+            <a:ext cx="4689143" cy="3516857"/>
+          </a:xfrm>
+        </p:spPr>
+      </p:pic>
+      <p:pic>
+        <p:nvPicPr>
+          <p:cNvPr id="11" name="Picture 10">
+            <a:extLst>
+              <a:ext uri="{FF2B5EF4-FFF2-40B4-BE49-F238E27FC236}">
+                <a16:creationId xmlns:a16="http://schemas.microsoft.com/office/drawing/2014/main" id="{A30C0466-D0A1-3BD1-140A-F3A51908452F}"/>
+              </a:ext>
+            </a:extLst>
+          </p:cNvPr>
+          <p:cNvPicPr>
+            <a:picLocks noChangeAspect="1"/>
+          </p:cNvPicPr>
+          <p:nvPr/>
+        </p:nvPicPr>
+        <p:blipFill>
+          <a:blip r:embed="rId4"/>
+          <a:stretch>
+            <a:fillRect/>
+          </a:stretch>
+        </p:blipFill>
+        <p:spPr>
+          <a:xfrm>
+            <a:off x="7471393" y="579498"/>
+            <a:ext cx="4689143" cy="3516857"/>
+          </a:xfrm>
+          <a:prstGeom prst="rect">
+            <a:avLst/>
+          </a:prstGeom>
+        </p:spPr>
+      </p:pic>
+      <p:sp>
+        <p:nvSpPr>
+          <p:cNvPr id="14" name="TextBox 13">
+            <a:extLst>
+              <a:ext uri="{FF2B5EF4-FFF2-40B4-BE49-F238E27FC236}">
+                <a16:creationId xmlns:a16="http://schemas.microsoft.com/office/drawing/2014/main" id="{F69214A8-7232-F939-E591-2B702BC24A9D}"/>
+              </a:ext>
+            </a:extLst>
+          </p:cNvPr>
+          <p:cNvSpPr txBox="1"/>
+          <p:nvPr/>
+        </p:nvSpPr>
+        <p:spPr>
+          <a:xfrm>
+            <a:off x="9962021" y="3911689"/>
+            <a:ext cx="2003369" cy="369332"/>
+          </a:xfrm>
+          <a:prstGeom prst="rect">
+            <a:avLst/>
+          </a:prstGeom>
+          <a:noFill/>
+        </p:spPr>
+        <p:txBody>
+          <a:bodyPr wrap="none" rtlCol="0">
+            <a:spAutoFit/>
+          </a:bodyPr>
+          <a:lstStyle/>
+          <a:p>
+            <a:r>
+              <a:rPr lang="en-GB" dirty="0"/>
+              <a:t>M</a:t>
+            </a:r>
+            <a:r>
+              <a:rPr lang="en-ES" dirty="0"/>
+              <a:t>ean squared flow</a:t>
+            </a:r>
+          </a:p>
+        </p:txBody>
+      </p:sp>
+      <p:sp>
+        <p:nvSpPr>
+          <p:cNvPr id="15" name="TextBox 14">
+            <a:extLst>
+              <a:ext uri="{FF2B5EF4-FFF2-40B4-BE49-F238E27FC236}">
+                <a16:creationId xmlns:a16="http://schemas.microsoft.com/office/drawing/2014/main" id="{717B7D63-5B6E-A57A-B6E6-06B3A4AA6BF2}"/>
+              </a:ext>
+            </a:extLst>
+          </p:cNvPr>
+          <p:cNvSpPr txBox="1"/>
+          <p:nvPr/>
+        </p:nvSpPr>
+        <p:spPr>
+          <a:xfrm>
+            <a:off x="559559" y="3911689"/>
+            <a:ext cx="1521057" cy="369332"/>
+          </a:xfrm>
+          <a:prstGeom prst="rect">
+            <a:avLst/>
+          </a:prstGeom>
+          <a:noFill/>
+        </p:spPr>
+        <p:txBody>
+          <a:bodyPr wrap="none" rtlCol="0">
+            <a:spAutoFit/>
+          </a:bodyPr>
+          <a:lstStyle/>
+          <a:p>
+            <a:r>
+              <a:rPr lang="en-GB" dirty="0"/>
+              <a:t>R</a:t>
+            </a:r>
+            <a:r>
+              <a:rPr lang="en-ES" dirty="0"/>
+              <a:t>atios (loglog)</a:t>
+            </a:r>
+          </a:p>
+        </p:txBody>
+      </p:sp>
+      <p:sp>
+        <p:nvSpPr>
+          <p:cNvPr id="16" name="TextBox 15">
+            <a:extLst>
+              <a:ext uri="{FF2B5EF4-FFF2-40B4-BE49-F238E27FC236}">
+                <a16:creationId xmlns:a16="http://schemas.microsoft.com/office/drawing/2014/main" id="{38FBAE98-614F-D85C-93ED-F6CF6EB3CD7E}"/>
+              </a:ext>
+            </a:extLst>
+          </p:cNvPr>
+          <p:cNvSpPr txBox="1"/>
+          <p:nvPr/>
+        </p:nvSpPr>
+        <p:spPr>
+          <a:xfrm>
+            <a:off x="2308747" y="6093836"/>
+            <a:ext cx="1487395" cy="369332"/>
+          </a:xfrm>
+          <a:prstGeom prst="rect">
+            <a:avLst/>
+          </a:prstGeom>
+          <a:noFill/>
+        </p:spPr>
+        <p:txBody>
+          <a:bodyPr wrap="none" rtlCol="0">
+            <a:spAutoFit/>
+          </a:bodyPr>
+          <a:lstStyle/>
+          <a:p>
+            <a:r>
+              <a:rPr lang="en-GB" dirty="0"/>
+              <a:t>R</a:t>
+            </a:r>
+            <a:r>
+              <a:rPr lang="en-ES" dirty="0"/>
+              <a:t>atios (linear)</a:t>
+            </a:r>
+          </a:p>
+        </p:txBody>
+      </p:sp>
+      <p:sp>
+        <p:nvSpPr>
+          <p:cNvPr id="17" name="TextBox 16">
+            <a:extLst>
+              <a:ext uri="{FF2B5EF4-FFF2-40B4-BE49-F238E27FC236}">
+                <a16:creationId xmlns:a16="http://schemas.microsoft.com/office/drawing/2014/main" id="{4B179F11-DA06-81E6-03A3-9505F4B72DF1}"/>
+              </a:ext>
+            </a:extLst>
+          </p:cNvPr>
+          <p:cNvSpPr txBox="1"/>
+          <p:nvPr/>
+        </p:nvSpPr>
+        <p:spPr>
+          <a:xfrm>
+            <a:off x="9461986" y="4340491"/>
+            <a:ext cx="2698550" cy="923330"/>
+          </a:xfrm>
+          <a:prstGeom prst="rect">
+            <a:avLst/>
+          </a:prstGeom>
+          <a:noFill/>
+        </p:spPr>
+        <p:txBody>
+          <a:bodyPr wrap="square" rtlCol="0">
+            <a:spAutoFit/>
+          </a:bodyPr>
+          <a:lstStyle/>
+          <a:p>
+            <a:r>
+              <a:rPr lang="en-GB" dirty="0"/>
+              <a:t>E</a:t>
+            </a:r>
+            <a:r>
+              <a:rPr lang="en-ES" dirty="0"/>
+              <a:t>volves linearly with t like &lt;x^2&gt; in random walks. Diffusion?</a:t>
+            </a:r>
+          </a:p>
+        </p:txBody>
+      </p:sp>
+      <p:sp>
+        <p:nvSpPr>
+          <p:cNvPr id="3" name="TextBox 2">
+            <a:extLst>
+              <a:ext uri="{FF2B5EF4-FFF2-40B4-BE49-F238E27FC236}">
+                <a16:creationId xmlns:a16="http://schemas.microsoft.com/office/drawing/2014/main" id="{26C6E975-F185-10F9-A6D6-90F91D781CF9}"/>
+              </a:ext>
+            </a:extLst>
+          </p:cNvPr>
+          <p:cNvSpPr txBox="1"/>
+          <p:nvPr/>
+        </p:nvSpPr>
+        <p:spPr>
+          <a:xfrm>
+            <a:off x="5413612" y="1137425"/>
+            <a:ext cx="1288879" cy="369332"/>
+          </a:xfrm>
+          <a:prstGeom prst="rect">
+            <a:avLst/>
+          </a:prstGeom>
+          <a:noFill/>
+        </p:spPr>
+        <p:txBody>
+          <a:bodyPr wrap="none" rtlCol="0">
+            <a:spAutoFit/>
+          </a:bodyPr>
+          <a:lstStyle/>
+          <a:p>
+            <a:r>
+              <a:rPr lang="en-ES" dirty="0"/>
+              <a:t>Erdös-Renyi</a:t>
+            </a:r>
+          </a:p>
+        </p:txBody>
+      </p:sp>
+    </p:spTree>
+    <p:extLst>
+      <p:ext uri="{BB962C8B-B14F-4D97-AF65-F5344CB8AC3E}">
+        <p14:creationId xmlns:p14="http://schemas.microsoft.com/office/powerpoint/2010/main" val="1571029049"/>
+      </p:ext>
+    </p:extLst>
+  </p:cSld>
+  <p:clrMapOvr>
+    <a:masterClrMapping/>
+  </p:clrMapOvr>
+</p:sld>
+</file>
+
+<file path=ppt/slides/slide21.xml><?xml version="1.0" encoding="utf-8"?>
+<p:sld xmlns:a="http://schemas.openxmlformats.org/drawingml/2006/main" xmlns:r="http://schemas.openxmlformats.org/officeDocument/2006/relationships" xmlns:p="http://schemas.openxmlformats.org/presentationml/2006/main">
+  <p:cSld>
+    <p:spTree>
+      <p:nvGrpSpPr>
+        <p:cNvPr id="1" name=""/>
+        <p:cNvGrpSpPr/>
+        <p:nvPr/>
+      </p:nvGrpSpPr>
+      <p:grpSpPr>
+        <a:xfrm>
+          <a:off x="0" y="0"/>
+          <a:ext cx="0" cy="0"/>
+          <a:chOff x="0" y="0"/>
+          <a:chExt cx="0" cy="0"/>
+        </a:xfrm>
+      </p:grpSpPr>
+      <p:pic>
+        <p:nvPicPr>
+          <p:cNvPr id="9" name="Content Placeholder 8">
+            <a:extLst>
+              <a:ext uri="{FF2B5EF4-FFF2-40B4-BE49-F238E27FC236}">
+                <a16:creationId xmlns:a16="http://schemas.microsoft.com/office/drawing/2014/main" id="{248E71B2-BD41-B856-BEAF-AAAEEE9D8D2E}"/>
+              </a:ext>
+            </a:extLst>
+          </p:cNvPr>
+          <p:cNvPicPr>
+            <a:picLocks noGrp="1" noChangeAspect="1"/>
+          </p:cNvPicPr>
+          <p:nvPr>
+            <p:ph idx="1"/>
+          </p:nvPr>
+        </p:nvPicPr>
+        <p:blipFill>
+          <a:blip r:embed="rId2"/>
+          <a:srcRect/>
+          <a:stretch/>
+        </p:blipFill>
+        <p:spPr>
+          <a:xfrm>
+            <a:off x="79991" y="367629"/>
+            <a:ext cx="4689143" cy="3516857"/>
+          </a:xfrm>
+        </p:spPr>
+      </p:pic>
+      <p:pic>
+        <p:nvPicPr>
+          <p:cNvPr id="11" name="Picture 10">
+            <a:extLst>
+              <a:ext uri="{FF2B5EF4-FFF2-40B4-BE49-F238E27FC236}">
+                <a16:creationId xmlns:a16="http://schemas.microsoft.com/office/drawing/2014/main" id="{A30C0466-D0A1-3BD1-140A-F3A51908452F}"/>
+              </a:ext>
+            </a:extLst>
+          </p:cNvPr>
+          <p:cNvPicPr>
+            <a:picLocks noChangeAspect="1"/>
+          </p:cNvPicPr>
+          <p:nvPr/>
+        </p:nvPicPr>
+        <p:blipFill>
+          <a:blip r:embed="rId3"/>
+          <a:srcRect/>
+          <a:stretch/>
+        </p:blipFill>
+        <p:spPr>
+          <a:xfrm>
+            <a:off x="7471393" y="389926"/>
+            <a:ext cx="4689142" cy="3516856"/>
+          </a:xfrm>
+          <a:prstGeom prst="rect">
+            <a:avLst/>
+          </a:prstGeom>
+        </p:spPr>
+      </p:pic>
+      <p:sp>
+        <p:nvSpPr>
+          <p:cNvPr id="2" name="Title 1">
+            <a:extLst>
+              <a:ext uri="{FF2B5EF4-FFF2-40B4-BE49-F238E27FC236}">
+                <a16:creationId xmlns:a16="http://schemas.microsoft.com/office/drawing/2014/main" id="{AE6A1A53-2E5D-FE9A-278F-10F855521689}"/>
+              </a:ext>
+            </a:extLst>
+          </p:cNvPr>
+          <p:cNvSpPr>
+            <a:spLocks noGrp="1"/>
+          </p:cNvSpPr>
+          <p:nvPr>
+            <p:ph type="title"/>
+          </p:nvPr>
+        </p:nvSpPr>
+        <p:spPr>
+          <a:xfrm>
+            <a:off x="155812" y="-428773"/>
+            <a:ext cx="10515600" cy="1325563"/>
+          </a:xfrm>
+        </p:spPr>
+        <p:txBody>
+          <a:bodyPr/>
+          <a:lstStyle/>
+          <a:p>
+            <a:r>
+              <a:rPr lang="en-ES" dirty="0"/>
+              <a:t>Evolution of cyclic ratio and component</a:t>
+            </a:r>
+          </a:p>
+        </p:txBody>
+      </p:sp>
+      <p:pic>
+        <p:nvPicPr>
+          <p:cNvPr id="13" name="Picture 12">
+            <a:extLst>
+              <a:ext uri="{FF2B5EF4-FFF2-40B4-BE49-F238E27FC236}">
+                <a16:creationId xmlns:a16="http://schemas.microsoft.com/office/drawing/2014/main" id="{7F05D1CB-62B1-C54E-F11C-D0988AE06672}"/>
+              </a:ext>
+            </a:extLst>
+          </p:cNvPr>
+          <p:cNvPicPr>
+            <a:picLocks noChangeAspect="1"/>
+          </p:cNvPicPr>
+          <p:nvPr/>
+        </p:nvPicPr>
+        <p:blipFill>
+          <a:blip r:embed="rId4"/>
+          <a:srcRect/>
+          <a:stretch/>
+        </p:blipFill>
+        <p:spPr>
+          <a:xfrm>
+            <a:off x="3516549" y="3396897"/>
+            <a:ext cx="4689142" cy="3516857"/>
+          </a:xfrm>
+          <a:prstGeom prst="rect">
+            <a:avLst/>
+          </a:prstGeom>
+        </p:spPr>
+      </p:pic>
+      <p:sp>
+        <p:nvSpPr>
+          <p:cNvPr id="14" name="TextBox 13">
+            <a:extLst>
+              <a:ext uri="{FF2B5EF4-FFF2-40B4-BE49-F238E27FC236}">
+                <a16:creationId xmlns:a16="http://schemas.microsoft.com/office/drawing/2014/main" id="{F69214A8-7232-F939-E591-2B702BC24A9D}"/>
+              </a:ext>
+            </a:extLst>
+          </p:cNvPr>
+          <p:cNvSpPr txBox="1"/>
+          <p:nvPr/>
+        </p:nvSpPr>
+        <p:spPr>
+          <a:xfrm>
+            <a:off x="9962021" y="3911689"/>
+            <a:ext cx="2003369" cy="369332"/>
+          </a:xfrm>
+          <a:prstGeom prst="rect">
+            <a:avLst/>
+          </a:prstGeom>
+          <a:noFill/>
+        </p:spPr>
+        <p:txBody>
+          <a:bodyPr wrap="none" rtlCol="0">
+            <a:spAutoFit/>
+          </a:bodyPr>
+          <a:lstStyle/>
+          <a:p>
+            <a:r>
+              <a:rPr lang="en-GB" dirty="0"/>
+              <a:t>M</a:t>
+            </a:r>
+            <a:r>
+              <a:rPr lang="en-ES" dirty="0"/>
+              <a:t>ean squared flow</a:t>
+            </a:r>
+          </a:p>
+        </p:txBody>
+      </p:sp>
+      <p:sp>
+        <p:nvSpPr>
+          <p:cNvPr id="15" name="TextBox 14">
+            <a:extLst>
+              <a:ext uri="{FF2B5EF4-FFF2-40B4-BE49-F238E27FC236}">
+                <a16:creationId xmlns:a16="http://schemas.microsoft.com/office/drawing/2014/main" id="{717B7D63-5B6E-A57A-B6E6-06B3A4AA6BF2}"/>
+              </a:ext>
+            </a:extLst>
+          </p:cNvPr>
+          <p:cNvSpPr txBox="1"/>
+          <p:nvPr/>
+        </p:nvSpPr>
+        <p:spPr>
+          <a:xfrm>
+            <a:off x="559559" y="3911689"/>
+            <a:ext cx="1521057" cy="369332"/>
+          </a:xfrm>
+          <a:prstGeom prst="rect">
+            <a:avLst/>
+          </a:prstGeom>
+          <a:noFill/>
+        </p:spPr>
+        <p:txBody>
+          <a:bodyPr wrap="none" rtlCol="0">
+            <a:spAutoFit/>
+          </a:bodyPr>
+          <a:lstStyle/>
+          <a:p>
+            <a:r>
+              <a:rPr lang="en-GB" dirty="0"/>
+              <a:t>R</a:t>
+            </a:r>
+            <a:r>
+              <a:rPr lang="en-ES" dirty="0"/>
+              <a:t>atios (loglog)</a:t>
+            </a:r>
+          </a:p>
+        </p:txBody>
+      </p:sp>
+      <p:sp>
+        <p:nvSpPr>
+          <p:cNvPr id="16" name="TextBox 15">
+            <a:extLst>
+              <a:ext uri="{FF2B5EF4-FFF2-40B4-BE49-F238E27FC236}">
+                <a16:creationId xmlns:a16="http://schemas.microsoft.com/office/drawing/2014/main" id="{38FBAE98-614F-D85C-93ED-F6CF6EB3CD7E}"/>
+              </a:ext>
+            </a:extLst>
+          </p:cNvPr>
+          <p:cNvSpPr txBox="1"/>
+          <p:nvPr/>
+        </p:nvSpPr>
+        <p:spPr>
+          <a:xfrm>
+            <a:off x="2308747" y="6093836"/>
+            <a:ext cx="1487395" cy="369332"/>
+          </a:xfrm>
+          <a:prstGeom prst="rect">
+            <a:avLst/>
+          </a:prstGeom>
+          <a:noFill/>
+        </p:spPr>
+        <p:txBody>
+          <a:bodyPr wrap="none" rtlCol="0">
+            <a:spAutoFit/>
+          </a:bodyPr>
+          <a:lstStyle/>
+          <a:p>
+            <a:r>
+              <a:rPr lang="en-GB" dirty="0"/>
+              <a:t>R</a:t>
+            </a:r>
+            <a:r>
+              <a:rPr lang="en-ES" dirty="0"/>
+              <a:t>atios (linear)</a:t>
+            </a:r>
+          </a:p>
+        </p:txBody>
+      </p:sp>
+      <p:sp>
+        <p:nvSpPr>
+          <p:cNvPr id="17" name="TextBox 16">
+            <a:extLst>
+              <a:ext uri="{FF2B5EF4-FFF2-40B4-BE49-F238E27FC236}">
+                <a16:creationId xmlns:a16="http://schemas.microsoft.com/office/drawing/2014/main" id="{4B179F11-DA06-81E6-03A3-9505F4B72DF1}"/>
+              </a:ext>
+            </a:extLst>
+          </p:cNvPr>
+          <p:cNvSpPr txBox="1"/>
+          <p:nvPr/>
+        </p:nvSpPr>
+        <p:spPr>
+          <a:xfrm>
+            <a:off x="9055209" y="4637906"/>
+            <a:ext cx="2698550" cy="369332"/>
+          </a:xfrm>
+          <a:prstGeom prst="rect">
+            <a:avLst/>
+          </a:prstGeom>
+          <a:noFill/>
+        </p:spPr>
+        <p:txBody>
+          <a:bodyPr wrap="square" rtlCol="0">
+            <a:spAutoFit/>
+          </a:bodyPr>
+          <a:lstStyle/>
+          <a:p>
+            <a:r>
+              <a:rPr lang="es-ES" dirty="0" err="1"/>
+              <a:t>Cyclic</a:t>
+            </a:r>
+            <a:r>
+              <a:rPr lang="es-ES" dirty="0"/>
+              <a:t> </a:t>
+            </a:r>
+            <a:r>
+              <a:rPr lang="es-ES" dirty="0" err="1"/>
+              <a:t>not</a:t>
+            </a:r>
+            <a:r>
+              <a:rPr lang="es-ES" dirty="0"/>
+              <a:t> </a:t>
+            </a:r>
+            <a:r>
+              <a:rPr lang="es-ES" dirty="0" err="1"/>
+              <a:t>entirely</a:t>
+            </a:r>
+            <a:r>
+              <a:rPr lang="es-ES" dirty="0"/>
+              <a:t> linear</a:t>
+            </a:r>
+            <a:endParaRPr lang="en-ES" dirty="0"/>
+          </a:p>
+        </p:txBody>
+      </p:sp>
+      <p:sp>
+        <p:nvSpPr>
+          <p:cNvPr id="3" name="TextBox 2">
+            <a:extLst>
+              <a:ext uri="{FF2B5EF4-FFF2-40B4-BE49-F238E27FC236}">
+                <a16:creationId xmlns:a16="http://schemas.microsoft.com/office/drawing/2014/main" id="{26C6E975-F185-10F9-A6D6-90F91D781CF9}"/>
+              </a:ext>
+            </a:extLst>
+          </p:cNvPr>
+          <p:cNvSpPr txBox="1"/>
+          <p:nvPr/>
+        </p:nvSpPr>
+        <p:spPr>
+          <a:xfrm>
+            <a:off x="5413612" y="1137425"/>
+            <a:ext cx="1200393" cy="369332"/>
+          </a:xfrm>
+          <a:prstGeom prst="rect">
+            <a:avLst/>
+          </a:prstGeom>
+          <a:noFill/>
+        </p:spPr>
+        <p:txBody>
+          <a:bodyPr wrap="none" rtlCol="0">
+            <a:spAutoFit/>
+          </a:bodyPr>
+          <a:lstStyle/>
+          <a:p>
+            <a:r>
+              <a:rPr lang="en-ES" dirty="0"/>
+              <a:t>PBC-lattice</a:t>
+            </a:r>
+          </a:p>
+        </p:txBody>
+      </p:sp>
+    </p:spTree>
+    <p:extLst>
+      <p:ext uri="{BB962C8B-B14F-4D97-AF65-F5344CB8AC3E}">
+        <p14:creationId xmlns:p14="http://schemas.microsoft.com/office/powerpoint/2010/main" val="2802218003"/>
       </p:ext>
     </p:extLst>
   </p:cSld>
@@ -9701,8 +10780,8 @@
           </a:p>
         </p:txBody>
       </p:sp>
-      <mc:AlternateContent xmlns:mc="http://schemas.openxmlformats.org/markup-compatibility/2006">
-        <mc:Choice xmlns:a14="http://schemas.microsoft.com/office/drawing/2010/main" Requires="a14">
+      <mc:AlternateContent xmlns:mc="http://schemas.openxmlformats.org/markup-compatibility/2006" xmlns:a14="http://schemas.microsoft.com/office/drawing/2010/main">
+        <mc:Choice Requires="a14">
           <p:sp>
             <p:nvSpPr>
               <p:cNvPr id="7" name="TextBox 6">
@@ -9906,7 +10985,7 @@
             </p:txBody>
           </p:sp>
         </mc:Choice>
-        <mc:Fallback>
+        <mc:Fallback xmlns="">
           <p:sp>
             <p:nvSpPr>
               <p:cNvPr id="7" name="TextBox 6">

--- a/results_04_05.pptx
+++ b/results_04_05.pptx
@@ -281,7 +281,7 @@
           <a:p>
             <a:fld id="{15A59631-E798-A74D-A0F8-ED244256C4A9}" type="datetimeFigureOut">
               <a:rPr lang="en-ES" smtClean="0"/>
-              <a:t>13/6/23</a:t>
+              <a:t>16/6/23</a:t>
             </a:fld>
             <a:endParaRPr lang="en-ES"/>
           </a:p>
@@ -481,7 +481,7 @@
           <a:p>
             <a:fld id="{15A59631-E798-A74D-A0F8-ED244256C4A9}" type="datetimeFigureOut">
               <a:rPr lang="en-ES" smtClean="0"/>
-              <a:t>13/6/23</a:t>
+              <a:t>16/6/23</a:t>
             </a:fld>
             <a:endParaRPr lang="en-ES"/>
           </a:p>
@@ -691,7 +691,7 @@
           <a:p>
             <a:fld id="{15A59631-E798-A74D-A0F8-ED244256C4A9}" type="datetimeFigureOut">
               <a:rPr lang="en-ES" smtClean="0"/>
-              <a:t>13/6/23</a:t>
+              <a:t>16/6/23</a:t>
             </a:fld>
             <a:endParaRPr lang="en-ES"/>
           </a:p>
@@ -891,7 +891,7 @@
           <a:p>
             <a:fld id="{15A59631-E798-A74D-A0F8-ED244256C4A9}" type="datetimeFigureOut">
               <a:rPr lang="en-ES" smtClean="0"/>
-              <a:t>13/6/23</a:t>
+              <a:t>16/6/23</a:t>
             </a:fld>
             <a:endParaRPr lang="en-ES"/>
           </a:p>
@@ -1167,7 +1167,7 @@
           <a:p>
             <a:fld id="{15A59631-E798-A74D-A0F8-ED244256C4A9}" type="datetimeFigureOut">
               <a:rPr lang="en-ES" smtClean="0"/>
-              <a:t>13/6/23</a:t>
+              <a:t>16/6/23</a:t>
             </a:fld>
             <a:endParaRPr lang="en-ES"/>
           </a:p>
@@ -1435,7 +1435,7 @@
           <a:p>
             <a:fld id="{15A59631-E798-A74D-A0F8-ED244256C4A9}" type="datetimeFigureOut">
               <a:rPr lang="en-ES" smtClean="0"/>
-              <a:t>13/6/23</a:t>
+              <a:t>16/6/23</a:t>
             </a:fld>
             <a:endParaRPr lang="en-ES"/>
           </a:p>
@@ -1850,7 +1850,7 @@
           <a:p>
             <a:fld id="{15A59631-E798-A74D-A0F8-ED244256C4A9}" type="datetimeFigureOut">
               <a:rPr lang="en-ES" smtClean="0"/>
-              <a:t>13/6/23</a:t>
+              <a:t>16/6/23</a:t>
             </a:fld>
             <a:endParaRPr lang="en-ES"/>
           </a:p>
@@ -1992,7 +1992,7 @@
           <a:p>
             <a:fld id="{15A59631-E798-A74D-A0F8-ED244256C4A9}" type="datetimeFigureOut">
               <a:rPr lang="en-ES" smtClean="0"/>
-              <a:t>13/6/23</a:t>
+              <a:t>16/6/23</a:t>
             </a:fld>
             <a:endParaRPr lang="en-ES"/>
           </a:p>
@@ -2105,7 +2105,7 @@
           <a:p>
             <a:fld id="{15A59631-E798-A74D-A0F8-ED244256C4A9}" type="datetimeFigureOut">
               <a:rPr lang="en-ES" smtClean="0"/>
-              <a:t>13/6/23</a:t>
+              <a:t>16/6/23</a:t>
             </a:fld>
             <a:endParaRPr lang="en-ES"/>
           </a:p>
@@ -2418,7 +2418,7 @@
           <a:p>
             <a:fld id="{15A59631-E798-A74D-A0F8-ED244256C4A9}" type="datetimeFigureOut">
               <a:rPr lang="en-ES" smtClean="0"/>
-              <a:t>13/6/23</a:t>
+              <a:t>16/6/23</a:t>
             </a:fld>
             <a:endParaRPr lang="en-ES"/>
           </a:p>
@@ -2707,7 +2707,7 @@
           <a:p>
             <a:fld id="{15A59631-E798-A74D-A0F8-ED244256C4A9}" type="datetimeFigureOut">
               <a:rPr lang="en-ES" smtClean="0"/>
-              <a:t>13/6/23</a:t>
+              <a:t>16/6/23</a:t>
             </a:fld>
             <a:endParaRPr lang="en-ES"/>
           </a:p>
@@ -2950,7 +2950,7 @@
           <a:p>
             <a:fld id="{15A59631-E798-A74D-A0F8-ED244256C4A9}" type="datetimeFigureOut">
               <a:rPr lang="en-ES" smtClean="0"/>
-              <a:t>13/6/23</a:t>
+              <a:t>16/6/23</a:t>
             </a:fld>
             <a:endParaRPr lang="en-ES"/>
           </a:p>
@@ -8360,7 +8360,7 @@
         </p:blipFill>
         <p:spPr>
           <a:xfrm>
-            <a:off x="79991" y="367629"/>
+            <a:off x="120568" y="-55754"/>
             <a:ext cx="4689143" cy="3516857"/>
           </a:xfrm>
         </p:spPr>

--- a/results_04_05.pptx
+++ b/results_04_05.pptx
@@ -26,6 +26,10 @@
     <p:sldId id="280" r:id="rId20"/>
     <p:sldId id="281" r:id="rId21"/>
     <p:sldId id="282" r:id="rId22"/>
+    <p:sldId id="283" r:id="rId23"/>
+    <p:sldId id="284" r:id="rId24"/>
+    <p:sldId id="285" r:id="rId25"/>
+    <p:sldId id="286" r:id="rId26"/>
   </p:sldIdLst>
   <p:sldSz cx="12192000" cy="6858000"/>
   <p:notesSz cx="6858000" cy="9144000"/>
@@ -281,7 +285,7 @@
           <a:p>
             <a:fld id="{15A59631-E798-A74D-A0F8-ED244256C4A9}" type="datetimeFigureOut">
               <a:rPr lang="en-ES" smtClean="0"/>
-              <a:t>16/6/23</a:t>
+              <a:t>25/7/23</a:t>
             </a:fld>
             <a:endParaRPr lang="en-ES"/>
           </a:p>
@@ -481,7 +485,7 @@
           <a:p>
             <a:fld id="{15A59631-E798-A74D-A0F8-ED244256C4A9}" type="datetimeFigureOut">
               <a:rPr lang="en-ES" smtClean="0"/>
-              <a:t>16/6/23</a:t>
+              <a:t>25/7/23</a:t>
             </a:fld>
             <a:endParaRPr lang="en-ES"/>
           </a:p>
@@ -691,7 +695,7 @@
           <a:p>
             <a:fld id="{15A59631-E798-A74D-A0F8-ED244256C4A9}" type="datetimeFigureOut">
               <a:rPr lang="en-ES" smtClean="0"/>
-              <a:t>16/6/23</a:t>
+              <a:t>25/7/23</a:t>
             </a:fld>
             <a:endParaRPr lang="en-ES"/>
           </a:p>
@@ -891,7 +895,7 @@
           <a:p>
             <a:fld id="{15A59631-E798-A74D-A0F8-ED244256C4A9}" type="datetimeFigureOut">
               <a:rPr lang="en-ES" smtClean="0"/>
-              <a:t>16/6/23</a:t>
+              <a:t>25/7/23</a:t>
             </a:fld>
             <a:endParaRPr lang="en-ES"/>
           </a:p>
@@ -1167,7 +1171,7 @@
           <a:p>
             <a:fld id="{15A59631-E798-A74D-A0F8-ED244256C4A9}" type="datetimeFigureOut">
               <a:rPr lang="en-ES" smtClean="0"/>
-              <a:t>16/6/23</a:t>
+              <a:t>25/7/23</a:t>
             </a:fld>
             <a:endParaRPr lang="en-ES"/>
           </a:p>
@@ -1435,7 +1439,7 @@
           <a:p>
             <a:fld id="{15A59631-E798-A74D-A0F8-ED244256C4A9}" type="datetimeFigureOut">
               <a:rPr lang="en-ES" smtClean="0"/>
-              <a:t>16/6/23</a:t>
+              <a:t>25/7/23</a:t>
             </a:fld>
             <a:endParaRPr lang="en-ES"/>
           </a:p>
@@ -1850,7 +1854,7 @@
           <a:p>
             <a:fld id="{15A59631-E798-A74D-A0F8-ED244256C4A9}" type="datetimeFigureOut">
               <a:rPr lang="en-ES" smtClean="0"/>
-              <a:t>16/6/23</a:t>
+              <a:t>25/7/23</a:t>
             </a:fld>
             <a:endParaRPr lang="en-ES"/>
           </a:p>
@@ -1992,7 +1996,7 @@
           <a:p>
             <a:fld id="{15A59631-E798-A74D-A0F8-ED244256C4A9}" type="datetimeFigureOut">
               <a:rPr lang="en-ES" smtClean="0"/>
-              <a:t>16/6/23</a:t>
+              <a:t>25/7/23</a:t>
             </a:fld>
             <a:endParaRPr lang="en-ES"/>
           </a:p>
@@ -2105,7 +2109,7 @@
           <a:p>
             <a:fld id="{15A59631-E798-A74D-A0F8-ED244256C4A9}" type="datetimeFigureOut">
               <a:rPr lang="en-ES" smtClean="0"/>
-              <a:t>16/6/23</a:t>
+              <a:t>25/7/23</a:t>
             </a:fld>
             <a:endParaRPr lang="en-ES"/>
           </a:p>
@@ -2418,7 +2422,7 @@
           <a:p>
             <a:fld id="{15A59631-E798-A74D-A0F8-ED244256C4A9}" type="datetimeFigureOut">
               <a:rPr lang="en-ES" smtClean="0"/>
-              <a:t>16/6/23</a:t>
+              <a:t>25/7/23</a:t>
             </a:fld>
             <a:endParaRPr lang="en-ES"/>
           </a:p>
@@ -2707,7 +2711,7 @@
           <a:p>
             <a:fld id="{15A59631-E798-A74D-A0F8-ED244256C4A9}" type="datetimeFigureOut">
               <a:rPr lang="en-ES" smtClean="0"/>
-              <a:t>16/6/23</a:t>
+              <a:t>25/7/23</a:t>
             </a:fld>
             <a:endParaRPr lang="en-ES"/>
           </a:p>
@@ -2950,7 +2954,7 @@
           <a:p>
             <a:fld id="{15A59631-E798-A74D-A0F8-ED244256C4A9}" type="datetimeFigureOut">
               <a:rPr lang="en-ES" smtClean="0"/>
-              <a:t>16/6/23</a:t>
+              <a:t>25/7/23</a:t>
             </a:fld>
             <a:endParaRPr lang="en-ES"/>
           </a:p>
@@ -3390,7 +3394,7 @@
           <a:p>
             <a:r>
               <a:rPr lang="en-ES" dirty="0"/>
-              <a:t>Results update 18-05</a:t>
+              <a:t>Results update 24-06</a:t>
             </a:r>
           </a:p>
         </p:txBody>
@@ -8360,7 +8364,7 @@
         </p:blipFill>
         <p:spPr>
           <a:xfrm>
-            <a:off x="120568" y="-55754"/>
+            <a:off x="120568" y="234008"/>
             <a:ext cx="4689143" cy="3516857"/>
           </a:xfrm>
         </p:spPr>
@@ -8668,6 +8672,1038 @@
     <p:extLst>
       <p:ext uri="{BB962C8B-B14F-4D97-AF65-F5344CB8AC3E}">
         <p14:creationId xmlns:p14="http://schemas.microsoft.com/office/powerpoint/2010/main" val="2802218003"/>
+      </p:ext>
+    </p:extLst>
+  </p:cSld>
+  <p:clrMapOvr>
+    <a:masterClrMapping/>
+  </p:clrMapOvr>
+</p:sld>
+</file>
+
+<file path=ppt/slides/slide22.xml><?xml version="1.0" encoding="utf-8"?>
+<p:sld xmlns:a="http://schemas.openxmlformats.org/drawingml/2006/main" xmlns:r="http://schemas.openxmlformats.org/officeDocument/2006/relationships" xmlns:p="http://schemas.openxmlformats.org/presentationml/2006/main">
+  <p:cSld>
+    <p:spTree>
+      <p:nvGrpSpPr>
+        <p:cNvPr id="1" name=""/>
+        <p:cNvGrpSpPr/>
+        <p:nvPr/>
+      </p:nvGrpSpPr>
+      <p:grpSpPr>
+        <a:xfrm>
+          <a:off x="0" y="0"/>
+          <a:ext cx="0" cy="0"/>
+          <a:chOff x="0" y="0"/>
+          <a:chExt cx="0" cy="0"/>
+        </a:xfrm>
+      </p:grpSpPr>
+      <p:sp>
+        <p:nvSpPr>
+          <p:cNvPr id="2" name="Title 1">
+            <a:extLst>
+              <a:ext uri="{FF2B5EF4-FFF2-40B4-BE49-F238E27FC236}">
+                <a16:creationId xmlns:a16="http://schemas.microsoft.com/office/drawing/2014/main" id="{9B1BA5CB-EDFA-1124-5FB4-ECBF674C7D5A}"/>
+              </a:ext>
+            </a:extLst>
+          </p:cNvPr>
+          <p:cNvSpPr>
+            <a:spLocks noGrp="1"/>
+          </p:cNvSpPr>
+          <p:nvPr>
+            <p:ph type="title"/>
+          </p:nvPr>
+        </p:nvSpPr>
+        <p:spPr>
+          <a:xfrm>
+            <a:off x="363638" y="-343585"/>
+            <a:ext cx="10515600" cy="1325563"/>
+          </a:xfrm>
+        </p:spPr>
+        <p:txBody>
+          <a:bodyPr/>
+          <a:lstStyle/>
+          <a:p>
+            <a:r>
+              <a:rPr lang="en-ES" dirty="0"/>
+              <a:t>Correction of edge-centric</a:t>
+            </a:r>
+          </a:p>
+        </p:txBody>
+      </p:sp>
+      <p:pic>
+        <p:nvPicPr>
+          <p:cNvPr id="5" name="Picture 4">
+            <a:extLst>
+              <a:ext uri="{FF2B5EF4-FFF2-40B4-BE49-F238E27FC236}">
+                <a16:creationId xmlns:a16="http://schemas.microsoft.com/office/drawing/2014/main" id="{2CEBCD37-8A82-9E7E-5B85-FDF82C1E4395}"/>
+              </a:ext>
+            </a:extLst>
+          </p:cNvPr>
+          <p:cNvPicPr>
+            <a:picLocks noChangeAspect="1"/>
+          </p:cNvPicPr>
+          <p:nvPr/>
+        </p:nvPicPr>
+        <p:blipFill>
+          <a:blip r:embed="rId2"/>
+          <a:stretch>
+            <a:fillRect/>
+          </a:stretch>
+        </p:blipFill>
+        <p:spPr>
+          <a:xfrm>
+            <a:off x="612009" y="3738623"/>
+            <a:ext cx="4159169" cy="3119377"/>
+          </a:xfrm>
+          <a:prstGeom prst="rect">
+            <a:avLst/>
+          </a:prstGeom>
+        </p:spPr>
+      </p:pic>
+      <p:pic>
+        <p:nvPicPr>
+          <p:cNvPr id="7" name="Picture 6">
+            <a:extLst>
+              <a:ext uri="{FF2B5EF4-FFF2-40B4-BE49-F238E27FC236}">
+                <a16:creationId xmlns:a16="http://schemas.microsoft.com/office/drawing/2014/main" id="{1B28AAFC-75BC-74C3-FCA6-58EB8909B14D}"/>
+              </a:ext>
+            </a:extLst>
+          </p:cNvPr>
+          <p:cNvPicPr>
+            <a:picLocks noChangeAspect="1"/>
+          </p:cNvPicPr>
+          <p:nvPr/>
+        </p:nvPicPr>
+        <p:blipFill>
+          <a:blip r:embed="rId3"/>
+          <a:stretch>
+            <a:fillRect/>
+          </a:stretch>
+        </p:blipFill>
+        <p:spPr>
+          <a:xfrm>
+            <a:off x="761032" y="842782"/>
+            <a:ext cx="3861121" cy="2895841"/>
+          </a:xfrm>
+          <a:prstGeom prst="rect">
+            <a:avLst/>
+          </a:prstGeom>
+        </p:spPr>
+      </p:pic>
+      <p:sp>
+        <p:nvSpPr>
+          <p:cNvPr id="8" name="TextBox 7">
+            <a:extLst>
+              <a:ext uri="{FF2B5EF4-FFF2-40B4-BE49-F238E27FC236}">
+                <a16:creationId xmlns:a16="http://schemas.microsoft.com/office/drawing/2014/main" id="{1B9826A7-C52E-F21D-02C8-5E951C065A10}"/>
+              </a:ext>
+            </a:extLst>
+          </p:cNvPr>
+          <p:cNvSpPr txBox="1"/>
+          <p:nvPr/>
+        </p:nvSpPr>
+        <p:spPr>
+          <a:xfrm>
+            <a:off x="1929114" y="619246"/>
+            <a:ext cx="1973682" cy="369332"/>
+          </a:xfrm>
+          <a:prstGeom prst="rect">
+            <a:avLst/>
+          </a:prstGeom>
+          <a:noFill/>
+        </p:spPr>
+        <p:txBody>
+          <a:bodyPr wrap="none" rtlCol="0">
+            <a:spAutoFit/>
+          </a:bodyPr>
+          <a:lstStyle/>
+          <a:p>
+            <a:r>
+              <a:rPr lang="en-ES" dirty="0"/>
+              <a:t>Random geometric</a:t>
+            </a:r>
+          </a:p>
+        </p:txBody>
+      </p:sp>
+      <p:pic>
+        <p:nvPicPr>
+          <p:cNvPr id="10" name="Picture 9">
+            <a:extLst>
+              <a:ext uri="{FF2B5EF4-FFF2-40B4-BE49-F238E27FC236}">
+                <a16:creationId xmlns:a16="http://schemas.microsoft.com/office/drawing/2014/main" id="{FDF94611-0FCC-15A3-4725-16BEC81801FE}"/>
+              </a:ext>
+            </a:extLst>
+          </p:cNvPr>
+          <p:cNvPicPr>
+            <a:picLocks noChangeAspect="1"/>
+          </p:cNvPicPr>
+          <p:nvPr/>
+        </p:nvPicPr>
+        <p:blipFill>
+          <a:blip r:embed="rId4"/>
+          <a:stretch>
+            <a:fillRect/>
+          </a:stretch>
+        </p:blipFill>
+        <p:spPr>
+          <a:xfrm>
+            <a:off x="6570069" y="619246"/>
+            <a:ext cx="4159169" cy="3119377"/>
+          </a:xfrm>
+          <a:prstGeom prst="rect">
+            <a:avLst/>
+          </a:prstGeom>
+        </p:spPr>
+      </p:pic>
+      <p:pic>
+        <p:nvPicPr>
+          <p:cNvPr id="12" name="Picture 11">
+            <a:extLst>
+              <a:ext uri="{FF2B5EF4-FFF2-40B4-BE49-F238E27FC236}">
+                <a16:creationId xmlns:a16="http://schemas.microsoft.com/office/drawing/2014/main" id="{311D3BC7-D938-50FF-CF8B-CD2F2852FC92}"/>
+              </a:ext>
+            </a:extLst>
+          </p:cNvPr>
+          <p:cNvPicPr>
+            <a:picLocks noChangeAspect="1"/>
+          </p:cNvPicPr>
+          <p:nvPr/>
+        </p:nvPicPr>
+        <p:blipFill>
+          <a:blip r:embed="rId5"/>
+          <a:stretch>
+            <a:fillRect/>
+          </a:stretch>
+        </p:blipFill>
+        <p:spPr>
+          <a:xfrm>
+            <a:off x="6570068" y="3738622"/>
+            <a:ext cx="4159169" cy="3119377"/>
+          </a:xfrm>
+          <a:prstGeom prst="rect">
+            <a:avLst/>
+          </a:prstGeom>
+        </p:spPr>
+      </p:pic>
+      <p:sp>
+        <p:nvSpPr>
+          <p:cNvPr id="13" name="TextBox 12">
+            <a:extLst>
+              <a:ext uri="{FF2B5EF4-FFF2-40B4-BE49-F238E27FC236}">
+                <a16:creationId xmlns:a16="http://schemas.microsoft.com/office/drawing/2014/main" id="{BEAB54DE-F7F2-F0DB-8D49-5BA87D776E97}"/>
+              </a:ext>
+            </a:extLst>
+          </p:cNvPr>
+          <p:cNvSpPr txBox="1"/>
+          <p:nvPr/>
+        </p:nvSpPr>
+        <p:spPr>
+          <a:xfrm>
+            <a:off x="8289206" y="319196"/>
+            <a:ext cx="1288879" cy="369332"/>
+          </a:xfrm>
+          <a:prstGeom prst="rect">
+            <a:avLst/>
+          </a:prstGeom>
+          <a:noFill/>
+        </p:spPr>
+        <p:txBody>
+          <a:bodyPr wrap="none" rtlCol="0">
+            <a:spAutoFit/>
+          </a:bodyPr>
+          <a:lstStyle/>
+          <a:p>
+            <a:r>
+              <a:rPr lang="en-ES" dirty="0"/>
+              <a:t>Erdös-Rényi</a:t>
+            </a:r>
+          </a:p>
+        </p:txBody>
+      </p:sp>
+    </p:spTree>
+    <p:extLst>
+      <p:ext uri="{BB962C8B-B14F-4D97-AF65-F5344CB8AC3E}">
+        <p14:creationId xmlns:p14="http://schemas.microsoft.com/office/powerpoint/2010/main" val="3258075523"/>
+      </p:ext>
+    </p:extLst>
+  </p:cSld>
+  <p:clrMapOvr>
+    <a:masterClrMapping/>
+  </p:clrMapOvr>
+</p:sld>
+</file>
+
+<file path=ppt/slides/slide23.xml><?xml version="1.0" encoding="utf-8"?>
+<p:sld xmlns:a="http://schemas.openxmlformats.org/drawingml/2006/main" xmlns:r="http://schemas.openxmlformats.org/officeDocument/2006/relationships" xmlns:p="http://schemas.openxmlformats.org/presentationml/2006/main">
+  <p:cSld>
+    <p:spTree>
+      <p:nvGrpSpPr>
+        <p:cNvPr id="1" name=""/>
+        <p:cNvGrpSpPr/>
+        <p:nvPr/>
+      </p:nvGrpSpPr>
+      <p:grpSpPr>
+        <a:xfrm>
+          <a:off x="0" y="0"/>
+          <a:ext cx="0" cy="0"/>
+          <a:chOff x="0" y="0"/>
+          <a:chExt cx="0" cy="0"/>
+        </a:xfrm>
+      </p:grpSpPr>
+      <p:sp>
+        <p:nvSpPr>
+          <p:cNvPr id="2" name="Title 1">
+            <a:extLst>
+              <a:ext uri="{FF2B5EF4-FFF2-40B4-BE49-F238E27FC236}">
+                <a16:creationId xmlns:a16="http://schemas.microsoft.com/office/drawing/2014/main" id="{8A09C6A2-CD6F-6F90-27DE-2450D4EDD64E}"/>
+              </a:ext>
+            </a:extLst>
+          </p:cNvPr>
+          <p:cNvSpPr>
+            <a:spLocks noGrp="1"/>
+          </p:cNvSpPr>
+          <p:nvPr>
+            <p:ph type="title"/>
+          </p:nvPr>
+        </p:nvSpPr>
+        <p:spPr>
+          <a:xfrm>
+            <a:off x="641430" y="18255"/>
+            <a:ext cx="10515600" cy="1325563"/>
+          </a:xfrm>
+        </p:spPr>
+        <p:txBody>
+          <a:bodyPr/>
+          <a:lstStyle/>
+          <a:p>
+            <a:r>
+              <a:rPr lang="en-ES" dirty="0"/>
+              <a:t>Edge probabilities</a:t>
+            </a:r>
+          </a:p>
+        </p:txBody>
+      </p:sp>
+      <p:pic>
+        <p:nvPicPr>
+          <p:cNvPr id="5" name="Picture 4">
+            <a:extLst>
+              <a:ext uri="{FF2B5EF4-FFF2-40B4-BE49-F238E27FC236}">
+                <a16:creationId xmlns:a16="http://schemas.microsoft.com/office/drawing/2014/main" id="{9910BDE2-30AA-BE55-6602-22EED67C1711}"/>
+              </a:ext>
+            </a:extLst>
+          </p:cNvPr>
+          <p:cNvPicPr>
+            <a:picLocks noChangeAspect="1"/>
+          </p:cNvPicPr>
+          <p:nvPr/>
+        </p:nvPicPr>
+        <p:blipFill>
+          <a:blip r:embed="rId2"/>
+          <a:stretch>
+            <a:fillRect/>
+          </a:stretch>
+        </p:blipFill>
+        <p:spPr>
+          <a:xfrm>
+            <a:off x="6096000" y="1903231"/>
+            <a:ext cx="5854700" cy="4394200"/>
+          </a:xfrm>
+          <a:prstGeom prst="rect">
+            <a:avLst/>
+          </a:prstGeom>
+        </p:spPr>
+      </p:pic>
+      <p:pic>
+        <p:nvPicPr>
+          <p:cNvPr id="7" name="Picture 6" descr="A graph of different colored lines&#10;&#10;Description automatically generated">
+            <a:extLst>
+              <a:ext uri="{FF2B5EF4-FFF2-40B4-BE49-F238E27FC236}">
+                <a16:creationId xmlns:a16="http://schemas.microsoft.com/office/drawing/2014/main" id="{091ABB68-A9D0-1FF9-B0C3-327CFA66B59B}"/>
+              </a:ext>
+            </a:extLst>
+          </p:cNvPr>
+          <p:cNvPicPr>
+            <a:picLocks noChangeAspect="1"/>
+          </p:cNvPicPr>
+          <p:nvPr/>
+        </p:nvPicPr>
+        <p:blipFill>
+          <a:blip r:embed="rId3"/>
+          <a:stretch>
+            <a:fillRect/>
+          </a:stretch>
+        </p:blipFill>
+        <p:spPr>
+          <a:xfrm>
+            <a:off x="129957" y="1903231"/>
+            <a:ext cx="5842000" cy="4381500"/>
+          </a:xfrm>
+          <a:prstGeom prst="rect">
+            <a:avLst/>
+          </a:prstGeom>
+        </p:spPr>
+      </p:pic>
+      <p:sp>
+        <p:nvSpPr>
+          <p:cNvPr id="8" name="TextBox 7">
+            <a:extLst>
+              <a:ext uri="{FF2B5EF4-FFF2-40B4-BE49-F238E27FC236}">
+                <a16:creationId xmlns:a16="http://schemas.microsoft.com/office/drawing/2014/main" id="{E0D0BC2A-E101-FCC3-B285-41E3B20B9002}"/>
+              </a:ext>
+            </a:extLst>
+          </p:cNvPr>
+          <p:cNvSpPr txBox="1"/>
+          <p:nvPr/>
+        </p:nvSpPr>
+        <p:spPr>
+          <a:xfrm>
+            <a:off x="2824228" y="1533899"/>
+            <a:ext cx="453457" cy="369332"/>
+          </a:xfrm>
+          <a:prstGeom prst="rect">
+            <a:avLst/>
+          </a:prstGeom>
+          <a:noFill/>
+        </p:spPr>
+        <p:txBody>
+          <a:bodyPr wrap="none" rtlCol="0">
+            <a:spAutoFit/>
+          </a:bodyPr>
+          <a:lstStyle/>
+          <a:p>
+            <a:r>
+              <a:rPr lang="en-ES" dirty="0"/>
+              <a:t>RG</a:t>
+            </a:r>
+          </a:p>
+        </p:txBody>
+      </p:sp>
+      <p:sp>
+        <p:nvSpPr>
+          <p:cNvPr id="9" name="TextBox 8">
+            <a:extLst>
+              <a:ext uri="{FF2B5EF4-FFF2-40B4-BE49-F238E27FC236}">
+                <a16:creationId xmlns:a16="http://schemas.microsoft.com/office/drawing/2014/main" id="{960B04F6-9077-7B72-2619-026346A4352A}"/>
+              </a:ext>
+            </a:extLst>
+          </p:cNvPr>
+          <p:cNvSpPr txBox="1"/>
+          <p:nvPr/>
+        </p:nvSpPr>
+        <p:spPr>
+          <a:xfrm>
+            <a:off x="9023350" y="1533899"/>
+            <a:ext cx="421910" cy="369332"/>
+          </a:xfrm>
+          <a:prstGeom prst="rect">
+            <a:avLst/>
+          </a:prstGeom>
+          <a:noFill/>
+        </p:spPr>
+        <p:txBody>
+          <a:bodyPr wrap="none" rtlCol="0">
+            <a:spAutoFit/>
+          </a:bodyPr>
+          <a:lstStyle/>
+          <a:p>
+            <a:r>
+              <a:rPr lang="en-ES" dirty="0"/>
+              <a:t>ER</a:t>
+            </a:r>
+          </a:p>
+        </p:txBody>
+      </p:sp>
+    </p:spTree>
+    <p:extLst>
+      <p:ext uri="{BB962C8B-B14F-4D97-AF65-F5344CB8AC3E}">
+        <p14:creationId xmlns:p14="http://schemas.microsoft.com/office/powerpoint/2010/main" val="1998875283"/>
+      </p:ext>
+    </p:extLst>
+  </p:cSld>
+  <p:clrMapOvr>
+    <a:masterClrMapping/>
+  </p:clrMapOvr>
+</p:sld>
+</file>
+
+<file path=ppt/slides/slide24.xml><?xml version="1.0" encoding="utf-8"?>
+<p:sld xmlns:a="http://schemas.openxmlformats.org/drawingml/2006/main" xmlns:r="http://schemas.openxmlformats.org/officeDocument/2006/relationships" xmlns:p="http://schemas.openxmlformats.org/presentationml/2006/main">
+  <p:cSld>
+    <p:spTree>
+      <p:nvGrpSpPr>
+        <p:cNvPr id="1" name=""/>
+        <p:cNvGrpSpPr/>
+        <p:nvPr/>
+      </p:nvGrpSpPr>
+      <p:grpSpPr>
+        <a:xfrm>
+          <a:off x="0" y="0"/>
+          <a:ext cx="0" cy="0"/>
+          <a:chOff x="0" y="0"/>
+          <a:chExt cx="0" cy="0"/>
+        </a:xfrm>
+      </p:grpSpPr>
+      <p:sp>
+        <p:nvSpPr>
+          <p:cNvPr id="2" name="Title 1">
+            <a:extLst>
+              <a:ext uri="{FF2B5EF4-FFF2-40B4-BE49-F238E27FC236}">
+                <a16:creationId xmlns:a16="http://schemas.microsoft.com/office/drawing/2014/main" id="{769A4CE9-EBC3-D0DF-D742-3226E5F10473}"/>
+              </a:ext>
+            </a:extLst>
+          </p:cNvPr>
+          <p:cNvSpPr>
+            <a:spLocks noGrp="1"/>
+          </p:cNvSpPr>
+          <p:nvPr>
+            <p:ph type="title"/>
+          </p:nvPr>
+        </p:nvSpPr>
+        <p:spPr/>
+        <p:txBody>
+          <a:bodyPr/>
+          <a:lstStyle/>
+          <a:p>
+            <a:r>
+              <a:rPr lang="en-ES" dirty="0"/>
+              <a:t>3x3 regular lattice no PBC</a:t>
+            </a:r>
+          </a:p>
+        </p:txBody>
+      </p:sp>
+      <p:pic>
+        <p:nvPicPr>
+          <p:cNvPr id="5" name="Picture 4">
+            <a:extLst>
+              <a:ext uri="{FF2B5EF4-FFF2-40B4-BE49-F238E27FC236}">
+                <a16:creationId xmlns:a16="http://schemas.microsoft.com/office/drawing/2014/main" id="{11C5B32A-37F9-41FE-09B6-D4A179FBFB27}"/>
+              </a:ext>
+            </a:extLst>
+          </p:cNvPr>
+          <p:cNvPicPr>
+            <a:picLocks noChangeAspect="1"/>
+          </p:cNvPicPr>
+          <p:nvPr/>
+        </p:nvPicPr>
+        <p:blipFill>
+          <a:blip r:embed="rId2"/>
+          <a:stretch>
+            <a:fillRect/>
+          </a:stretch>
+        </p:blipFill>
+        <p:spPr>
+          <a:xfrm>
+            <a:off x="241300" y="1767700"/>
+            <a:ext cx="5854700" cy="4394200"/>
+          </a:xfrm>
+          <a:prstGeom prst="rect">
+            <a:avLst/>
+          </a:prstGeom>
+        </p:spPr>
+      </p:pic>
+      <p:pic>
+        <p:nvPicPr>
+          <p:cNvPr id="9" name="Picture 8">
+            <a:extLst>
+              <a:ext uri="{FF2B5EF4-FFF2-40B4-BE49-F238E27FC236}">
+                <a16:creationId xmlns:a16="http://schemas.microsoft.com/office/drawing/2014/main" id="{60FDCF32-B2B3-92FA-4677-483F7FB039CC}"/>
+              </a:ext>
+            </a:extLst>
+          </p:cNvPr>
+          <p:cNvPicPr>
+            <a:picLocks noChangeAspect="1"/>
+          </p:cNvPicPr>
+          <p:nvPr/>
+        </p:nvPicPr>
+        <p:blipFill>
+          <a:blip r:embed="rId3"/>
+          <a:stretch>
+            <a:fillRect/>
+          </a:stretch>
+        </p:blipFill>
+        <p:spPr>
+          <a:xfrm>
+            <a:off x="6096000" y="1627114"/>
+            <a:ext cx="6046381" cy="4534786"/>
+          </a:xfrm>
+          <a:prstGeom prst="rect">
+            <a:avLst/>
+          </a:prstGeom>
+        </p:spPr>
+      </p:pic>
+    </p:spTree>
+    <p:extLst>
+      <p:ext uri="{BB962C8B-B14F-4D97-AF65-F5344CB8AC3E}">
+        <p14:creationId xmlns:p14="http://schemas.microsoft.com/office/powerpoint/2010/main" val="3552715147"/>
+      </p:ext>
+    </p:extLst>
+  </p:cSld>
+  <p:clrMapOvr>
+    <a:masterClrMapping/>
+  </p:clrMapOvr>
+</p:sld>
+</file>
+
+<file path=ppt/slides/slide25.xml><?xml version="1.0" encoding="utf-8"?>
+<p:sld xmlns:a="http://schemas.openxmlformats.org/drawingml/2006/main" xmlns:r="http://schemas.openxmlformats.org/officeDocument/2006/relationships" xmlns:p="http://schemas.openxmlformats.org/presentationml/2006/main">
+  <p:cSld>
+    <p:spTree>
+      <p:nvGrpSpPr>
+        <p:cNvPr id="1" name=""/>
+        <p:cNvGrpSpPr/>
+        <p:nvPr/>
+      </p:nvGrpSpPr>
+      <p:grpSpPr>
+        <a:xfrm>
+          <a:off x="0" y="0"/>
+          <a:ext cx="0" cy="0"/>
+          <a:chOff x="0" y="0"/>
+          <a:chExt cx="0" cy="0"/>
+        </a:xfrm>
+      </p:grpSpPr>
+      <p:sp>
+        <p:nvSpPr>
+          <p:cNvPr id="2" name="Title 1">
+            <a:extLst>
+              <a:ext uri="{FF2B5EF4-FFF2-40B4-BE49-F238E27FC236}">
+                <a16:creationId xmlns:a16="http://schemas.microsoft.com/office/drawing/2014/main" id="{D26A164A-137D-7FED-61A3-12D69CF029B5}"/>
+              </a:ext>
+            </a:extLst>
+          </p:cNvPr>
+          <p:cNvSpPr>
+            <a:spLocks noGrp="1"/>
+          </p:cNvSpPr>
+          <p:nvPr>
+            <p:ph type="title"/>
+          </p:nvPr>
+        </p:nvSpPr>
+        <p:spPr>
+          <a:xfrm>
+            <a:off x="838200" y="-68264"/>
+            <a:ext cx="10515600" cy="1325563"/>
+          </a:xfrm>
+        </p:spPr>
+        <p:txBody>
+          <a:bodyPr/>
+          <a:lstStyle/>
+          <a:p>
+            <a:r>
+              <a:rPr lang="en-ES" dirty="0"/>
+              <a:t>PBC lattice node probabilities</a:t>
+            </a:r>
+          </a:p>
+        </p:txBody>
+      </p:sp>
+      <p:pic>
+        <p:nvPicPr>
+          <p:cNvPr id="15" name="Picture 14">
+            <a:extLst>
+              <a:ext uri="{FF2B5EF4-FFF2-40B4-BE49-F238E27FC236}">
+                <a16:creationId xmlns:a16="http://schemas.microsoft.com/office/drawing/2014/main" id="{417CCF8C-6E5A-9002-74B1-1F20D51FD938}"/>
+              </a:ext>
+            </a:extLst>
+          </p:cNvPr>
+          <p:cNvPicPr>
+            <a:picLocks noChangeAspect="1"/>
+          </p:cNvPicPr>
+          <p:nvPr/>
+        </p:nvPicPr>
+        <p:blipFill>
+          <a:blip r:embed="rId2"/>
+          <a:stretch>
+            <a:fillRect/>
+          </a:stretch>
+        </p:blipFill>
+        <p:spPr>
+          <a:xfrm>
+            <a:off x="24802" y="1080595"/>
+            <a:ext cx="4175939" cy="2783959"/>
+          </a:xfrm>
+          <a:prstGeom prst="rect">
+            <a:avLst/>
+          </a:prstGeom>
+        </p:spPr>
+      </p:pic>
+      <p:sp>
+        <p:nvSpPr>
+          <p:cNvPr id="16" name="TextBox 15">
+            <a:extLst>
+              <a:ext uri="{FF2B5EF4-FFF2-40B4-BE49-F238E27FC236}">
+                <a16:creationId xmlns:a16="http://schemas.microsoft.com/office/drawing/2014/main" id="{C5CEAFA0-5FC0-B1CE-E934-9277D0F43DDF}"/>
+              </a:ext>
+            </a:extLst>
+          </p:cNvPr>
+          <p:cNvSpPr txBox="1"/>
+          <p:nvPr/>
+        </p:nvSpPr>
+        <p:spPr>
+          <a:xfrm>
+            <a:off x="1002327" y="844105"/>
+            <a:ext cx="836126" cy="369332"/>
+          </a:xfrm>
+          <a:prstGeom prst="rect">
+            <a:avLst/>
+          </a:prstGeom>
+          <a:noFill/>
+        </p:spPr>
+        <p:txBody>
+          <a:bodyPr wrap="none" rtlCol="0">
+            <a:spAutoFit/>
+          </a:bodyPr>
+          <a:lstStyle/>
+          <a:p>
+            <a:r>
+              <a:rPr lang="en-GB" dirty="0"/>
+              <a:t>C</a:t>
+            </a:r>
+            <a:r>
+              <a:rPr lang="en-ES" dirty="0"/>
+              <a:t>nst. </a:t>
+            </a:r>
+            <a:r>
+              <a:rPr lang="en-GB" dirty="0"/>
+              <a:t>V</a:t>
+            </a:r>
+            <a:endParaRPr lang="en-ES" dirty="0"/>
+          </a:p>
+        </p:txBody>
+      </p:sp>
+      <p:pic>
+        <p:nvPicPr>
+          <p:cNvPr id="18" name="Picture 17">
+            <a:extLst>
+              <a:ext uri="{FF2B5EF4-FFF2-40B4-BE49-F238E27FC236}">
+                <a16:creationId xmlns:a16="http://schemas.microsoft.com/office/drawing/2014/main" id="{2918CE00-BB9A-605C-0E75-D4335E09805A}"/>
+              </a:ext>
+            </a:extLst>
+          </p:cNvPr>
+          <p:cNvPicPr>
+            <a:picLocks noChangeAspect="1"/>
+          </p:cNvPicPr>
+          <p:nvPr/>
+        </p:nvPicPr>
+        <p:blipFill>
+          <a:blip r:embed="rId3"/>
+          <a:stretch>
+            <a:fillRect/>
+          </a:stretch>
+        </p:blipFill>
+        <p:spPr>
+          <a:xfrm>
+            <a:off x="4012013" y="1080595"/>
+            <a:ext cx="4175939" cy="2783959"/>
+          </a:xfrm>
+          <a:prstGeom prst="rect">
+            <a:avLst/>
+          </a:prstGeom>
+        </p:spPr>
+      </p:pic>
+      <p:sp>
+        <p:nvSpPr>
+          <p:cNvPr id="19" name="TextBox 18">
+            <a:extLst>
+              <a:ext uri="{FF2B5EF4-FFF2-40B4-BE49-F238E27FC236}">
+                <a16:creationId xmlns:a16="http://schemas.microsoft.com/office/drawing/2014/main" id="{7A381437-D4E1-9F3C-C27F-11EED3179FBE}"/>
+              </a:ext>
+            </a:extLst>
+          </p:cNvPr>
+          <p:cNvSpPr txBox="1"/>
+          <p:nvPr/>
+        </p:nvSpPr>
+        <p:spPr>
+          <a:xfrm>
+            <a:off x="4999312" y="823036"/>
+            <a:ext cx="765146" cy="369332"/>
+          </a:xfrm>
+          <a:prstGeom prst="rect">
+            <a:avLst/>
+          </a:prstGeom>
+          <a:noFill/>
+        </p:spPr>
+        <p:txBody>
+          <a:bodyPr wrap="none" rtlCol="0">
+            <a:spAutoFit/>
+          </a:bodyPr>
+          <a:lstStyle/>
+          <a:p>
+            <a:r>
+              <a:rPr lang="en-ES" dirty="0"/>
+              <a:t>DTRW</a:t>
+            </a:r>
+          </a:p>
+        </p:txBody>
+      </p:sp>
+      <p:pic>
+        <p:nvPicPr>
+          <p:cNvPr id="21" name="Picture 20">
+            <a:extLst>
+              <a:ext uri="{FF2B5EF4-FFF2-40B4-BE49-F238E27FC236}">
+                <a16:creationId xmlns:a16="http://schemas.microsoft.com/office/drawing/2014/main" id="{EB9FDCF9-C838-E1AA-06F1-C653DF6EB622}"/>
+              </a:ext>
+            </a:extLst>
+          </p:cNvPr>
+          <p:cNvPicPr>
+            <a:picLocks noChangeAspect="1"/>
+          </p:cNvPicPr>
+          <p:nvPr/>
+        </p:nvPicPr>
+        <p:blipFill>
+          <a:blip r:embed="rId4"/>
+          <a:stretch>
+            <a:fillRect/>
+          </a:stretch>
+        </p:blipFill>
+        <p:spPr>
+          <a:xfrm>
+            <a:off x="8009856" y="1080595"/>
+            <a:ext cx="4175940" cy="2783960"/>
+          </a:xfrm>
+          <a:prstGeom prst="rect">
+            <a:avLst/>
+          </a:prstGeom>
+        </p:spPr>
+      </p:pic>
+      <p:sp>
+        <p:nvSpPr>
+          <p:cNvPr id="22" name="TextBox 21">
+            <a:extLst>
+              <a:ext uri="{FF2B5EF4-FFF2-40B4-BE49-F238E27FC236}">
+                <a16:creationId xmlns:a16="http://schemas.microsoft.com/office/drawing/2014/main" id="{2B9737E7-787F-460A-C0F7-65CE3EB0A87B}"/>
+              </a:ext>
+            </a:extLst>
+          </p:cNvPr>
+          <p:cNvSpPr txBox="1"/>
+          <p:nvPr/>
+        </p:nvSpPr>
+        <p:spPr>
+          <a:xfrm>
+            <a:off x="8648024" y="823036"/>
+            <a:ext cx="1484509" cy="369332"/>
+          </a:xfrm>
+          <a:prstGeom prst="rect">
+            <a:avLst/>
+          </a:prstGeom>
+          <a:noFill/>
+        </p:spPr>
+        <p:txBody>
+          <a:bodyPr wrap="none" rtlCol="0">
+            <a:spAutoFit/>
+          </a:bodyPr>
+          <a:lstStyle/>
+          <a:p>
+            <a:r>
+              <a:rPr lang="en-ES" dirty="0"/>
+              <a:t>Edge-centr. th</a:t>
+            </a:r>
+          </a:p>
+        </p:txBody>
+      </p:sp>
+      <p:pic>
+        <p:nvPicPr>
+          <p:cNvPr id="24" name="Picture 23">
+            <a:extLst>
+              <a:ext uri="{FF2B5EF4-FFF2-40B4-BE49-F238E27FC236}">
+                <a16:creationId xmlns:a16="http://schemas.microsoft.com/office/drawing/2014/main" id="{B2076BAF-6E66-6BC6-9751-9C94EC16FC20}"/>
+              </a:ext>
+            </a:extLst>
+          </p:cNvPr>
+          <p:cNvPicPr>
+            <a:picLocks noChangeAspect="1"/>
+          </p:cNvPicPr>
+          <p:nvPr/>
+        </p:nvPicPr>
+        <p:blipFill rotWithShape="1">
+          <a:blip r:embed="rId5"/>
+          <a:srcRect r="3650"/>
+          <a:stretch/>
+        </p:blipFill>
+        <p:spPr>
+          <a:xfrm>
+            <a:off x="8177319" y="3999609"/>
+            <a:ext cx="4023542" cy="2783959"/>
+          </a:xfrm>
+          <a:prstGeom prst="rect">
+            <a:avLst/>
+          </a:prstGeom>
+        </p:spPr>
+      </p:pic>
+      <p:pic>
+        <p:nvPicPr>
+          <p:cNvPr id="26" name="Picture 25">
+            <a:extLst>
+              <a:ext uri="{FF2B5EF4-FFF2-40B4-BE49-F238E27FC236}">
+                <a16:creationId xmlns:a16="http://schemas.microsoft.com/office/drawing/2014/main" id="{6116D6D1-8380-B8AB-F9FD-93593C37EC13}"/>
+              </a:ext>
+            </a:extLst>
+          </p:cNvPr>
+          <p:cNvPicPr>
+            <a:picLocks noChangeAspect="1"/>
+          </p:cNvPicPr>
+          <p:nvPr/>
+        </p:nvPicPr>
+        <p:blipFill>
+          <a:blip r:embed="rId6"/>
+          <a:stretch>
+            <a:fillRect/>
+          </a:stretch>
+        </p:blipFill>
+        <p:spPr>
+          <a:xfrm>
+            <a:off x="0" y="3968595"/>
+            <a:ext cx="4175939" cy="2783959"/>
+          </a:xfrm>
+          <a:prstGeom prst="rect">
+            <a:avLst/>
+          </a:prstGeom>
+        </p:spPr>
+      </p:pic>
+      <p:sp>
+        <p:nvSpPr>
+          <p:cNvPr id="27" name="TextBox 26">
+            <a:extLst>
+              <a:ext uri="{FF2B5EF4-FFF2-40B4-BE49-F238E27FC236}">
+                <a16:creationId xmlns:a16="http://schemas.microsoft.com/office/drawing/2014/main" id="{FF259997-3A68-D134-016F-BF26B7C506F4}"/>
+              </a:ext>
+            </a:extLst>
+          </p:cNvPr>
+          <p:cNvSpPr txBox="1"/>
+          <p:nvPr/>
+        </p:nvSpPr>
+        <p:spPr>
+          <a:xfrm>
+            <a:off x="803633" y="3714567"/>
+            <a:ext cx="1270220" cy="369332"/>
+          </a:xfrm>
+          <a:prstGeom prst="rect">
+            <a:avLst/>
+          </a:prstGeom>
+          <a:noFill/>
+        </p:spPr>
+        <p:txBody>
+          <a:bodyPr wrap="none" rtlCol="0">
+            <a:spAutoFit/>
+          </a:bodyPr>
+          <a:lstStyle/>
+          <a:p>
+            <a:r>
+              <a:rPr lang="en-ES" dirty="0"/>
+              <a:t>Node centr.</a:t>
+            </a:r>
+          </a:p>
+        </p:txBody>
+      </p:sp>
+      <p:sp>
+        <p:nvSpPr>
+          <p:cNvPr id="28" name="TextBox 27">
+            <a:extLst>
+              <a:ext uri="{FF2B5EF4-FFF2-40B4-BE49-F238E27FC236}">
+                <a16:creationId xmlns:a16="http://schemas.microsoft.com/office/drawing/2014/main" id="{65F7D056-1534-6CE6-0C26-4B5E87384282}"/>
+              </a:ext>
+            </a:extLst>
+          </p:cNvPr>
+          <p:cNvSpPr txBox="1"/>
+          <p:nvPr/>
+        </p:nvSpPr>
+        <p:spPr>
+          <a:xfrm>
+            <a:off x="8801107" y="3726199"/>
+            <a:ext cx="1612749" cy="369332"/>
+          </a:xfrm>
+          <a:prstGeom prst="rect">
+            <a:avLst/>
+          </a:prstGeom>
+          <a:noFill/>
+        </p:spPr>
+        <p:txBody>
+          <a:bodyPr wrap="none" rtlCol="0">
+            <a:spAutoFit/>
+          </a:bodyPr>
+          <a:lstStyle/>
+          <a:p>
+            <a:r>
+              <a:rPr lang="en-ES" dirty="0"/>
+              <a:t>Edge-centr. sim</a:t>
+            </a:r>
+          </a:p>
+        </p:txBody>
+      </p:sp>
+      <p:pic>
+        <p:nvPicPr>
+          <p:cNvPr id="30" name="Picture 29">
+            <a:extLst>
+              <a:ext uri="{FF2B5EF4-FFF2-40B4-BE49-F238E27FC236}">
+                <a16:creationId xmlns:a16="http://schemas.microsoft.com/office/drawing/2014/main" id="{C2B2DC93-7B3A-0235-E1AC-84B870717244}"/>
+              </a:ext>
+            </a:extLst>
+          </p:cNvPr>
+          <p:cNvPicPr>
+            <a:picLocks noChangeAspect="1"/>
+          </p:cNvPicPr>
+          <p:nvPr/>
+        </p:nvPicPr>
+        <p:blipFill rotWithShape="1">
+          <a:blip r:embed="rId7"/>
+          <a:srcRect r="3289"/>
+          <a:stretch/>
+        </p:blipFill>
+        <p:spPr>
+          <a:xfrm>
+            <a:off x="3992520" y="3999610"/>
+            <a:ext cx="4175938" cy="2783959"/>
+          </a:xfrm>
+          <a:prstGeom prst="rect">
+            <a:avLst/>
+          </a:prstGeom>
+        </p:spPr>
+      </p:pic>
+      <p:sp>
+        <p:nvSpPr>
+          <p:cNvPr id="31" name="TextBox 30">
+            <a:extLst>
+              <a:ext uri="{FF2B5EF4-FFF2-40B4-BE49-F238E27FC236}">
+                <a16:creationId xmlns:a16="http://schemas.microsoft.com/office/drawing/2014/main" id="{40A785AF-117C-E519-93B3-562081C31A4C}"/>
+              </a:ext>
+            </a:extLst>
+          </p:cNvPr>
+          <p:cNvSpPr txBox="1"/>
+          <p:nvPr/>
+        </p:nvSpPr>
+        <p:spPr>
+          <a:xfrm>
+            <a:off x="4102997" y="3738780"/>
+            <a:ext cx="2748894" cy="369332"/>
+          </a:xfrm>
+          <a:prstGeom prst="rect">
+            <a:avLst/>
+          </a:prstGeom>
+          <a:noFill/>
+        </p:spPr>
+        <p:txBody>
+          <a:bodyPr wrap="none" rtlCol="0">
+            <a:spAutoFit/>
+          </a:bodyPr>
+          <a:lstStyle/>
+          <a:p>
+            <a:r>
+              <a:rPr lang="en-ES" dirty="0"/>
+              <a:t>Edge-centr. </a:t>
+            </a:r>
+            <a:r>
+              <a:rPr lang="en-GB" dirty="0"/>
+              <a:t>t</a:t>
+            </a:r>
+            <a:r>
+              <a:rPr lang="en-ES" dirty="0"/>
+              <a:t>h + edge probs</a:t>
+            </a:r>
+          </a:p>
+        </p:txBody>
+      </p:sp>
+    </p:spTree>
+    <p:extLst>
+      <p:ext uri="{BB962C8B-B14F-4D97-AF65-F5344CB8AC3E}">
+        <p14:creationId xmlns:p14="http://schemas.microsoft.com/office/powerpoint/2010/main" val="4128961877"/>
       </p:ext>
     </p:extLst>
   </p:cSld>
